--- a/slides-short.pptx
+++ b/slides-short.pptx
@@ -244,7 +244,7 @@
           <a:p>
             <a:fld id="{CAD3DA7F-7FA1-4591-8C71-DEF7EF64A0B2}" type="datetimeFigureOut">
               <a:rPr lang="en-US" smtClean="0"/>
-              <a:t>1/5/2015</a:t>
+              <a:t>1/6/2015</a:t>
             </a:fld>
             <a:endParaRPr lang="en-US"/>
           </a:p>
@@ -556,7 +556,15 @@
           <a:bodyPr/>
           <a:lstStyle/>
           <a:p>
-            <a:endParaRPr lang="en-US"/>
+            <a:r>
+              <a:rPr lang="en-US" dirty="0" smtClean="0"/>
+              <a:t>Next: </a:t>
+            </a:r>
+            <a:r>
+              <a:rPr lang="en-US" dirty="0" err="1" smtClean="0"/>
+              <a:t>organisation</a:t>
+            </a:r>
+            <a:endParaRPr lang="en-US" dirty="0"/>
           </a:p>
         </p:txBody>
       </p:sp>
@@ -587,6 +595,1065 @@
     <p:extLst>
       <p:ext uri="{BB962C8B-B14F-4D97-AF65-F5344CB8AC3E}">
         <p14:creationId xmlns:p14="http://schemas.microsoft.com/office/powerpoint/2010/main" val="4140034987"/>
+      </p:ext>
+    </p:extLst>
+  </p:cSld>
+  <p:clrMapOvr>
+    <a:masterClrMapping/>
+  </p:clrMapOvr>
+</p:notes>
+</file>
+
+<file path=ppt/notesSlides/notesSlide10.xml><?xml version="1.0" encoding="utf-8"?>
+<p:notes xmlns:a="http://schemas.openxmlformats.org/drawingml/2006/main" xmlns:r="http://schemas.openxmlformats.org/officeDocument/2006/relationships" xmlns:p="http://schemas.openxmlformats.org/presentationml/2006/main">
+  <p:cSld>
+    <p:spTree>
+      <p:nvGrpSpPr>
+        <p:cNvPr id="1" name=""/>
+        <p:cNvGrpSpPr/>
+        <p:nvPr/>
+      </p:nvGrpSpPr>
+      <p:grpSpPr>
+        <a:xfrm>
+          <a:off x="0" y="0"/>
+          <a:ext cx="0" cy="0"/>
+          <a:chOff x="0" y="0"/>
+          <a:chExt cx="0" cy="0"/>
+        </a:xfrm>
+      </p:grpSpPr>
+      <p:sp>
+        <p:nvSpPr>
+          <p:cNvPr id="2" name="Slide Image Placeholder 1"/>
+          <p:cNvSpPr>
+            <a:spLocks noGrp="1" noRot="1" noChangeAspect="1"/>
+          </p:cNvSpPr>
+          <p:nvPr>
+            <p:ph type="sldImg"/>
+          </p:nvPr>
+        </p:nvSpPr>
+        <p:spPr/>
+      </p:sp>
+      <p:sp>
+        <p:nvSpPr>
+          <p:cNvPr id="3" name="Notes Placeholder 2"/>
+          <p:cNvSpPr>
+            <a:spLocks noGrp="1"/>
+          </p:cNvSpPr>
+          <p:nvPr>
+            <p:ph type="body" idx="1"/>
+          </p:nvPr>
+        </p:nvSpPr>
+        <p:spPr/>
+        <p:txBody>
+          <a:bodyPr/>
+          <a:lstStyle/>
+          <a:p>
+            <a:r>
+              <a:rPr lang="en-US" dirty="0" smtClean="0"/>
+              <a:t>Next: </a:t>
+            </a:r>
+            <a:r>
+              <a:rPr lang="en-US" dirty="0" err="1" smtClean="0"/>
+              <a:t>Topologie</a:t>
+            </a:r>
+            <a:r>
+              <a:rPr lang="en-US" dirty="0" smtClean="0"/>
+              <a:t> </a:t>
+            </a:r>
+            <a:r>
+              <a:rPr lang="en-US" dirty="0" err="1" smtClean="0"/>
+              <a:t>logique</a:t>
+            </a:r>
+            <a:r>
+              <a:rPr lang="en-US" dirty="0" smtClean="0"/>
+              <a:t> : motivation</a:t>
+            </a:r>
+            <a:endParaRPr lang="en-US" dirty="0"/>
+          </a:p>
+        </p:txBody>
+      </p:sp>
+      <p:sp>
+        <p:nvSpPr>
+          <p:cNvPr id="4" name="Slide Number Placeholder 3"/>
+          <p:cNvSpPr>
+            <a:spLocks noGrp="1"/>
+          </p:cNvSpPr>
+          <p:nvPr>
+            <p:ph type="sldNum" sz="quarter" idx="10"/>
+          </p:nvPr>
+        </p:nvSpPr>
+        <p:spPr/>
+        <p:txBody>
+          <a:bodyPr/>
+          <a:lstStyle/>
+          <a:p>
+            <a:fld id="{6F9933D3-4D81-4BB4-AA18-612B08FC0C74}" type="slidenum">
+              <a:rPr lang="en-US" smtClean="0"/>
+              <a:t>10</a:t>
+            </a:fld>
+            <a:endParaRPr lang="en-US"/>
+          </a:p>
+        </p:txBody>
+      </p:sp>
+    </p:spTree>
+    <p:extLst>
+      <p:ext uri="{BB962C8B-B14F-4D97-AF65-F5344CB8AC3E}">
+        <p14:creationId xmlns:p14="http://schemas.microsoft.com/office/powerpoint/2010/main" val="347381440"/>
+      </p:ext>
+    </p:extLst>
+  </p:cSld>
+  <p:clrMapOvr>
+    <a:masterClrMapping/>
+  </p:clrMapOvr>
+</p:notes>
+</file>
+
+<file path=ppt/notesSlides/notesSlide11.xml><?xml version="1.0" encoding="utf-8"?>
+<p:notes xmlns:a="http://schemas.openxmlformats.org/drawingml/2006/main" xmlns:r="http://schemas.openxmlformats.org/officeDocument/2006/relationships" xmlns:p="http://schemas.openxmlformats.org/presentationml/2006/main">
+  <p:cSld>
+    <p:spTree>
+      <p:nvGrpSpPr>
+        <p:cNvPr id="1" name=""/>
+        <p:cNvGrpSpPr/>
+        <p:nvPr/>
+      </p:nvGrpSpPr>
+      <p:grpSpPr>
+        <a:xfrm>
+          <a:off x="0" y="0"/>
+          <a:ext cx="0" cy="0"/>
+          <a:chOff x="0" y="0"/>
+          <a:chExt cx="0" cy="0"/>
+        </a:xfrm>
+      </p:grpSpPr>
+      <p:sp>
+        <p:nvSpPr>
+          <p:cNvPr id="2" name="Slide Image Placeholder 1"/>
+          <p:cNvSpPr>
+            <a:spLocks noGrp="1" noRot="1" noChangeAspect="1"/>
+          </p:cNvSpPr>
+          <p:nvPr>
+            <p:ph type="sldImg"/>
+          </p:nvPr>
+        </p:nvSpPr>
+        <p:spPr/>
+      </p:sp>
+      <p:sp>
+        <p:nvSpPr>
+          <p:cNvPr id="3" name="Notes Placeholder 2"/>
+          <p:cNvSpPr>
+            <a:spLocks noGrp="1"/>
+          </p:cNvSpPr>
+          <p:nvPr>
+            <p:ph type="body" idx="1"/>
+          </p:nvPr>
+        </p:nvSpPr>
+        <p:spPr/>
+        <p:txBody>
+          <a:bodyPr/>
+          <a:lstStyle/>
+          <a:p>
+            <a:r>
+              <a:rPr lang="en-US" dirty="0" smtClean="0"/>
+              <a:t>Next: Description </a:t>
+            </a:r>
+            <a:r>
+              <a:rPr lang="en-US" dirty="0" err="1" smtClean="0"/>
+              <a:t>formelle</a:t>
+            </a:r>
+            <a:r>
+              <a:rPr lang="en-US" dirty="0" smtClean="0"/>
+              <a:t> des </a:t>
+            </a:r>
+            <a:r>
+              <a:rPr lang="en-US" dirty="0" err="1" smtClean="0"/>
+              <a:t>objets</a:t>
+            </a:r>
+            <a:endParaRPr lang="en-US" dirty="0"/>
+          </a:p>
+        </p:txBody>
+      </p:sp>
+      <p:sp>
+        <p:nvSpPr>
+          <p:cNvPr id="4" name="Slide Number Placeholder 3"/>
+          <p:cNvSpPr>
+            <a:spLocks noGrp="1"/>
+          </p:cNvSpPr>
+          <p:nvPr>
+            <p:ph type="sldNum" sz="quarter" idx="10"/>
+          </p:nvPr>
+        </p:nvSpPr>
+        <p:spPr/>
+        <p:txBody>
+          <a:bodyPr/>
+          <a:lstStyle/>
+          <a:p>
+            <a:fld id="{6F9933D3-4D81-4BB4-AA18-612B08FC0C74}" type="slidenum">
+              <a:rPr lang="en-US" smtClean="0"/>
+              <a:t>11</a:t>
+            </a:fld>
+            <a:endParaRPr lang="en-US"/>
+          </a:p>
+        </p:txBody>
+      </p:sp>
+    </p:spTree>
+    <p:extLst>
+      <p:ext uri="{BB962C8B-B14F-4D97-AF65-F5344CB8AC3E}">
+        <p14:creationId xmlns:p14="http://schemas.microsoft.com/office/powerpoint/2010/main" val="3485110587"/>
+      </p:ext>
+    </p:extLst>
+  </p:cSld>
+  <p:clrMapOvr>
+    <a:masterClrMapping/>
+  </p:clrMapOvr>
+</p:notes>
+</file>
+
+<file path=ppt/notesSlides/notesSlide12.xml><?xml version="1.0" encoding="utf-8"?>
+<p:notes xmlns:a="http://schemas.openxmlformats.org/drawingml/2006/main" xmlns:r="http://schemas.openxmlformats.org/officeDocument/2006/relationships" xmlns:p="http://schemas.openxmlformats.org/presentationml/2006/main">
+  <p:cSld>
+    <p:spTree>
+      <p:nvGrpSpPr>
+        <p:cNvPr id="1" name=""/>
+        <p:cNvGrpSpPr/>
+        <p:nvPr/>
+      </p:nvGrpSpPr>
+      <p:grpSpPr>
+        <a:xfrm>
+          <a:off x="0" y="0"/>
+          <a:ext cx="0" cy="0"/>
+          <a:chOff x="0" y="0"/>
+          <a:chExt cx="0" cy="0"/>
+        </a:xfrm>
+      </p:grpSpPr>
+      <p:sp>
+        <p:nvSpPr>
+          <p:cNvPr id="2" name="Slide Image Placeholder 1"/>
+          <p:cNvSpPr>
+            <a:spLocks noGrp="1" noRot="1" noChangeAspect="1"/>
+          </p:cNvSpPr>
+          <p:nvPr>
+            <p:ph type="sldImg"/>
+          </p:nvPr>
+        </p:nvSpPr>
+        <p:spPr/>
+      </p:sp>
+      <p:sp>
+        <p:nvSpPr>
+          <p:cNvPr id="3" name="Notes Placeholder 2"/>
+          <p:cNvSpPr>
+            <a:spLocks noGrp="1"/>
+          </p:cNvSpPr>
+          <p:nvPr>
+            <p:ph type="body" idx="1"/>
+          </p:nvPr>
+        </p:nvSpPr>
+        <p:spPr/>
+        <p:txBody>
+          <a:bodyPr/>
+          <a:lstStyle/>
+          <a:p>
+            <a:r>
+              <a:rPr lang="en-US" dirty="0" smtClean="0"/>
+              <a:t>Next: </a:t>
+            </a:r>
+            <a:r>
+              <a:rPr lang="en-US" dirty="0" err="1" smtClean="0"/>
+              <a:t>Définition</a:t>
+            </a:r>
+            <a:r>
+              <a:rPr lang="en-US" dirty="0" smtClean="0"/>
+              <a:t> </a:t>
+            </a:r>
+            <a:r>
+              <a:rPr lang="en-US" dirty="0" err="1" smtClean="0"/>
+              <a:t>formelle</a:t>
+            </a:r>
+            <a:r>
+              <a:rPr lang="en-US" dirty="0" smtClean="0"/>
+              <a:t> des </a:t>
+            </a:r>
+            <a:r>
+              <a:rPr lang="en-US" dirty="0" err="1" smtClean="0"/>
+              <a:t>outils</a:t>
+            </a:r>
+            <a:r>
+              <a:rPr lang="en-US" dirty="0" smtClean="0"/>
+              <a:t> (1) : </a:t>
+            </a:r>
+            <a:r>
+              <a:rPr lang="en-US" dirty="0" err="1" smtClean="0"/>
+              <a:t>traceroute</a:t>
+            </a:r>
+            <a:endParaRPr lang="en-US" dirty="0"/>
+          </a:p>
+        </p:txBody>
+      </p:sp>
+      <p:sp>
+        <p:nvSpPr>
+          <p:cNvPr id="4" name="Slide Number Placeholder 3"/>
+          <p:cNvSpPr>
+            <a:spLocks noGrp="1"/>
+          </p:cNvSpPr>
+          <p:nvPr>
+            <p:ph type="sldNum" sz="quarter" idx="10"/>
+          </p:nvPr>
+        </p:nvSpPr>
+        <p:spPr/>
+        <p:txBody>
+          <a:bodyPr/>
+          <a:lstStyle/>
+          <a:p>
+            <a:fld id="{6F9933D3-4D81-4BB4-AA18-612B08FC0C74}" type="slidenum">
+              <a:rPr lang="en-US" smtClean="0"/>
+              <a:t>12</a:t>
+            </a:fld>
+            <a:endParaRPr lang="en-US"/>
+          </a:p>
+        </p:txBody>
+      </p:sp>
+    </p:spTree>
+    <p:extLst>
+      <p:ext uri="{BB962C8B-B14F-4D97-AF65-F5344CB8AC3E}">
+        <p14:creationId xmlns:p14="http://schemas.microsoft.com/office/powerpoint/2010/main" val="3860012217"/>
+      </p:ext>
+    </p:extLst>
+  </p:cSld>
+  <p:clrMapOvr>
+    <a:masterClrMapping/>
+  </p:clrMapOvr>
+</p:notes>
+</file>
+
+<file path=ppt/notesSlides/notesSlide13.xml><?xml version="1.0" encoding="utf-8"?>
+<p:notes xmlns:a="http://schemas.openxmlformats.org/drawingml/2006/main" xmlns:r="http://schemas.openxmlformats.org/officeDocument/2006/relationships" xmlns:p="http://schemas.openxmlformats.org/presentationml/2006/main">
+  <p:cSld>
+    <p:spTree>
+      <p:nvGrpSpPr>
+        <p:cNvPr id="1" name=""/>
+        <p:cNvGrpSpPr/>
+        <p:nvPr/>
+      </p:nvGrpSpPr>
+      <p:grpSpPr>
+        <a:xfrm>
+          <a:off x="0" y="0"/>
+          <a:ext cx="0" cy="0"/>
+          <a:chOff x="0" y="0"/>
+          <a:chExt cx="0" cy="0"/>
+        </a:xfrm>
+      </p:grpSpPr>
+      <p:sp>
+        <p:nvSpPr>
+          <p:cNvPr id="2" name="Slide Image Placeholder 1"/>
+          <p:cNvSpPr>
+            <a:spLocks noGrp="1" noRot="1" noChangeAspect="1"/>
+          </p:cNvSpPr>
+          <p:nvPr>
+            <p:ph type="sldImg"/>
+          </p:nvPr>
+        </p:nvSpPr>
+        <p:spPr/>
+      </p:sp>
+      <p:sp>
+        <p:nvSpPr>
+          <p:cNvPr id="3" name="Notes Placeholder 2"/>
+          <p:cNvSpPr>
+            <a:spLocks noGrp="1"/>
+          </p:cNvSpPr>
+          <p:nvPr>
+            <p:ph type="body" idx="1"/>
+          </p:nvPr>
+        </p:nvSpPr>
+        <p:spPr/>
+        <p:txBody>
+          <a:bodyPr/>
+          <a:lstStyle/>
+          <a:p>
+            <a:r>
+              <a:rPr lang="en-US" dirty="0" smtClean="0"/>
+              <a:t>Next: </a:t>
+            </a:r>
+            <a:r>
+              <a:rPr lang="en-US" dirty="0" err="1" smtClean="0"/>
+              <a:t>Définition</a:t>
+            </a:r>
+            <a:r>
+              <a:rPr lang="en-US" dirty="0" smtClean="0"/>
+              <a:t> </a:t>
+            </a:r>
+            <a:r>
+              <a:rPr lang="en-US" dirty="0" err="1" smtClean="0"/>
+              <a:t>formelle</a:t>
+            </a:r>
+            <a:r>
+              <a:rPr lang="en-US" dirty="0" smtClean="0"/>
+              <a:t> des </a:t>
+            </a:r>
+            <a:r>
+              <a:rPr lang="en-US" dirty="0" err="1" smtClean="0"/>
+              <a:t>outils</a:t>
+            </a:r>
+            <a:r>
+              <a:rPr lang="en-US" dirty="0" smtClean="0"/>
+              <a:t> (2) : </a:t>
+            </a:r>
+            <a:r>
+              <a:rPr lang="en-US" dirty="0" err="1" smtClean="0"/>
+              <a:t>erreur</a:t>
+            </a:r>
+            <a:r>
+              <a:rPr lang="en-US" dirty="0" smtClean="0"/>
+              <a:t> de </a:t>
+            </a:r>
+            <a:r>
+              <a:rPr lang="en-US" dirty="0" err="1" smtClean="0"/>
+              <a:t>traceroute</a:t>
+            </a:r>
+            <a:endParaRPr lang="en-US" dirty="0"/>
+          </a:p>
+        </p:txBody>
+      </p:sp>
+      <p:sp>
+        <p:nvSpPr>
+          <p:cNvPr id="4" name="Slide Number Placeholder 3"/>
+          <p:cNvSpPr>
+            <a:spLocks noGrp="1"/>
+          </p:cNvSpPr>
+          <p:nvPr>
+            <p:ph type="sldNum" sz="quarter" idx="10"/>
+          </p:nvPr>
+        </p:nvSpPr>
+        <p:spPr/>
+        <p:txBody>
+          <a:bodyPr/>
+          <a:lstStyle/>
+          <a:p>
+            <a:fld id="{6F9933D3-4D81-4BB4-AA18-612B08FC0C74}" type="slidenum">
+              <a:rPr lang="en-US" smtClean="0"/>
+              <a:t>13</a:t>
+            </a:fld>
+            <a:endParaRPr lang="en-US"/>
+          </a:p>
+        </p:txBody>
+      </p:sp>
+    </p:spTree>
+    <p:extLst>
+      <p:ext uri="{BB962C8B-B14F-4D97-AF65-F5344CB8AC3E}">
+        <p14:creationId xmlns:p14="http://schemas.microsoft.com/office/powerpoint/2010/main" val="1746814632"/>
+      </p:ext>
+    </p:extLst>
+  </p:cSld>
+  <p:clrMapOvr>
+    <a:masterClrMapping/>
+  </p:clrMapOvr>
+</p:notes>
+</file>
+
+<file path=ppt/notesSlides/notesSlide14.xml><?xml version="1.0" encoding="utf-8"?>
+<p:notes xmlns:a="http://schemas.openxmlformats.org/drawingml/2006/main" xmlns:r="http://schemas.openxmlformats.org/officeDocument/2006/relationships" xmlns:p="http://schemas.openxmlformats.org/presentationml/2006/main">
+  <p:cSld>
+    <p:spTree>
+      <p:nvGrpSpPr>
+        <p:cNvPr id="1" name=""/>
+        <p:cNvGrpSpPr/>
+        <p:nvPr/>
+      </p:nvGrpSpPr>
+      <p:grpSpPr>
+        <a:xfrm>
+          <a:off x="0" y="0"/>
+          <a:ext cx="0" cy="0"/>
+          <a:chOff x="0" y="0"/>
+          <a:chExt cx="0" cy="0"/>
+        </a:xfrm>
+      </p:grpSpPr>
+      <p:sp>
+        <p:nvSpPr>
+          <p:cNvPr id="2" name="Slide Image Placeholder 1"/>
+          <p:cNvSpPr>
+            <a:spLocks noGrp="1" noRot="1" noChangeAspect="1"/>
+          </p:cNvSpPr>
+          <p:nvPr>
+            <p:ph type="sldImg"/>
+          </p:nvPr>
+        </p:nvSpPr>
+        <p:spPr/>
+      </p:sp>
+      <p:sp>
+        <p:nvSpPr>
+          <p:cNvPr id="3" name="Notes Placeholder 2"/>
+          <p:cNvSpPr>
+            <a:spLocks noGrp="1"/>
+          </p:cNvSpPr>
+          <p:nvPr>
+            <p:ph type="body" idx="1"/>
+          </p:nvPr>
+        </p:nvSpPr>
+        <p:spPr/>
+        <p:txBody>
+          <a:bodyPr/>
+          <a:lstStyle/>
+          <a:p>
+            <a:r>
+              <a:rPr lang="en-US" dirty="0" smtClean="0"/>
+              <a:t>Next: </a:t>
+            </a:r>
+            <a:r>
+              <a:rPr lang="en-US" dirty="0" err="1" smtClean="0"/>
+              <a:t>Définition</a:t>
+            </a:r>
+            <a:r>
+              <a:rPr lang="en-US" dirty="0" smtClean="0"/>
+              <a:t> </a:t>
+            </a:r>
+            <a:r>
+              <a:rPr lang="en-US" dirty="0" err="1" smtClean="0"/>
+              <a:t>formelle</a:t>
+            </a:r>
+            <a:r>
+              <a:rPr lang="en-US" dirty="0" smtClean="0"/>
+              <a:t> des </a:t>
+            </a:r>
+            <a:r>
+              <a:rPr lang="en-US" dirty="0" err="1" smtClean="0"/>
+              <a:t>outils</a:t>
+            </a:r>
+            <a:r>
+              <a:rPr lang="en-US" dirty="0" smtClean="0"/>
+              <a:t> (3) : </a:t>
+            </a:r>
+            <a:r>
+              <a:rPr lang="en-US" dirty="0" err="1" smtClean="0"/>
+              <a:t>notre</a:t>
+            </a:r>
+            <a:r>
+              <a:rPr lang="en-US" dirty="0" smtClean="0"/>
+              <a:t> </a:t>
+            </a:r>
+            <a:r>
+              <a:rPr lang="en-US" dirty="0" err="1" smtClean="0"/>
+              <a:t>interprétation</a:t>
+            </a:r>
+            <a:r>
+              <a:rPr lang="en-US" dirty="0" smtClean="0"/>
+              <a:t> </a:t>
+            </a:r>
+            <a:r>
+              <a:rPr lang="en-US" dirty="0" err="1" smtClean="0"/>
+              <a:t>restreinte</a:t>
+            </a:r>
+            <a:endParaRPr lang="en-US" dirty="0"/>
+          </a:p>
+        </p:txBody>
+      </p:sp>
+      <p:sp>
+        <p:nvSpPr>
+          <p:cNvPr id="4" name="Slide Number Placeholder 3"/>
+          <p:cNvSpPr>
+            <a:spLocks noGrp="1"/>
+          </p:cNvSpPr>
+          <p:nvPr>
+            <p:ph type="sldNum" sz="quarter" idx="10"/>
+          </p:nvPr>
+        </p:nvSpPr>
+        <p:spPr/>
+        <p:txBody>
+          <a:bodyPr/>
+          <a:lstStyle/>
+          <a:p>
+            <a:fld id="{6F9933D3-4D81-4BB4-AA18-612B08FC0C74}" type="slidenum">
+              <a:rPr lang="en-US" smtClean="0"/>
+              <a:t>14</a:t>
+            </a:fld>
+            <a:endParaRPr lang="en-US"/>
+          </a:p>
+        </p:txBody>
+      </p:sp>
+    </p:spTree>
+    <p:extLst>
+      <p:ext uri="{BB962C8B-B14F-4D97-AF65-F5344CB8AC3E}">
+        <p14:creationId xmlns:p14="http://schemas.microsoft.com/office/powerpoint/2010/main" val="2889795026"/>
+      </p:ext>
+    </p:extLst>
+  </p:cSld>
+  <p:clrMapOvr>
+    <a:masterClrMapping/>
+  </p:clrMapOvr>
+</p:notes>
+</file>
+
+<file path=ppt/notesSlides/notesSlide15.xml><?xml version="1.0" encoding="utf-8"?>
+<p:notes xmlns:a="http://schemas.openxmlformats.org/drawingml/2006/main" xmlns:r="http://schemas.openxmlformats.org/officeDocument/2006/relationships" xmlns:p="http://schemas.openxmlformats.org/presentationml/2006/main">
+  <p:cSld>
+    <p:spTree>
+      <p:nvGrpSpPr>
+        <p:cNvPr id="1" name=""/>
+        <p:cNvGrpSpPr/>
+        <p:nvPr/>
+      </p:nvGrpSpPr>
+      <p:grpSpPr>
+        <a:xfrm>
+          <a:off x="0" y="0"/>
+          <a:ext cx="0" cy="0"/>
+          <a:chOff x="0" y="0"/>
+          <a:chExt cx="0" cy="0"/>
+        </a:xfrm>
+      </p:grpSpPr>
+      <p:sp>
+        <p:nvSpPr>
+          <p:cNvPr id="2" name="Slide Image Placeholder 1"/>
+          <p:cNvSpPr>
+            <a:spLocks noGrp="1" noRot="1" noChangeAspect="1"/>
+          </p:cNvSpPr>
+          <p:nvPr>
+            <p:ph type="sldImg"/>
+          </p:nvPr>
+        </p:nvSpPr>
+        <p:spPr/>
+      </p:sp>
+      <p:sp>
+        <p:nvSpPr>
+          <p:cNvPr id="3" name="Notes Placeholder 2"/>
+          <p:cNvSpPr>
+            <a:spLocks noGrp="1"/>
+          </p:cNvSpPr>
+          <p:nvPr>
+            <p:ph type="body" idx="1"/>
+          </p:nvPr>
+        </p:nvSpPr>
+        <p:spPr/>
+        <p:txBody>
+          <a:bodyPr/>
+          <a:lstStyle/>
+          <a:p>
+            <a:r>
+              <a:rPr lang="en-US" dirty="0" smtClean="0"/>
+              <a:t>Next: Primitive de </a:t>
+            </a:r>
+            <a:r>
+              <a:rPr lang="en-US" dirty="0" err="1" smtClean="0"/>
+              <a:t>mesure</a:t>
+            </a:r>
+            <a:r>
+              <a:rPr lang="en-US" dirty="0" smtClean="0"/>
+              <a:t> (1) </a:t>
+            </a:r>
+            <a:endParaRPr lang="en-US" dirty="0"/>
+          </a:p>
+        </p:txBody>
+      </p:sp>
+      <p:sp>
+        <p:nvSpPr>
+          <p:cNvPr id="4" name="Slide Number Placeholder 3"/>
+          <p:cNvSpPr>
+            <a:spLocks noGrp="1"/>
+          </p:cNvSpPr>
+          <p:nvPr>
+            <p:ph type="sldNum" sz="quarter" idx="10"/>
+          </p:nvPr>
+        </p:nvSpPr>
+        <p:spPr/>
+        <p:txBody>
+          <a:bodyPr/>
+          <a:lstStyle/>
+          <a:p>
+            <a:fld id="{6F9933D3-4D81-4BB4-AA18-612B08FC0C74}" type="slidenum">
+              <a:rPr lang="en-US" smtClean="0"/>
+              <a:t>15</a:t>
+            </a:fld>
+            <a:endParaRPr lang="en-US"/>
+          </a:p>
+        </p:txBody>
+      </p:sp>
+    </p:spTree>
+    <p:extLst>
+      <p:ext uri="{BB962C8B-B14F-4D97-AF65-F5344CB8AC3E}">
+        <p14:creationId xmlns:p14="http://schemas.microsoft.com/office/powerpoint/2010/main" val="3938421525"/>
+      </p:ext>
+    </p:extLst>
+  </p:cSld>
+  <p:clrMapOvr>
+    <a:masterClrMapping/>
+  </p:clrMapOvr>
+</p:notes>
+</file>
+
+<file path=ppt/notesSlides/notesSlide16.xml><?xml version="1.0" encoding="utf-8"?>
+<p:notes xmlns:a="http://schemas.openxmlformats.org/drawingml/2006/main" xmlns:r="http://schemas.openxmlformats.org/officeDocument/2006/relationships" xmlns:p="http://schemas.openxmlformats.org/presentationml/2006/main">
+  <p:cSld>
+    <p:spTree>
+      <p:nvGrpSpPr>
+        <p:cNvPr id="1" name=""/>
+        <p:cNvGrpSpPr/>
+        <p:nvPr/>
+      </p:nvGrpSpPr>
+      <p:grpSpPr>
+        <a:xfrm>
+          <a:off x="0" y="0"/>
+          <a:ext cx="0" cy="0"/>
+          <a:chOff x="0" y="0"/>
+          <a:chExt cx="0" cy="0"/>
+        </a:xfrm>
+      </p:grpSpPr>
+      <p:sp>
+        <p:nvSpPr>
+          <p:cNvPr id="2" name="Slide Image Placeholder 1"/>
+          <p:cNvSpPr>
+            <a:spLocks noGrp="1" noRot="1" noChangeAspect="1"/>
+          </p:cNvSpPr>
+          <p:nvPr>
+            <p:ph type="sldImg"/>
+          </p:nvPr>
+        </p:nvSpPr>
+        <p:spPr/>
+      </p:sp>
+      <p:sp>
+        <p:nvSpPr>
+          <p:cNvPr id="3" name="Notes Placeholder 2"/>
+          <p:cNvSpPr>
+            <a:spLocks noGrp="1"/>
+          </p:cNvSpPr>
+          <p:nvPr>
+            <p:ph type="body" idx="1"/>
+          </p:nvPr>
+        </p:nvSpPr>
+        <p:spPr/>
+        <p:txBody>
+          <a:bodyPr/>
+          <a:lstStyle/>
+          <a:p>
+            <a:r>
+              <a:rPr lang="en-US" dirty="0" smtClean="0"/>
+              <a:t>Next: Primitive de </a:t>
+            </a:r>
+            <a:r>
+              <a:rPr lang="en-US" dirty="0" err="1" smtClean="0"/>
+              <a:t>mesure</a:t>
+            </a:r>
+            <a:r>
+              <a:rPr lang="en-US" dirty="0" smtClean="0"/>
+              <a:t> (2)</a:t>
+            </a:r>
+          </a:p>
+        </p:txBody>
+      </p:sp>
+      <p:sp>
+        <p:nvSpPr>
+          <p:cNvPr id="4" name="Slide Number Placeholder 3"/>
+          <p:cNvSpPr>
+            <a:spLocks noGrp="1"/>
+          </p:cNvSpPr>
+          <p:nvPr>
+            <p:ph type="sldNum" sz="quarter" idx="10"/>
+          </p:nvPr>
+        </p:nvSpPr>
+        <p:spPr/>
+        <p:txBody>
+          <a:bodyPr/>
+          <a:lstStyle/>
+          <a:p>
+            <a:fld id="{6F9933D3-4D81-4BB4-AA18-612B08FC0C74}" type="slidenum">
+              <a:rPr lang="en-US" smtClean="0"/>
+              <a:t>16</a:t>
+            </a:fld>
+            <a:endParaRPr lang="en-US"/>
+          </a:p>
+        </p:txBody>
+      </p:sp>
+    </p:spTree>
+    <p:extLst>
+      <p:ext uri="{BB962C8B-B14F-4D97-AF65-F5344CB8AC3E}">
+        <p14:creationId xmlns:p14="http://schemas.microsoft.com/office/powerpoint/2010/main" val="2190456145"/>
+      </p:ext>
+    </p:extLst>
+  </p:cSld>
+  <p:clrMapOvr>
+    <a:masterClrMapping/>
+  </p:clrMapOvr>
+</p:notes>
+</file>
+
+<file path=ppt/notesSlides/notesSlide17.xml><?xml version="1.0" encoding="utf-8"?>
+<p:notes xmlns:a="http://schemas.openxmlformats.org/drawingml/2006/main" xmlns:r="http://schemas.openxmlformats.org/officeDocument/2006/relationships" xmlns:p="http://schemas.openxmlformats.org/presentationml/2006/main">
+  <p:cSld>
+    <p:spTree>
+      <p:nvGrpSpPr>
+        <p:cNvPr id="1" name=""/>
+        <p:cNvGrpSpPr/>
+        <p:nvPr/>
+      </p:nvGrpSpPr>
+      <p:grpSpPr>
+        <a:xfrm>
+          <a:off x="0" y="0"/>
+          <a:ext cx="0" cy="0"/>
+          <a:chOff x="0" y="0"/>
+          <a:chExt cx="0" cy="0"/>
+        </a:xfrm>
+      </p:grpSpPr>
+      <p:sp>
+        <p:nvSpPr>
+          <p:cNvPr id="2" name="Slide Image Placeholder 1"/>
+          <p:cNvSpPr>
+            <a:spLocks noGrp="1" noRot="1" noChangeAspect="1"/>
+          </p:cNvSpPr>
+          <p:nvPr>
+            <p:ph type="sldImg"/>
+          </p:nvPr>
+        </p:nvSpPr>
+        <p:spPr/>
+      </p:sp>
+      <p:sp>
+        <p:nvSpPr>
+          <p:cNvPr id="3" name="Notes Placeholder 2"/>
+          <p:cNvSpPr>
+            <a:spLocks noGrp="1"/>
+          </p:cNvSpPr>
+          <p:nvPr>
+            <p:ph type="body" idx="1"/>
+          </p:nvPr>
+        </p:nvSpPr>
+        <p:spPr/>
+        <p:txBody>
+          <a:bodyPr/>
+          <a:lstStyle/>
+          <a:p>
+            <a:r>
+              <a:rPr lang="en-US" dirty="0" smtClean="0"/>
+              <a:t>Next: Primitive de </a:t>
+            </a:r>
+            <a:r>
+              <a:rPr lang="en-US" dirty="0" err="1" smtClean="0"/>
+              <a:t>mesure</a:t>
+            </a:r>
+            <a:r>
+              <a:rPr lang="en-US" dirty="0" smtClean="0"/>
+              <a:t> (3)</a:t>
+            </a:r>
+            <a:endParaRPr lang="en-US" dirty="0"/>
+          </a:p>
+        </p:txBody>
+      </p:sp>
+      <p:sp>
+        <p:nvSpPr>
+          <p:cNvPr id="4" name="Slide Number Placeholder 3"/>
+          <p:cNvSpPr>
+            <a:spLocks noGrp="1"/>
+          </p:cNvSpPr>
+          <p:nvPr>
+            <p:ph type="sldNum" sz="quarter" idx="10"/>
+          </p:nvPr>
+        </p:nvSpPr>
+        <p:spPr/>
+        <p:txBody>
+          <a:bodyPr/>
+          <a:lstStyle/>
+          <a:p>
+            <a:fld id="{6F9933D3-4D81-4BB4-AA18-612B08FC0C74}" type="slidenum">
+              <a:rPr lang="en-US" smtClean="0"/>
+              <a:t>17</a:t>
+            </a:fld>
+            <a:endParaRPr lang="en-US"/>
+          </a:p>
+        </p:txBody>
+      </p:sp>
+    </p:spTree>
+    <p:extLst>
+      <p:ext uri="{BB962C8B-B14F-4D97-AF65-F5344CB8AC3E}">
+        <p14:creationId xmlns:p14="http://schemas.microsoft.com/office/powerpoint/2010/main" val="3945001305"/>
+      </p:ext>
+    </p:extLst>
+  </p:cSld>
+  <p:clrMapOvr>
+    <a:masterClrMapping/>
+  </p:clrMapOvr>
+</p:notes>
+</file>
+
+<file path=ppt/notesSlides/notesSlide18.xml><?xml version="1.0" encoding="utf-8"?>
+<p:notes xmlns:a="http://schemas.openxmlformats.org/drawingml/2006/main" xmlns:r="http://schemas.openxmlformats.org/officeDocument/2006/relationships" xmlns:p="http://schemas.openxmlformats.org/presentationml/2006/main">
+  <p:cSld>
+    <p:spTree>
+      <p:nvGrpSpPr>
+        <p:cNvPr id="1" name=""/>
+        <p:cNvGrpSpPr/>
+        <p:nvPr/>
+      </p:nvGrpSpPr>
+      <p:grpSpPr>
+        <a:xfrm>
+          <a:off x="0" y="0"/>
+          <a:ext cx="0" cy="0"/>
+          <a:chOff x="0" y="0"/>
+          <a:chExt cx="0" cy="0"/>
+        </a:xfrm>
+      </p:grpSpPr>
+      <p:sp>
+        <p:nvSpPr>
+          <p:cNvPr id="2" name="Slide Image Placeholder 1"/>
+          <p:cNvSpPr>
+            <a:spLocks noGrp="1" noRot="1" noChangeAspect="1"/>
+          </p:cNvSpPr>
+          <p:nvPr>
+            <p:ph type="sldImg"/>
+          </p:nvPr>
+        </p:nvSpPr>
+        <p:spPr/>
+      </p:sp>
+      <p:sp>
+        <p:nvSpPr>
+          <p:cNvPr id="3" name="Notes Placeholder 2"/>
+          <p:cNvSpPr>
+            <a:spLocks noGrp="1"/>
+          </p:cNvSpPr>
+          <p:nvPr>
+            <p:ph type="body" idx="1"/>
+          </p:nvPr>
+        </p:nvSpPr>
+        <p:spPr/>
+        <p:txBody>
+          <a:bodyPr/>
+          <a:lstStyle/>
+          <a:p>
+            <a:r>
+              <a:rPr lang="en-US" dirty="0" smtClean="0"/>
+              <a:t>Next: Primitive de </a:t>
+            </a:r>
+            <a:r>
+              <a:rPr lang="en-US" dirty="0" err="1" smtClean="0"/>
+              <a:t>mesure</a:t>
+            </a:r>
+            <a:r>
+              <a:rPr lang="en-US" dirty="0" smtClean="0"/>
+              <a:t> (4) </a:t>
+            </a:r>
+            <a:r>
+              <a:rPr lang="en-US" dirty="0" err="1" smtClean="0"/>
+              <a:t>schéma</a:t>
+            </a:r>
+            <a:r>
+              <a:rPr lang="en-US" dirty="0" smtClean="0"/>
+              <a:t> Internet</a:t>
+            </a:r>
+            <a:endParaRPr lang="en-US" dirty="0"/>
+          </a:p>
+        </p:txBody>
+      </p:sp>
+      <p:sp>
+        <p:nvSpPr>
+          <p:cNvPr id="4" name="Slide Number Placeholder 3"/>
+          <p:cNvSpPr>
+            <a:spLocks noGrp="1"/>
+          </p:cNvSpPr>
+          <p:nvPr>
+            <p:ph type="sldNum" sz="quarter" idx="10"/>
+          </p:nvPr>
+        </p:nvSpPr>
+        <p:spPr/>
+        <p:txBody>
+          <a:bodyPr/>
+          <a:lstStyle/>
+          <a:p>
+            <a:fld id="{6F9933D3-4D81-4BB4-AA18-612B08FC0C74}" type="slidenum">
+              <a:rPr lang="en-US" smtClean="0"/>
+              <a:t>18</a:t>
+            </a:fld>
+            <a:endParaRPr lang="en-US"/>
+          </a:p>
+        </p:txBody>
+      </p:sp>
+    </p:spTree>
+    <p:extLst>
+      <p:ext uri="{BB962C8B-B14F-4D97-AF65-F5344CB8AC3E}">
+        <p14:creationId xmlns:p14="http://schemas.microsoft.com/office/powerpoint/2010/main" val="3382946189"/>
+      </p:ext>
+    </p:extLst>
+  </p:cSld>
+  <p:clrMapOvr>
+    <a:masterClrMapping/>
+  </p:clrMapOvr>
+</p:notes>
+</file>
+
+<file path=ppt/notesSlides/notesSlide19.xml><?xml version="1.0" encoding="utf-8"?>
+<p:notes xmlns:a="http://schemas.openxmlformats.org/drawingml/2006/main" xmlns:r="http://schemas.openxmlformats.org/officeDocument/2006/relationships" xmlns:p="http://schemas.openxmlformats.org/presentationml/2006/main">
+  <p:cSld>
+    <p:spTree>
+      <p:nvGrpSpPr>
+        <p:cNvPr id="1" name=""/>
+        <p:cNvGrpSpPr/>
+        <p:nvPr/>
+      </p:nvGrpSpPr>
+      <p:grpSpPr>
+        <a:xfrm>
+          <a:off x="0" y="0"/>
+          <a:ext cx="0" cy="0"/>
+          <a:chOff x="0" y="0"/>
+          <a:chExt cx="0" cy="0"/>
+        </a:xfrm>
+      </p:grpSpPr>
+      <p:sp>
+        <p:nvSpPr>
+          <p:cNvPr id="2" name="Slide Image Placeholder 1"/>
+          <p:cNvSpPr>
+            <a:spLocks noGrp="1" noRot="1" noChangeAspect="1"/>
+          </p:cNvSpPr>
+          <p:nvPr>
+            <p:ph type="sldImg"/>
+          </p:nvPr>
+        </p:nvSpPr>
+        <p:spPr/>
+      </p:sp>
+      <p:sp>
+        <p:nvSpPr>
+          <p:cNvPr id="3" name="Notes Placeholder 2"/>
+          <p:cNvSpPr>
+            <a:spLocks noGrp="1"/>
+          </p:cNvSpPr>
+          <p:nvPr>
+            <p:ph type="body" idx="1"/>
+          </p:nvPr>
+        </p:nvSpPr>
+        <p:spPr/>
+        <p:txBody>
+          <a:bodyPr/>
+          <a:lstStyle/>
+          <a:p>
+            <a:r>
+              <a:rPr lang="en-US" dirty="0" smtClean="0"/>
+              <a:t>Next: Estimation de la distribution de </a:t>
+            </a:r>
+            <a:r>
+              <a:rPr lang="en-US" dirty="0" err="1" smtClean="0"/>
+              <a:t>degrés</a:t>
+            </a:r>
+            <a:endParaRPr lang="en-US" dirty="0"/>
+          </a:p>
+        </p:txBody>
+      </p:sp>
+      <p:sp>
+        <p:nvSpPr>
+          <p:cNvPr id="4" name="Slide Number Placeholder 3"/>
+          <p:cNvSpPr>
+            <a:spLocks noGrp="1"/>
+          </p:cNvSpPr>
+          <p:nvPr>
+            <p:ph type="sldNum" sz="quarter" idx="10"/>
+          </p:nvPr>
+        </p:nvSpPr>
+        <p:spPr/>
+        <p:txBody>
+          <a:bodyPr/>
+          <a:lstStyle/>
+          <a:p>
+            <a:fld id="{6F9933D3-4D81-4BB4-AA18-612B08FC0C74}" type="slidenum">
+              <a:rPr lang="en-US" smtClean="0"/>
+              <a:t>19</a:t>
+            </a:fld>
+            <a:endParaRPr lang="en-US"/>
+          </a:p>
+        </p:txBody>
+      </p:sp>
+    </p:spTree>
+    <p:extLst>
+      <p:ext uri="{BB962C8B-B14F-4D97-AF65-F5344CB8AC3E}">
+        <p14:creationId xmlns:p14="http://schemas.microsoft.com/office/powerpoint/2010/main" val="1566258051"/>
       </p:ext>
     </p:extLst>
   </p:cSld>
@@ -640,6 +1707,3513 @@
           <a:bodyPr/>
           <a:lstStyle/>
           <a:p>
+            <a:r>
+              <a:rPr lang="en-US" dirty="0" smtClean="0"/>
+              <a:t>Next:</a:t>
+            </a:r>
+            <a:r>
+              <a:rPr lang="en-US" baseline="0" dirty="0" smtClean="0"/>
+              <a:t> </a:t>
+            </a:r>
+            <a:r>
+              <a:rPr lang="en-US" baseline="0" dirty="0" err="1" smtClean="0"/>
+              <a:t>Topologie</a:t>
+            </a:r>
+            <a:r>
+              <a:rPr lang="en-US" baseline="0" dirty="0" smtClean="0"/>
+              <a:t> </a:t>
+            </a:r>
+            <a:r>
+              <a:rPr lang="en-US" baseline="0" dirty="0" err="1" smtClean="0"/>
+              <a:t>d’Internet</a:t>
+            </a:r>
+            <a:r>
+              <a:rPr lang="en-US" baseline="0" dirty="0" smtClean="0"/>
+              <a:t>, </a:t>
+            </a:r>
+            <a:r>
+              <a:rPr lang="en-US" baseline="0" dirty="0" err="1" smtClean="0"/>
+              <a:t>enjeux</a:t>
+            </a:r>
+            <a:r>
+              <a:rPr lang="en-US" baseline="0" dirty="0" smtClean="0"/>
+              <a:t> et </a:t>
+            </a:r>
+            <a:r>
+              <a:rPr lang="en-US" baseline="0" dirty="0" err="1" smtClean="0"/>
+              <a:t>problématiques</a:t>
+            </a:r>
+            <a:endParaRPr lang="en-US" dirty="0"/>
+          </a:p>
+        </p:txBody>
+      </p:sp>
+      <p:sp>
+        <p:nvSpPr>
+          <p:cNvPr id="4" name="Slide Number Placeholder 3"/>
+          <p:cNvSpPr>
+            <a:spLocks noGrp="1"/>
+          </p:cNvSpPr>
+          <p:nvPr>
+            <p:ph type="sldNum" sz="quarter" idx="10"/>
+          </p:nvPr>
+        </p:nvSpPr>
+        <p:spPr/>
+        <p:txBody>
+          <a:bodyPr/>
+          <a:lstStyle/>
+          <a:p>
+            <a:fld id="{6F9933D3-4D81-4BB4-AA18-612B08FC0C74}" type="slidenum">
+              <a:rPr lang="en-US" smtClean="0"/>
+              <a:t>2</a:t>
+            </a:fld>
+            <a:endParaRPr lang="en-US"/>
+          </a:p>
+        </p:txBody>
+      </p:sp>
+    </p:spTree>
+    <p:extLst>
+      <p:ext uri="{BB962C8B-B14F-4D97-AF65-F5344CB8AC3E}">
+        <p14:creationId xmlns:p14="http://schemas.microsoft.com/office/powerpoint/2010/main" val="1006530946"/>
+      </p:ext>
+    </p:extLst>
+  </p:cSld>
+  <p:clrMapOvr>
+    <a:masterClrMapping/>
+  </p:clrMapOvr>
+</p:notes>
+</file>
+
+<file path=ppt/notesSlides/notesSlide20.xml><?xml version="1.0" encoding="utf-8"?>
+<p:notes xmlns:a="http://schemas.openxmlformats.org/drawingml/2006/main" xmlns:r="http://schemas.openxmlformats.org/officeDocument/2006/relationships" xmlns:p="http://schemas.openxmlformats.org/presentationml/2006/main">
+  <p:cSld>
+    <p:spTree>
+      <p:nvGrpSpPr>
+        <p:cNvPr id="1" name=""/>
+        <p:cNvGrpSpPr/>
+        <p:nvPr/>
+      </p:nvGrpSpPr>
+      <p:grpSpPr>
+        <a:xfrm>
+          <a:off x="0" y="0"/>
+          <a:ext cx="0" cy="0"/>
+          <a:chOff x="0" y="0"/>
+          <a:chExt cx="0" cy="0"/>
+        </a:xfrm>
+      </p:grpSpPr>
+      <p:sp>
+        <p:nvSpPr>
+          <p:cNvPr id="2" name="Slide Image Placeholder 1"/>
+          <p:cNvSpPr>
+            <a:spLocks noGrp="1" noRot="1" noChangeAspect="1"/>
+          </p:cNvSpPr>
+          <p:nvPr>
+            <p:ph type="sldImg"/>
+          </p:nvPr>
+        </p:nvSpPr>
+        <p:spPr/>
+      </p:sp>
+      <p:sp>
+        <p:nvSpPr>
+          <p:cNvPr id="3" name="Notes Placeholder 2"/>
+          <p:cNvSpPr>
+            <a:spLocks noGrp="1"/>
+          </p:cNvSpPr>
+          <p:nvPr>
+            <p:ph type="body" idx="1"/>
+          </p:nvPr>
+        </p:nvSpPr>
+        <p:spPr/>
+        <p:txBody>
+          <a:bodyPr/>
+          <a:lstStyle/>
+          <a:p>
+            <a:r>
+              <a:rPr lang="en-US" dirty="0" smtClean="0"/>
+              <a:t>Next:</a:t>
+            </a:r>
+            <a:r>
+              <a:rPr lang="en-US" baseline="0" dirty="0" smtClean="0"/>
+              <a:t> Validation de la </a:t>
+            </a:r>
+            <a:r>
+              <a:rPr lang="en-US" baseline="0" dirty="0" err="1" smtClean="0"/>
+              <a:t>méthode</a:t>
+            </a:r>
+            <a:r>
+              <a:rPr lang="en-US" baseline="0" dirty="0" smtClean="0"/>
+              <a:t> (1) Explications</a:t>
+            </a:r>
+          </a:p>
+        </p:txBody>
+      </p:sp>
+      <p:sp>
+        <p:nvSpPr>
+          <p:cNvPr id="4" name="Slide Number Placeholder 3"/>
+          <p:cNvSpPr>
+            <a:spLocks noGrp="1"/>
+          </p:cNvSpPr>
+          <p:nvPr>
+            <p:ph type="sldNum" sz="quarter" idx="10"/>
+          </p:nvPr>
+        </p:nvSpPr>
+        <p:spPr/>
+        <p:txBody>
+          <a:bodyPr/>
+          <a:lstStyle/>
+          <a:p>
+            <a:fld id="{6F9933D3-4D81-4BB4-AA18-612B08FC0C74}" type="slidenum">
+              <a:rPr lang="en-US" smtClean="0"/>
+              <a:t>20</a:t>
+            </a:fld>
+            <a:endParaRPr lang="en-US"/>
+          </a:p>
+        </p:txBody>
+      </p:sp>
+    </p:spTree>
+    <p:extLst>
+      <p:ext uri="{BB962C8B-B14F-4D97-AF65-F5344CB8AC3E}">
+        <p14:creationId xmlns:p14="http://schemas.microsoft.com/office/powerpoint/2010/main" val="2112771500"/>
+      </p:ext>
+    </p:extLst>
+  </p:cSld>
+  <p:clrMapOvr>
+    <a:masterClrMapping/>
+  </p:clrMapOvr>
+</p:notes>
+</file>
+
+<file path=ppt/notesSlides/notesSlide21.xml><?xml version="1.0" encoding="utf-8"?>
+<p:notes xmlns:a="http://schemas.openxmlformats.org/drawingml/2006/main" xmlns:r="http://schemas.openxmlformats.org/officeDocument/2006/relationships" xmlns:p="http://schemas.openxmlformats.org/presentationml/2006/main">
+  <p:cSld>
+    <p:spTree>
+      <p:nvGrpSpPr>
+        <p:cNvPr id="1" name=""/>
+        <p:cNvGrpSpPr/>
+        <p:nvPr/>
+      </p:nvGrpSpPr>
+      <p:grpSpPr>
+        <a:xfrm>
+          <a:off x="0" y="0"/>
+          <a:ext cx="0" cy="0"/>
+          <a:chOff x="0" y="0"/>
+          <a:chExt cx="0" cy="0"/>
+        </a:xfrm>
+      </p:grpSpPr>
+      <p:sp>
+        <p:nvSpPr>
+          <p:cNvPr id="2" name="Slide Image Placeholder 1"/>
+          <p:cNvSpPr>
+            <a:spLocks noGrp="1" noRot="1" noChangeAspect="1"/>
+          </p:cNvSpPr>
+          <p:nvPr>
+            <p:ph type="sldImg"/>
+          </p:nvPr>
+        </p:nvSpPr>
+        <p:spPr/>
+      </p:sp>
+      <p:sp>
+        <p:nvSpPr>
+          <p:cNvPr id="3" name="Notes Placeholder 2"/>
+          <p:cNvSpPr>
+            <a:spLocks noGrp="1"/>
+          </p:cNvSpPr>
+          <p:nvPr>
+            <p:ph type="body" idx="1"/>
+          </p:nvPr>
+        </p:nvSpPr>
+        <p:spPr/>
+        <p:txBody>
+          <a:bodyPr/>
+          <a:lstStyle/>
+          <a:p>
+            <a:r>
+              <a:rPr lang="en-US" dirty="0" smtClean="0"/>
+              <a:t>Next: Validation de la </a:t>
+            </a:r>
+            <a:r>
+              <a:rPr lang="en-US" dirty="0" err="1" smtClean="0"/>
+              <a:t>méthode</a:t>
+            </a:r>
+            <a:r>
+              <a:rPr lang="en-US" dirty="0" smtClean="0"/>
+              <a:t> (2)</a:t>
+            </a:r>
+            <a:r>
+              <a:rPr lang="en-US" baseline="0" dirty="0" smtClean="0"/>
+              <a:t> </a:t>
+            </a:r>
+            <a:r>
+              <a:rPr lang="en-US" baseline="0" dirty="0" err="1" smtClean="0"/>
+              <a:t>Résultats</a:t>
+            </a:r>
+            <a:endParaRPr lang="en-US" dirty="0"/>
+          </a:p>
+        </p:txBody>
+      </p:sp>
+      <p:sp>
+        <p:nvSpPr>
+          <p:cNvPr id="4" name="Slide Number Placeholder 3"/>
+          <p:cNvSpPr>
+            <a:spLocks noGrp="1"/>
+          </p:cNvSpPr>
+          <p:nvPr>
+            <p:ph type="sldNum" sz="quarter" idx="10"/>
+          </p:nvPr>
+        </p:nvSpPr>
+        <p:spPr/>
+        <p:txBody>
+          <a:bodyPr/>
+          <a:lstStyle/>
+          <a:p>
+            <a:fld id="{6F9933D3-4D81-4BB4-AA18-612B08FC0C74}" type="slidenum">
+              <a:rPr lang="en-US" smtClean="0"/>
+              <a:t>21</a:t>
+            </a:fld>
+            <a:endParaRPr lang="en-US"/>
+          </a:p>
+        </p:txBody>
+      </p:sp>
+    </p:spTree>
+    <p:extLst>
+      <p:ext uri="{BB962C8B-B14F-4D97-AF65-F5344CB8AC3E}">
+        <p14:creationId xmlns:p14="http://schemas.microsoft.com/office/powerpoint/2010/main" val="132731485"/>
+      </p:ext>
+    </p:extLst>
+  </p:cSld>
+  <p:clrMapOvr>
+    <a:masterClrMapping/>
+  </p:clrMapOvr>
+</p:notes>
+</file>
+
+<file path=ppt/notesSlides/notesSlide22.xml><?xml version="1.0" encoding="utf-8"?>
+<p:notes xmlns:a="http://schemas.openxmlformats.org/drawingml/2006/main" xmlns:r="http://schemas.openxmlformats.org/officeDocument/2006/relationships" xmlns:p="http://schemas.openxmlformats.org/presentationml/2006/main">
+  <p:cSld>
+    <p:spTree>
+      <p:nvGrpSpPr>
+        <p:cNvPr id="1" name=""/>
+        <p:cNvGrpSpPr/>
+        <p:nvPr/>
+      </p:nvGrpSpPr>
+      <p:grpSpPr>
+        <a:xfrm>
+          <a:off x="0" y="0"/>
+          <a:ext cx="0" cy="0"/>
+          <a:chOff x="0" y="0"/>
+          <a:chExt cx="0" cy="0"/>
+        </a:xfrm>
+      </p:grpSpPr>
+      <p:sp>
+        <p:nvSpPr>
+          <p:cNvPr id="2" name="Slide Image Placeholder 1"/>
+          <p:cNvSpPr>
+            <a:spLocks noGrp="1" noRot="1" noChangeAspect="1"/>
+          </p:cNvSpPr>
+          <p:nvPr>
+            <p:ph type="sldImg"/>
+          </p:nvPr>
+        </p:nvSpPr>
+        <p:spPr/>
+      </p:sp>
+      <p:sp>
+        <p:nvSpPr>
+          <p:cNvPr id="3" name="Notes Placeholder 2"/>
+          <p:cNvSpPr>
+            <a:spLocks noGrp="1"/>
+          </p:cNvSpPr>
+          <p:nvPr>
+            <p:ph type="body" idx="1"/>
+          </p:nvPr>
+        </p:nvSpPr>
+        <p:spPr/>
+        <p:txBody>
+          <a:bodyPr/>
+          <a:lstStyle/>
+          <a:p>
+            <a:r>
+              <a:rPr lang="en-US" dirty="0" smtClean="0"/>
+              <a:t>Next: </a:t>
+            </a:r>
+            <a:r>
+              <a:rPr lang="en-US" dirty="0" err="1" smtClean="0"/>
+              <a:t>Mesure</a:t>
+            </a:r>
+            <a:r>
+              <a:rPr lang="en-US" dirty="0" smtClean="0"/>
+              <a:t> </a:t>
+            </a:r>
+            <a:r>
+              <a:rPr lang="en-US" dirty="0" err="1" smtClean="0"/>
+              <a:t>réelle</a:t>
+            </a:r>
+            <a:r>
+              <a:rPr lang="en-US" dirty="0" smtClean="0"/>
+              <a:t> </a:t>
+            </a:r>
+            <a:r>
+              <a:rPr lang="en-US" dirty="0" err="1" smtClean="0"/>
+              <a:t>sur</a:t>
+            </a:r>
+            <a:r>
+              <a:rPr lang="en-US" dirty="0" smtClean="0"/>
+              <a:t> </a:t>
+            </a:r>
+            <a:r>
+              <a:rPr lang="en-US" dirty="0" err="1" smtClean="0"/>
+              <a:t>PlanetLab</a:t>
+            </a:r>
+            <a:endParaRPr lang="en-US" dirty="0"/>
+          </a:p>
+        </p:txBody>
+      </p:sp>
+      <p:sp>
+        <p:nvSpPr>
+          <p:cNvPr id="4" name="Slide Number Placeholder 3"/>
+          <p:cNvSpPr>
+            <a:spLocks noGrp="1"/>
+          </p:cNvSpPr>
+          <p:nvPr>
+            <p:ph type="sldNum" sz="quarter" idx="10"/>
+          </p:nvPr>
+        </p:nvSpPr>
+        <p:spPr/>
+        <p:txBody>
+          <a:bodyPr/>
+          <a:lstStyle/>
+          <a:p>
+            <a:fld id="{6F9933D3-4D81-4BB4-AA18-612B08FC0C74}" type="slidenum">
+              <a:rPr lang="en-US" smtClean="0"/>
+              <a:t>22</a:t>
+            </a:fld>
+            <a:endParaRPr lang="en-US"/>
+          </a:p>
+        </p:txBody>
+      </p:sp>
+    </p:spTree>
+    <p:extLst>
+      <p:ext uri="{BB962C8B-B14F-4D97-AF65-F5344CB8AC3E}">
+        <p14:creationId xmlns:p14="http://schemas.microsoft.com/office/powerpoint/2010/main" val="914340908"/>
+      </p:ext>
+    </p:extLst>
+  </p:cSld>
+  <p:clrMapOvr>
+    <a:masterClrMapping/>
+  </p:clrMapOvr>
+</p:notes>
+</file>
+
+<file path=ppt/notesSlides/notesSlide23.xml><?xml version="1.0" encoding="utf-8"?>
+<p:notes xmlns:a="http://schemas.openxmlformats.org/drawingml/2006/main" xmlns:r="http://schemas.openxmlformats.org/officeDocument/2006/relationships" xmlns:p="http://schemas.openxmlformats.org/presentationml/2006/main">
+  <p:cSld>
+    <p:spTree>
+      <p:nvGrpSpPr>
+        <p:cNvPr id="1" name=""/>
+        <p:cNvGrpSpPr/>
+        <p:nvPr/>
+      </p:nvGrpSpPr>
+      <p:grpSpPr>
+        <a:xfrm>
+          <a:off x="0" y="0"/>
+          <a:ext cx="0" cy="0"/>
+          <a:chOff x="0" y="0"/>
+          <a:chExt cx="0" cy="0"/>
+        </a:xfrm>
+      </p:grpSpPr>
+      <p:sp>
+        <p:nvSpPr>
+          <p:cNvPr id="2" name="Slide Image Placeholder 1"/>
+          <p:cNvSpPr>
+            <a:spLocks noGrp="1" noRot="1" noChangeAspect="1"/>
+          </p:cNvSpPr>
+          <p:nvPr>
+            <p:ph type="sldImg"/>
+          </p:nvPr>
+        </p:nvSpPr>
+        <p:spPr/>
+      </p:sp>
+      <p:sp>
+        <p:nvSpPr>
+          <p:cNvPr id="3" name="Notes Placeholder 2"/>
+          <p:cNvSpPr>
+            <a:spLocks noGrp="1"/>
+          </p:cNvSpPr>
+          <p:nvPr>
+            <p:ph type="body" idx="1"/>
+          </p:nvPr>
+        </p:nvSpPr>
+        <p:spPr/>
+        <p:txBody>
+          <a:bodyPr/>
+          <a:lstStyle/>
+          <a:p>
+            <a:r>
+              <a:rPr lang="en-US" dirty="0" smtClean="0"/>
+              <a:t>Next: </a:t>
+            </a:r>
+            <a:r>
+              <a:rPr lang="en-US" dirty="0" err="1" smtClean="0"/>
+              <a:t>Limites</a:t>
+            </a:r>
+            <a:r>
+              <a:rPr lang="en-US" dirty="0" smtClean="0"/>
+              <a:t> de </a:t>
+            </a:r>
+            <a:r>
+              <a:rPr lang="en-US" dirty="0" err="1" smtClean="0"/>
+              <a:t>l’approche</a:t>
+            </a:r>
+            <a:endParaRPr lang="en-US" dirty="0"/>
+          </a:p>
+        </p:txBody>
+      </p:sp>
+      <p:sp>
+        <p:nvSpPr>
+          <p:cNvPr id="4" name="Slide Number Placeholder 3"/>
+          <p:cNvSpPr>
+            <a:spLocks noGrp="1"/>
+          </p:cNvSpPr>
+          <p:nvPr>
+            <p:ph type="sldNum" sz="quarter" idx="10"/>
+          </p:nvPr>
+        </p:nvSpPr>
+        <p:spPr/>
+        <p:txBody>
+          <a:bodyPr/>
+          <a:lstStyle/>
+          <a:p>
+            <a:fld id="{6F9933D3-4D81-4BB4-AA18-612B08FC0C74}" type="slidenum">
+              <a:rPr lang="en-US" smtClean="0"/>
+              <a:t>23</a:t>
+            </a:fld>
+            <a:endParaRPr lang="en-US"/>
+          </a:p>
+        </p:txBody>
+      </p:sp>
+    </p:spTree>
+    <p:extLst>
+      <p:ext uri="{BB962C8B-B14F-4D97-AF65-F5344CB8AC3E}">
+        <p14:creationId xmlns:p14="http://schemas.microsoft.com/office/powerpoint/2010/main" val="511074536"/>
+      </p:ext>
+    </p:extLst>
+  </p:cSld>
+  <p:clrMapOvr>
+    <a:masterClrMapping/>
+  </p:clrMapOvr>
+</p:notes>
+</file>
+
+<file path=ppt/notesSlides/notesSlide24.xml><?xml version="1.0" encoding="utf-8"?>
+<p:notes xmlns:a="http://schemas.openxmlformats.org/drawingml/2006/main" xmlns:r="http://schemas.openxmlformats.org/officeDocument/2006/relationships" xmlns:p="http://schemas.openxmlformats.org/presentationml/2006/main">
+  <p:cSld>
+    <p:spTree>
+      <p:nvGrpSpPr>
+        <p:cNvPr id="1" name=""/>
+        <p:cNvGrpSpPr/>
+        <p:nvPr/>
+      </p:nvGrpSpPr>
+      <p:grpSpPr>
+        <a:xfrm>
+          <a:off x="0" y="0"/>
+          <a:ext cx="0" cy="0"/>
+          <a:chOff x="0" y="0"/>
+          <a:chExt cx="0" cy="0"/>
+        </a:xfrm>
+      </p:grpSpPr>
+      <p:sp>
+        <p:nvSpPr>
+          <p:cNvPr id="2" name="Slide Image Placeholder 1"/>
+          <p:cNvSpPr>
+            <a:spLocks noGrp="1" noRot="1" noChangeAspect="1"/>
+          </p:cNvSpPr>
+          <p:nvPr>
+            <p:ph type="sldImg"/>
+          </p:nvPr>
+        </p:nvSpPr>
+        <p:spPr/>
+      </p:sp>
+      <p:sp>
+        <p:nvSpPr>
+          <p:cNvPr id="3" name="Notes Placeholder 2"/>
+          <p:cNvSpPr>
+            <a:spLocks noGrp="1"/>
+          </p:cNvSpPr>
+          <p:nvPr>
+            <p:ph type="body" idx="1"/>
+          </p:nvPr>
+        </p:nvSpPr>
+        <p:spPr/>
+        <p:txBody>
+          <a:bodyPr/>
+          <a:lstStyle/>
+          <a:p>
+            <a:r>
+              <a:rPr lang="en-US" dirty="0" smtClean="0"/>
+              <a:t>Next: Distribution de </a:t>
+            </a:r>
+            <a:r>
+              <a:rPr lang="en-US" dirty="0" err="1" smtClean="0"/>
+              <a:t>degrés</a:t>
+            </a:r>
+            <a:r>
+              <a:rPr lang="en-US" dirty="0" smtClean="0"/>
+              <a:t> au </a:t>
+            </a:r>
+            <a:r>
+              <a:rPr lang="en-US" dirty="0" err="1" smtClean="0"/>
+              <a:t>niveau</a:t>
+            </a:r>
+            <a:r>
+              <a:rPr lang="en-US" dirty="0" smtClean="0"/>
+              <a:t> physique</a:t>
+            </a:r>
+            <a:endParaRPr lang="en-US" dirty="0"/>
+          </a:p>
+        </p:txBody>
+      </p:sp>
+      <p:sp>
+        <p:nvSpPr>
+          <p:cNvPr id="4" name="Slide Number Placeholder 3"/>
+          <p:cNvSpPr>
+            <a:spLocks noGrp="1"/>
+          </p:cNvSpPr>
+          <p:nvPr>
+            <p:ph type="sldNum" sz="quarter" idx="10"/>
+          </p:nvPr>
+        </p:nvSpPr>
+        <p:spPr/>
+        <p:txBody>
+          <a:bodyPr/>
+          <a:lstStyle/>
+          <a:p>
+            <a:fld id="{6F9933D3-4D81-4BB4-AA18-612B08FC0C74}" type="slidenum">
+              <a:rPr lang="en-US" smtClean="0"/>
+              <a:t>24</a:t>
+            </a:fld>
+            <a:endParaRPr lang="en-US"/>
+          </a:p>
+        </p:txBody>
+      </p:sp>
+    </p:spTree>
+    <p:extLst>
+      <p:ext uri="{BB962C8B-B14F-4D97-AF65-F5344CB8AC3E}">
+        <p14:creationId xmlns:p14="http://schemas.microsoft.com/office/powerpoint/2010/main" val="583200628"/>
+      </p:ext>
+    </p:extLst>
+  </p:cSld>
+  <p:clrMapOvr>
+    <a:masterClrMapping/>
+  </p:clrMapOvr>
+</p:notes>
+</file>
+
+<file path=ppt/notesSlides/notesSlide25.xml><?xml version="1.0" encoding="utf-8"?>
+<p:notes xmlns:a="http://schemas.openxmlformats.org/drawingml/2006/main" xmlns:r="http://schemas.openxmlformats.org/officeDocument/2006/relationships" xmlns:p="http://schemas.openxmlformats.org/presentationml/2006/main">
+  <p:cSld>
+    <p:spTree>
+      <p:nvGrpSpPr>
+        <p:cNvPr id="1" name=""/>
+        <p:cNvGrpSpPr/>
+        <p:nvPr/>
+      </p:nvGrpSpPr>
+      <p:grpSpPr>
+        <a:xfrm>
+          <a:off x="0" y="0"/>
+          <a:ext cx="0" cy="0"/>
+          <a:chOff x="0" y="0"/>
+          <a:chExt cx="0" cy="0"/>
+        </a:xfrm>
+      </p:grpSpPr>
+      <p:sp>
+        <p:nvSpPr>
+          <p:cNvPr id="2" name="Slide Image Placeholder 1"/>
+          <p:cNvSpPr>
+            <a:spLocks noGrp="1" noRot="1" noChangeAspect="1"/>
+          </p:cNvSpPr>
+          <p:nvPr>
+            <p:ph type="sldImg"/>
+          </p:nvPr>
+        </p:nvSpPr>
+        <p:spPr/>
+      </p:sp>
+      <p:sp>
+        <p:nvSpPr>
+          <p:cNvPr id="3" name="Notes Placeholder 2"/>
+          <p:cNvSpPr>
+            <a:spLocks noGrp="1"/>
+          </p:cNvSpPr>
+          <p:nvPr>
+            <p:ph type="body" idx="1"/>
+          </p:nvPr>
+        </p:nvSpPr>
+        <p:spPr/>
+        <p:txBody>
+          <a:bodyPr/>
+          <a:lstStyle/>
+          <a:p>
+            <a:r>
+              <a:rPr lang="en-US" dirty="0" smtClean="0"/>
+              <a:t>Next: </a:t>
+            </a:r>
+            <a:r>
+              <a:rPr lang="en-US" dirty="0" err="1" smtClean="0"/>
+              <a:t>Topologie</a:t>
+            </a:r>
+            <a:r>
+              <a:rPr lang="en-US" dirty="0" smtClean="0"/>
+              <a:t> physique : motivation</a:t>
+            </a:r>
+            <a:endParaRPr lang="en-US" dirty="0"/>
+          </a:p>
+        </p:txBody>
+      </p:sp>
+      <p:sp>
+        <p:nvSpPr>
+          <p:cNvPr id="4" name="Slide Number Placeholder 3"/>
+          <p:cNvSpPr>
+            <a:spLocks noGrp="1"/>
+          </p:cNvSpPr>
+          <p:nvPr>
+            <p:ph type="sldNum" sz="quarter" idx="10"/>
+          </p:nvPr>
+        </p:nvSpPr>
+        <p:spPr/>
+        <p:txBody>
+          <a:bodyPr/>
+          <a:lstStyle/>
+          <a:p>
+            <a:fld id="{6F9933D3-4D81-4BB4-AA18-612B08FC0C74}" type="slidenum">
+              <a:rPr lang="en-US" smtClean="0"/>
+              <a:t>25</a:t>
+            </a:fld>
+            <a:endParaRPr lang="en-US"/>
+          </a:p>
+        </p:txBody>
+      </p:sp>
+    </p:spTree>
+    <p:extLst>
+      <p:ext uri="{BB962C8B-B14F-4D97-AF65-F5344CB8AC3E}">
+        <p14:creationId xmlns:p14="http://schemas.microsoft.com/office/powerpoint/2010/main" val="1451708317"/>
+      </p:ext>
+    </p:extLst>
+  </p:cSld>
+  <p:clrMapOvr>
+    <a:masterClrMapping/>
+  </p:clrMapOvr>
+</p:notes>
+</file>
+
+<file path=ppt/notesSlides/notesSlide26.xml><?xml version="1.0" encoding="utf-8"?>
+<p:notes xmlns:a="http://schemas.openxmlformats.org/drawingml/2006/main" xmlns:r="http://schemas.openxmlformats.org/officeDocument/2006/relationships" xmlns:p="http://schemas.openxmlformats.org/presentationml/2006/main">
+  <p:cSld>
+    <p:spTree>
+      <p:nvGrpSpPr>
+        <p:cNvPr id="1" name=""/>
+        <p:cNvGrpSpPr/>
+        <p:nvPr/>
+      </p:nvGrpSpPr>
+      <p:grpSpPr>
+        <a:xfrm>
+          <a:off x="0" y="0"/>
+          <a:ext cx="0" cy="0"/>
+          <a:chOff x="0" y="0"/>
+          <a:chExt cx="0" cy="0"/>
+        </a:xfrm>
+      </p:grpSpPr>
+      <p:sp>
+        <p:nvSpPr>
+          <p:cNvPr id="2" name="Slide Image Placeholder 1"/>
+          <p:cNvSpPr>
+            <a:spLocks noGrp="1" noRot="1" noChangeAspect="1"/>
+          </p:cNvSpPr>
+          <p:nvPr>
+            <p:ph type="sldImg"/>
+          </p:nvPr>
+        </p:nvSpPr>
+        <p:spPr/>
+      </p:sp>
+      <p:sp>
+        <p:nvSpPr>
+          <p:cNvPr id="3" name="Notes Placeholder 2"/>
+          <p:cNvSpPr>
+            <a:spLocks noGrp="1"/>
+          </p:cNvSpPr>
+          <p:nvPr>
+            <p:ph type="body" idx="1"/>
+          </p:nvPr>
+        </p:nvSpPr>
+        <p:spPr/>
+        <p:txBody>
+          <a:bodyPr/>
+          <a:lstStyle/>
+          <a:p>
+            <a:r>
+              <a:rPr lang="en-US" dirty="0" smtClean="0"/>
+              <a:t>Next: Description </a:t>
+            </a:r>
+            <a:r>
+              <a:rPr lang="en-US" dirty="0" err="1" smtClean="0"/>
+              <a:t>formelle</a:t>
+            </a:r>
+            <a:r>
+              <a:rPr lang="en-US" dirty="0" smtClean="0"/>
+              <a:t> des </a:t>
+            </a:r>
+            <a:r>
+              <a:rPr lang="en-US" dirty="0" err="1" smtClean="0"/>
+              <a:t>objets</a:t>
+            </a:r>
+            <a:endParaRPr lang="en-US" dirty="0"/>
+          </a:p>
+        </p:txBody>
+      </p:sp>
+      <p:sp>
+        <p:nvSpPr>
+          <p:cNvPr id="4" name="Slide Number Placeholder 3"/>
+          <p:cNvSpPr>
+            <a:spLocks noGrp="1"/>
+          </p:cNvSpPr>
+          <p:nvPr>
+            <p:ph type="sldNum" sz="quarter" idx="10"/>
+          </p:nvPr>
+        </p:nvSpPr>
+        <p:spPr/>
+        <p:txBody>
+          <a:bodyPr/>
+          <a:lstStyle/>
+          <a:p>
+            <a:fld id="{6F9933D3-4D81-4BB4-AA18-612B08FC0C74}" type="slidenum">
+              <a:rPr lang="en-US" smtClean="0"/>
+              <a:t>26</a:t>
+            </a:fld>
+            <a:endParaRPr lang="en-US"/>
+          </a:p>
+        </p:txBody>
+      </p:sp>
+    </p:spTree>
+    <p:extLst>
+      <p:ext uri="{BB962C8B-B14F-4D97-AF65-F5344CB8AC3E}">
+        <p14:creationId xmlns:p14="http://schemas.microsoft.com/office/powerpoint/2010/main" val="577737097"/>
+      </p:ext>
+    </p:extLst>
+  </p:cSld>
+  <p:clrMapOvr>
+    <a:masterClrMapping/>
+  </p:clrMapOvr>
+</p:notes>
+</file>
+
+<file path=ppt/notesSlides/notesSlide27.xml><?xml version="1.0" encoding="utf-8"?>
+<p:notes xmlns:a="http://schemas.openxmlformats.org/drawingml/2006/main" xmlns:r="http://schemas.openxmlformats.org/officeDocument/2006/relationships" xmlns:p="http://schemas.openxmlformats.org/presentationml/2006/main">
+  <p:cSld>
+    <p:spTree>
+      <p:nvGrpSpPr>
+        <p:cNvPr id="1" name=""/>
+        <p:cNvGrpSpPr/>
+        <p:nvPr/>
+      </p:nvGrpSpPr>
+      <p:grpSpPr>
+        <a:xfrm>
+          <a:off x="0" y="0"/>
+          <a:ext cx="0" cy="0"/>
+          <a:chOff x="0" y="0"/>
+          <a:chExt cx="0" cy="0"/>
+        </a:xfrm>
+      </p:grpSpPr>
+      <p:sp>
+        <p:nvSpPr>
+          <p:cNvPr id="2" name="Slide Image Placeholder 1"/>
+          <p:cNvSpPr>
+            <a:spLocks noGrp="1" noRot="1" noChangeAspect="1"/>
+          </p:cNvSpPr>
+          <p:nvPr>
+            <p:ph type="sldImg"/>
+          </p:nvPr>
+        </p:nvSpPr>
+        <p:spPr/>
+      </p:sp>
+      <p:sp>
+        <p:nvSpPr>
+          <p:cNvPr id="3" name="Notes Placeholder 2"/>
+          <p:cNvSpPr>
+            <a:spLocks noGrp="1"/>
+          </p:cNvSpPr>
+          <p:nvPr>
+            <p:ph type="body" idx="1"/>
+          </p:nvPr>
+        </p:nvSpPr>
+        <p:spPr/>
+        <p:txBody>
+          <a:bodyPr/>
+          <a:lstStyle/>
+          <a:p>
+            <a:r>
+              <a:rPr lang="en-US" dirty="0" smtClean="0"/>
+              <a:t>Next: </a:t>
+            </a:r>
+            <a:r>
+              <a:rPr lang="en-US" dirty="0" err="1" smtClean="0"/>
+              <a:t>Définition</a:t>
+            </a:r>
+            <a:r>
+              <a:rPr lang="en-US" dirty="0" smtClean="0"/>
+              <a:t> </a:t>
+            </a:r>
+            <a:r>
+              <a:rPr lang="en-US" dirty="0" err="1" smtClean="0"/>
+              <a:t>formelle</a:t>
+            </a:r>
+            <a:r>
+              <a:rPr lang="en-US" dirty="0" smtClean="0"/>
+              <a:t> des </a:t>
+            </a:r>
+            <a:r>
+              <a:rPr lang="en-US" dirty="0" err="1" smtClean="0"/>
+              <a:t>outils</a:t>
+            </a:r>
+            <a:r>
+              <a:rPr lang="en-US" dirty="0" smtClean="0"/>
+              <a:t> (1) UDP</a:t>
+            </a:r>
+            <a:r>
+              <a:rPr lang="en-US" baseline="0" dirty="0" smtClean="0"/>
+              <a:t> Ping 1 to 1</a:t>
+            </a:r>
+            <a:endParaRPr lang="en-US" dirty="0"/>
+          </a:p>
+        </p:txBody>
+      </p:sp>
+      <p:sp>
+        <p:nvSpPr>
+          <p:cNvPr id="4" name="Slide Number Placeholder 3"/>
+          <p:cNvSpPr>
+            <a:spLocks noGrp="1"/>
+          </p:cNvSpPr>
+          <p:nvPr>
+            <p:ph type="sldNum" sz="quarter" idx="10"/>
+          </p:nvPr>
+        </p:nvSpPr>
+        <p:spPr/>
+        <p:txBody>
+          <a:bodyPr/>
+          <a:lstStyle/>
+          <a:p>
+            <a:fld id="{6F9933D3-4D81-4BB4-AA18-612B08FC0C74}" type="slidenum">
+              <a:rPr lang="en-US" smtClean="0"/>
+              <a:t>27</a:t>
+            </a:fld>
+            <a:endParaRPr lang="en-US"/>
+          </a:p>
+        </p:txBody>
+      </p:sp>
+    </p:spTree>
+    <p:extLst>
+      <p:ext uri="{BB962C8B-B14F-4D97-AF65-F5344CB8AC3E}">
+        <p14:creationId xmlns:p14="http://schemas.microsoft.com/office/powerpoint/2010/main" val="3463404966"/>
+      </p:ext>
+    </p:extLst>
+  </p:cSld>
+  <p:clrMapOvr>
+    <a:masterClrMapping/>
+  </p:clrMapOvr>
+</p:notes>
+</file>
+
+<file path=ppt/notesSlides/notesSlide28.xml><?xml version="1.0" encoding="utf-8"?>
+<p:notes xmlns:a="http://schemas.openxmlformats.org/drawingml/2006/main" xmlns:r="http://schemas.openxmlformats.org/officeDocument/2006/relationships" xmlns:p="http://schemas.openxmlformats.org/presentationml/2006/main">
+  <p:cSld>
+    <p:spTree>
+      <p:nvGrpSpPr>
+        <p:cNvPr id="1" name=""/>
+        <p:cNvGrpSpPr/>
+        <p:nvPr/>
+      </p:nvGrpSpPr>
+      <p:grpSpPr>
+        <a:xfrm>
+          <a:off x="0" y="0"/>
+          <a:ext cx="0" cy="0"/>
+          <a:chOff x="0" y="0"/>
+          <a:chExt cx="0" cy="0"/>
+        </a:xfrm>
+      </p:grpSpPr>
+      <p:sp>
+        <p:nvSpPr>
+          <p:cNvPr id="2" name="Slide Image Placeholder 1"/>
+          <p:cNvSpPr>
+            <a:spLocks noGrp="1" noRot="1" noChangeAspect="1"/>
+          </p:cNvSpPr>
+          <p:nvPr>
+            <p:ph type="sldImg"/>
+          </p:nvPr>
+        </p:nvSpPr>
+        <p:spPr/>
+      </p:sp>
+      <p:sp>
+        <p:nvSpPr>
+          <p:cNvPr id="3" name="Notes Placeholder 2"/>
+          <p:cNvSpPr>
+            <a:spLocks noGrp="1"/>
+          </p:cNvSpPr>
+          <p:nvPr>
+            <p:ph type="body" idx="1"/>
+          </p:nvPr>
+        </p:nvSpPr>
+        <p:spPr/>
+        <p:txBody>
+          <a:bodyPr/>
+          <a:lstStyle/>
+          <a:p>
+            <a:r>
+              <a:rPr lang="en-US" dirty="0" smtClean="0"/>
+              <a:t>Next: </a:t>
+            </a:r>
+            <a:r>
+              <a:rPr lang="en-US" dirty="0" err="1" smtClean="0"/>
+              <a:t>Définition</a:t>
+            </a:r>
+            <a:r>
+              <a:rPr lang="en-US" dirty="0" smtClean="0"/>
+              <a:t> </a:t>
+            </a:r>
+            <a:r>
+              <a:rPr lang="en-US" dirty="0" err="1" smtClean="0"/>
+              <a:t>formelle</a:t>
+            </a:r>
+            <a:r>
+              <a:rPr lang="en-US" dirty="0" smtClean="0"/>
+              <a:t> des </a:t>
+            </a:r>
+            <a:r>
+              <a:rPr lang="en-US" dirty="0" err="1" smtClean="0"/>
+              <a:t>outils</a:t>
+            </a:r>
+            <a:r>
+              <a:rPr lang="en-US" dirty="0" smtClean="0"/>
+              <a:t> (2) UDP Ping 2 to 1</a:t>
+            </a:r>
+            <a:endParaRPr lang="en-US" dirty="0"/>
+          </a:p>
+        </p:txBody>
+      </p:sp>
+      <p:sp>
+        <p:nvSpPr>
+          <p:cNvPr id="4" name="Slide Number Placeholder 3"/>
+          <p:cNvSpPr>
+            <a:spLocks noGrp="1"/>
+          </p:cNvSpPr>
+          <p:nvPr>
+            <p:ph type="sldNum" sz="quarter" idx="10"/>
+          </p:nvPr>
+        </p:nvSpPr>
+        <p:spPr/>
+        <p:txBody>
+          <a:bodyPr/>
+          <a:lstStyle/>
+          <a:p>
+            <a:fld id="{6F9933D3-4D81-4BB4-AA18-612B08FC0C74}" type="slidenum">
+              <a:rPr lang="en-US" smtClean="0"/>
+              <a:t>28</a:t>
+            </a:fld>
+            <a:endParaRPr lang="en-US"/>
+          </a:p>
+        </p:txBody>
+      </p:sp>
+    </p:spTree>
+    <p:extLst>
+      <p:ext uri="{BB962C8B-B14F-4D97-AF65-F5344CB8AC3E}">
+        <p14:creationId xmlns:p14="http://schemas.microsoft.com/office/powerpoint/2010/main" val="979073135"/>
+      </p:ext>
+    </p:extLst>
+  </p:cSld>
+  <p:clrMapOvr>
+    <a:masterClrMapping/>
+  </p:clrMapOvr>
+</p:notes>
+</file>
+
+<file path=ppt/notesSlides/notesSlide29.xml><?xml version="1.0" encoding="utf-8"?>
+<p:notes xmlns:a="http://schemas.openxmlformats.org/drawingml/2006/main" xmlns:r="http://schemas.openxmlformats.org/officeDocument/2006/relationships" xmlns:p="http://schemas.openxmlformats.org/presentationml/2006/main">
+  <p:cSld>
+    <p:spTree>
+      <p:nvGrpSpPr>
+        <p:cNvPr id="1" name=""/>
+        <p:cNvGrpSpPr/>
+        <p:nvPr/>
+      </p:nvGrpSpPr>
+      <p:grpSpPr>
+        <a:xfrm>
+          <a:off x="0" y="0"/>
+          <a:ext cx="0" cy="0"/>
+          <a:chOff x="0" y="0"/>
+          <a:chExt cx="0" cy="0"/>
+        </a:xfrm>
+      </p:grpSpPr>
+      <p:sp>
+        <p:nvSpPr>
+          <p:cNvPr id="2" name="Slide Image Placeholder 1"/>
+          <p:cNvSpPr>
+            <a:spLocks noGrp="1" noRot="1" noChangeAspect="1"/>
+          </p:cNvSpPr>
+          <p:nvPr>
+            <p:ph type="sldImg"/>
+          </p:nvPr>
+        </p:nvSpPr>
+        <p:spPr/>
+      </p:sp>
+      <p:sp>
+        <p:nvSpPr>
+          <p:cNvPr id="3" name="Notes Placeholder 2"/>
+          <p:cNvSpPr>
+            <a:spLocks noGrp="1"/>
+          </p:cNvSpPr>
+          <p:nvPr>
+            <p:ph type="body" idx="1"/>
+          </p:nvPr>
+        </p:nvSpPr>
+        <p:spPr/>
+        <p:txBody>
+          <a:bodyPr/>
+          <a:lstStyle/>
+          <a:p>
+            <a:r>
+              <a:rPr lang="en-US" dirty="0" smtClean="0"/>
+              <a:t>Next: </a:t>
+            </a:r>
+            <a:r>
+              <a:rPr lang="en-US" dirty="0" err="1" smtClean="0"/>
+              <a:t>Cas</a:t>
+            </a:r>
+            <a:r>
+              <a:rPr lang="en-US" dirty="0" smtClean="0"/>
+              <a:t> </a:t>
+            </a:r>
+            <a:r>
+              <a:rPr lang="en-US" dirty="0" err="1" smtClean="0"/>
+              <a:t>d’une</a:t>
+            </a:r>
+            <a:r>
+              <a:rPr lang="en-US" dirty="0" smtClean="0"/>
+              <a:t> </a:t>
+            </a:r>
+            <a:r>
+              <a:rPr lang="en-US" dirty="0" err="1" smtClean="0"/>
+              <a:t>cible</a:t>
+            </a:r>
+            <a:r>
+              <a:rPr lang="en-US" dirty="0" smtClean="0"/>
+              <a:t> </a:t>
+            </a:r>
+            <a:r>
+              <a:rPr lang="en-US" dirty="0" err="1" smtClean="0"/>
+              <a:t>dans</a:t>
+            </a:r>
+            <a:r>
+              <a:rPr lang="en-US" dirty="0" smtClean="0"/>
+              <a:t> le </a:t>
+            </a:r>
+            <a:r>
+              <a:rPr lang="en-US" dirty="0" err="1" smtClean="0"/>
+              <a:t>coeur</a:t>
+            </a:r>
+            <a:endParaRPr lang="en-US" dirty="0" smtClean="0"/>
+          </a:p>
+        </p:txBody>
+      </p:sp>
+      <p:sp>
+        <p:nvSpPr>
+          <p:cNvPr id="4" name="Slide Number Placeholder 3"/>
+          <p:cNvSpPr>
+            <a:spLocks noGrp="1"/>
+          </p:cNvSpPr>
+          <p:nvPr>
+            <p:ph type="sldNum" sz="quarter" idx="10"/>
+          </p:nvPr>
+        </p:nvSpPr>
+        <p:spPr/>
+        <p:txBody>
+          <a:bodyPr/>
+          <a:lstStyle/>
+          <a:p>
+            <a:fld id="{6F9933D3-4D81-4BB4-AA18-612B08FC0C74}" type="slidenum">
+              <a:rPr lang="en-US" smtClean="0"/>
+              <a:t>29</a:t>
+            </a:fld>
+            <a:endParaRPr lang="en-US"/>
+          </a:p>
+        </p:txBody>
+      </p:sp>
+    </p:spTree>
+    <p:extLst>
+      <p:ext uri="{BB962C8B-B14F-4D97-AF65-F5344CB8AC3E}">
+        <p14:creationId xmlns:p14="http://schemas.microsoft.com/office/powerpoint/2010/main" val="3685997344"/>
+      </p:ext>
+    </p:extLst>
+  </p:cSld>
+  <p:clrMapOvr>
+    <a:masterClrMapping/>
+  </p:clrMapOvr>
+</p:notes>
+</file>
+
+<file path=ppt/notesSlides/notesSlide3.xml><?xml version="1.0" encoding="utf-8"?>
+<p:notes xmlns:a="http://schemas.openxmlformats.org/drawingml/2006/main" xmlns:r="http://schemas.openxmlformats.org/officeDocument/2006/relationships" xmlns:p="http://schemas.openxmlformats.org/presentationml/2006/main">
+  <p:cSld>
+    <p:spTree>
+      <p:nvGrpSpPr>
+        <p:cNvPr id="1" name=""/>
+        <p:cNvGrpSpPr/>
+        <p:nvPr/>
+      </p:nvGrpSpPr>
+      <p:grpSpPr>
+        <a:xfrm>
+          <a:off x="0" y="0"/>
+          <a:ext cx="0" cy="0"/>
+          <a:chOff x="0" y="0"/>
+          <a:chExt cx="0" cy="0"/>
+        </a:xfrm>
+      </p:grpSpPr>
+      <p:sp>
+        <p:nvSpPr>
+          <p:cNvPr id="2" name="Slide Image Placeholder 1"/>
+          <p:cNvSpPr>
+            <a:spLocks noGrp="1" noRot="1" noChangeAspect="1"/>
+          </p:cNvSpPr>
+          <p:nvPr>
+            <p:ph type="sldImg"/>
+          </p:nvPr>
+        </p:nvSpPr>
+        <p:spPr/>
+      </p:sp>
+      <p:sp>
+        <p:nvSpPr>
+          <p:cNvPr id="3" name="Notes Placeholder 2"/>
+          <p:cNvSpPr>
+            <a:spLocks noGrp="1"/>
+          </p:cNvSpPr>
+          <p:nvPr>
+            <p:ph type="body" idx="1"/>
+          </p:nvPr>
+        </p:nvSpPr>
+        <p:spPr/>
+        <p:txBody>
+          <a:bodyPr/>
+          <a:lstStyle/>
+          <a:p>
+            <a:r>
+              <a:rPr lang="en-US" dirty="0" smtClean="0"/>
+              <a:t>Next: </a:t>
+            </a:r>
+            <a:r>
+              <a:rPr lang="en-US" dirty="0" err="1" smtClean="0"/>
+              <a:t>Topologie</a:t>
+            </a:r>
+            <a:r>
+              <a:rPr lang="en-US" baseline="0" dirty="0" smtClean="0"/>
+              <a:t> </a:t>
+            </a:r>
+            <a:r>
+              <a:rPr lang="en-US" baseline="0" dirty="0" err="1" smtClean="0"/>
+              <a:t>d’Internet</a:t>
+            </a:r>
+            <a:endParaRPr lang="en-US" baseline="0" dirty="0" smtClean="0"/>
+          </a:p>
+        </p:txBody>
+      </p:sp>
+      <p:sp>
+        <p:nvSpPr>
+          <p:cNvPr id="4" name="Slide Number Placeholder 3"/>
+          <p:cNvSpPr>
+            <a:spLocks noGrp="1"/>
+          </p:cNvSpPr>
+          <p:nvPr>
+            <p:ph type="sldNum" sz="quarter" idx="10"/>
+          </p:nvPr>
+        </p:nvSpPr>
+        <p:spPr/>
+        <p:txBody>
+          <a:bodyPr/>
+          <a:lstStyle/>
+          <a:p>
+            <a:fld id="{6F9933D3-4D81-4BB4-AA18-612B08FC0C74}" type="slidenum">
+              <a:rPr lang="en-US" smtClean="0"/>
+              <a:t>3</a:t>
+            </a:fld>
+            <a:endParaRPr lang="en-US"/>
+          </a:p>
+        </p:txBody>
+      </p:sp>
+    </p:spTree>
+    <p:extLst>
+      <p:ext uri="{BB962C8B-B14F-4D97-AF65-F5344CB8AC3E}">
+        <p14:creationId xmlns:p14="http://schemas.microsoft.com/office/powerpoint/2010/main" val="405651841"/>
+      </p:ext>
+    </p:extLst>
+  </p:cSld>
+  <p:clrMapOvr>
+    <a:masterClrMapping/>
+  </p:clrMapOvr>
+</p:notes>
+</file>
+
+<file path=ppt/notesSlides/notesSlide30.xml><?xml version="1.0" encoding="utf-8"?>
+<p:notes xmlns:a="http://schemas.openxmlformats.org/drawingml/2006/main" xmlns:r="http://schemas.openxmlformats.org/officeDocument/2006/relationships" xmlns:p="http://schemas.openxmlformats.org/presentationml/2006/main">
+  <p:cSld>
+    <p:spTree>
+      <p:nvGrpSpPr>
+        <p:cNvPr id="1" name=""/>
+        <p:cNvGrpSpPr/>
+        <p:nvPr/>
+      </p:nvGrpSpPr>
+      <p:grpSpPr>
+        <a:xfrm>
+          <a:off x="0" y="0"/>
+          <a:ext cx="0" cy="0"/>
+          <a:chOff x="0" y="0"/>
+          <a:chExt cx="0" cy="0"/>
+        </a:xfrm>
+      </p:grpSpPr>
+      <p:sp>
+        <p:nvSpPr>
+          <p:cNvPr id="2" name="Slide Image Placeholder 1"/>
+          <p:cNvSpPr>
+            <a:spLocks noGrp="1" noRot="1" noChangeAspect="1"/>
+          </p:cNvSpPr>
+          <p:nvPr>
+            <p:ph type="sldImg"/>
+          </p:nvPr>
+        </p:nvSpPr>
+        <p:spPr/>
+      </p:sp>
+      <p:sp>
+        <p:nvSpPr>
+          <p:cNvPr id="3" name="Notes Placeholder 2"/>
+          <p:cNvSpPr>
+            <a:spLocks noGrp="1"/>
+          </p:cNvSpPr>
+          <p:nvPr>
+            <p:ph type="body" idx="1"/>
+          </p:nvPr>
+        </p:nvSpPr>
+        <p:spPr/>
+        <p:txBody>
+          <a:bodyPr/>
+          <a:lstStyle/>
+          <a:p>
+            <a:r>
+              <a:rPr lang="en-US" dirty="0" smtClean="0"/>
+              <a:t>Next: </a:t>
+            </a:r>
+            <a:r>
+              <a:rPr lang="en-US" dirty="0" err="1" smtClean="0"/>
+              <a:t>Cas</a:t>
+            </a:r>
+            <a:r>
+              <a:rPr lang="en-US" baseline="0" dirty="0" smtClean="0"/>
+              <a:t> </a:t>
+            </a:r>
+            <a:r>
+              <a:rPr lang="en-US" baseline="0" dirty="0" err="1" smtClean="0"/>
+              <a:t>d’une</a:t>
+            </a:r>
+            <a:r>
+              <a:rPr lang="en-US" baseline="0" dirty="0" smtClean="0"/>
+              <a:t> </a:t>
+            </a:r>
+            <a:r>
+              <a:rPr lang="en-US" baseline="0" dirty="0" err="1" smtClean="0"/>
+              <a:t>cible</a:t>
+            </a:r>
+            <a:r>
+              <a:rPr lang="en-US" baseline="0" dirty="0" smtClean="0"/>
+              <a:t> </a:t>
+            </a:r>
+            <a:r>
+              <a:rPr lang="en-US" baseline="0" dirty="0" err="1" smtClean="0"/>
+              <a:t>dans</a:t>
+            </a:r>
+            <a:r>
+              <a:rPr lang="en-US" baseline="0" dirty="0" smtClean="0"/>
+              <a:t> le </a:t>
+            </a:r>
+            <a:r>
+              <a:rPr lang="en-US" baseline="0" dirty="0" err="1" smtClean="0"/>
+              <a:t>bord</a:t>
+            </a:r>
+            <a:endParaRPr lang="en-US" dirty="0"/>
+          </a:p>
+        </p:txBody>
+      </p:sp>
+      <p:sp>
+        <p:nvSpPr>
+          <p:cNvPr id="4" name="Slide Number Placeholder 3"/>
+          <p:cNvSpPr>
+            <a:spLocks noGrp="1"/>
+          </p:cNvSpPr>
+          <p:nvPr>
+            <p:ph type="sldNum" sz="quarter" idx="10"/>
+          </p:nvPr>
+        </p:nvSpPr>
+        <p:spPr/>
+        <p:txBody>
+          <a:bodyPr/>
+          <a:lstStyle/>
+          <a:p>
+            <a:fld id="{6F9933D3-4D81-4BB4-AA18-612B08FC0C74}" type="slidenum">
+              <a:rPr lang="en-US" smtClean="0"/>
+              <a:t>30</a:t>
+            </a:fld>
+            <a:endParaRPr lang="en-US"/>
+          </a:p>
+        </p:txBody>
+      </p:sp>
+    </p:spTree>
+    <p:extLst>
+      <p:ext uri="{BB962C8B-B14F-4D97-AF65-F5344CB8AC3E}">
+        <p14:creationId xmlns:p14="http://schemas.microsoft.com/office/powerpoint/2010/main" val="3470068943"/>
+      </p:ext>
+    </p:extLst>
+  </p:cSld>
+  <p:clrMapOvr>
+    <a:masterClrMapping/>
+  </p:clrMapOvr>
+</p:notes>
+</file>
+
+<file path=ppt/notesSlides/notesSlide31.xml><?xml version="1.0" encoding="utf-8"?>
+<p:notes xmlns:a="http://schemas.openxmlformats.org/drawingml/2006/main" xmlns:r="http://schemas.openxmlformats.org/officeDocument/2006/relationships" xmlns:p="http://schemas.openxmlformats.org/presentationml/2006/main">
+  <p:cSld>
+    <p:spTree>
+      <p:nvGrpSpPr>
+        <p:cNvPr id="1" name=""/>
+        <p:cNvGrpSpPr/>
+        <p:nvPr/>
+      </p:nvGrpSpPr>
+      <p:grpSpPr>
+        <a:xfrm>
+          <a:off x="0" y="0"/>
+          <a:ext cx="0" cy="0"/>
+          <a:chOff x="0" y="0"/>
+          <a:chExt cx="0" cy="0"/>
+        </a:xfrm>
+      </p:grpSpPr>
+      <p:sp>
+        <p:nvSpPr>
+          <p:cNvPr id="2" name="Slide Image Placeholder 1"/>
+          <p:cNvSpPr>
+            <a:spLocks noGrp="1" noRot="1" noChangeAspect="1"/>
+          </p:cNvSpPr>
+          <p:nvPr>
+            <p:ph type="sldImg"/>
+          </p:nvPr>
+        </p:nvSpPr>
+        <p:spPr/>
+      </p:sp>
+      <p:sp>
+        <p:nvSpPr>
+          <p:cNvPr id="3" name="Notes Placeholder 2"/>
+          <p:cNvSpPr>
+            <a:spLocks noGrp="1"/>
+          </p:cNvSpPr>
+          <p:nvPr>
+            <p:ph type="body" idx="1"/>
+          </p:nvPr>
+        </p:nvSpPr>
+        <p:spPr/>
+        <p:txBody>
+          <a:bodyPr/>
+          <a:lstStyle/>
+          <a:p>
+            <a:r>
+              <a:rPr lang="en-US" dirty="0" smtClean="0"/>
+              <a:t>Next: Description </a:t>
+            </a:r>
+            <a:r>
+              <a:rPr lang="en-US" dirty="0" err="1" smtClean="0"/>
+              <a:t>formelle</a:t>
+            </a:r>
+            <a:r>
+              <a:rPr lang="en-US" dirty="0" smtClean="0"/>
+              <a:t> des </a:t>
+            </a:r>
+            <a:r>
+              <a:rPr lang="en-US" dirty="0" err="1" smtClean="0"/>
+              <a:t>outils</a:t>
+            </a:r>
+            <a:r>
+              <a:rPr lang="en-US" dirty="0" smtClean="0"/>
+              <a:t> (3) : Ok pour les interfaces </a:t>
+            </a:r>
+            <a:r>
+              <a:rPr lang="en-US" dirty="0" err="1" smtClean="0"/>
+              <a:t>dans</a:t>
+            </a:r>
+            <a:r>
+              <a:rPr lang="en-US" baseline="0" dirty="0" smtClean="0"/>
+              <a:t> le </a:t>
+            </a:r>
+            <a:r>
+              <a:rPr lang="en-US" dirty="0" err="1" smtClean="0"/>
+              <a:t>coeur</a:t>
+            </a:r>
+            <a:r>
+              <a:rPr lang="en-US" dirty="0" smtClean="0"/>
+              <a:t> </a:t>
+            </a:r>
+            <a:r>
+              <a:rPr lang="en-US" dirty="0" err="1" smtClean="0"/>
+              <a:t>d’une</a:t>
+            </a:r>
+            <a:r>
+              <a:rPr lang="en-US" dirty="0" smtClean="0"/>
+              <a:t> </a:t>
+            </a:r>
+            <a:r>
+              <a:rPr lang="en-US" dirty="0" err="1" smtClean="0"/>
+              <a:t>cible</a:t>
+            </a:r>
+            <a:r>
+              <a:rPr lang="en-US" dirty="0" smtClean="0"/>
+              <a:t> </a:t>
+            </a:r>
+            <a:r>
+              <a:rPr lang="en-US" dirty="0" err="1" smtClean="0"/>
+              <a:t>dans</a:t>
+            </a:r>
+            <a:r>
+              <a:rPr lang="en-US" dirty="0" smtClean="0"/>
+              <a:t> le </a:t>
+            </a:r>
+            <a:r>
+              <a:rPr lang="en-US" dirty="0" err="1" smtClean="0"/>
+              <a:t>coeur</a:t>
+            </a:r>
+            <a:endParaRPr lang="en-US" dirty="0"/>
+          </a:p>
+        </p:txBody>
+      </p:sp>
+      <p:sp>
+        <p:nvSpPr>
+          <p:cNvPr id="4" name="Slide Number Placeholder 3"/>
+          <p:cNvSpPr>
+            <a:spLocks noGrp="1"/>
+          </p:cNvSpPr>
+          <p:nvPr>
+            <p:ph type="sldNum" sz="quarter" idx="10"/>
+          </p:nvPr>
+        </p:nvSpPr>
+        <p:spPr/>
+        <p:txBody>
+          <a:bodyPr/>
+          <a:lstStyle/>
+          <a:p>
+            <a:fld id="{6F9933D3-4D81-4BB4-AA18-612B08FC0C74}" type="slidenum">
+              <a:rPr lang="en-US" smtClean="0"/>
+              <a:t>31</a:t>
+            </a:fld>
+            <a:endParaRPr lang="en-US"/>
+          </a:p>
+        </p:txBody>
+      </p:sp>
+    </p:spTree>
+    <p:extLst>
+      <p:ext uri="{BB962C8B-B14F-4D97-AF65-F5344CB8AC3E}">
+        <p14:creationId xmlns:p14="http://schemas.microsoft.com/office/powerpoint/2010/main" val="3973869724"/>
+      </p:ext>
+    </p:extLst>
+  </p:cSld>
+  <p:clrMapOvr>
+    <a:masterClrMapping/>
+  </p:clrMapOvr>
+</p:notes>
+</file>
+
+<file path=ppt/notesSlides/notesSlide32.xml><?xml version="1.0" encoding="utf-8"?>
+<p:notes xmlns:a="http://schemas.openxmlformats.org/drawingml/2006/main" xmlns:r="http://schemas.openxmlformats.org/officeDocument/2006/relationships" xmlns:p="http://schemas.openxmlformats.org/presentationml/2006/main">
+  <p:cSld>
+    <p:spTree>
+      <p:nvGrpSpPr>
+        <p:cNvPr id="1" name=""/>
+        <p:cNvGrpSpPr/>
+        <p:nvPr/>
+      </p:nvGrpSpPr>
+      <p:grpSpPr>
+        <a:xfrm>
+          <a:off x="0" y="0"/>
+          <a:ext cx="0" cy="0"/>
+          <a:chOff x="0" y="0"/>
+          <a:chExt cx="0" cy="0"/>
+        </a:xfrm>
+      </p:grpSpPr>
+      <p:sp>
+        <p:nvSpPr>
+          <p:cNvPr id="2" name="Slide Image Placeholder 1"/>
+          <p:cNvSpPr>
+            <a:spLocks noGrp="1" noRot="1" noChangeAspect="1"/>
+          </p:cNvSpPr>
+          <p:nvPr>
+            <p:ph type="sldImg"/>
+          </p:nvPr>
+        </p:nvSpPr>
+        <p:spPr/>
+      </p:sp>
+      <p:sp>
+        <p:nvSpPr>
+          <p:cNvPr id="3" name="Notes Placeholder 2"/>
+          <p:cNvSpPr>
+            <a:spLocks noGrp="1"/>
+          </p:cNvSpPr>
+          <p:nvPr>
+            <p:ph type="body" idx="1"/>
+          </p:nvPr>
+        </p:nvSpPr>
+        <p:spPr/>
+        <p:txBody>
+          <a:bodyPr/>
+          <a:lstStyle/>
+          <a:p>
+            <a:r>
+              <a:rPr lang="en-US" dirty="0" smtClean="0"/>
+              <a:t>Next:</a:t>
+            </a:r>
+            <a:r>
+              <a:rPr lang="en-US" baseline="0" dirty="0" smtClean="0"/>
+              <a:t> </a:t>
+            </a:r>
+            <a:r>
+              <a:rPr lang="en-US" baseline="0" dirty="0" err="1" smtClean="0"/>
+              <a:t>Caractérisation</a:t>
+            </a:r>
+            <a:r>
+              <a:rPr lang="en-US" baseline="0" dirty="0" smtClean="0"/>
+              <a:t> </a:t>
+            </a:r>
+            <a:r>
+              <a:rPr lang="en-US" baseline="0" dirty="0" err="1" smtClean="0"/>
+              <a:t>d’une</a:t>
+            </a:r>
+            <a:r>
+              <a:rPr lang="en-US" baseline="0" dirty="0" smtClean="0"/>
+              <a:t> </a:t>
+            </a:r>
+            <a:r>
+              <a:rPr lang="en-US" baseline="0" dirty="0" err="1" smtClean="0"/>
+              <a:t>cible</a:t>
+            </a:r>
+            <a:r>
+              <a:rPr lang="en-US" baseline="0" dirty="0" smtClean="0"/>
+              <a:t> </a:t>
+            </a:r>
+            <a:r>
+              <a:rPr lang="en-US" baseline="0" dirty="0" err="1" smtClean="0"/>
+              <a:t>dans</a:t>
+            </a:r>
+            <a:r>
+              <a:rPr lang="en-US" baseline="0" dirty="0" smtClean="0"/>
+              <a:t> le </a:t>
+            </a:r>
+            <a:r>
+              <a:rPr lang="en-US" baseline="0" dirty="0" err="1" smtClean="0"/>
+              <a:t>coeur</a:t>
+            </a:r>
+            <a:r>
+              <a:rPr lang="en-US" baseline="0" dirty="0" smtClean="0"/>
+              <a:t> (1) </a:t>
+            </a:r>
+            <a:r>
+              <a:rPr lang="en-US" baseline="0" dirty="0" err="1" smtClean="0"/>
+              <a:t>Schéma</a:t>
+            </a:r>
+            <a:r>
+              <a:rPr lang="en-US" baseline="0" dirty="0" smtClean="0"/>
+              <a:t> </a:t>
+            </a:r>
+            <a:r>
+              <a:rPr lang="en-US" baseline="0" dirty="0" err="1" smtClean="0"/>
+              <a:t>cas</a:t>
+            </a:r>
+            <a:r>
+              <a:rPr lang="en-US" baseline="0" dirty="0" smtClean="0"/>
+              <a:t> </a:t>
+            </a:r>
+            <a:r>
+              <a:rPr lang="en-US" baseline="0" dirty="0" err="1" smtClean="0"/>
+              <a:t>dans</a:t>
+            </a:r>
+            <a:r>
+              <a:rPr lang="en-US" baseline="0" dirty="0" smtClean="0"/>
+              <a:t> le </a:t>
+            </a:r>
+            <a:r>
+              <a:rPr lang="en-US" baseline="0" dirty="0" err="1" smtClean="0"/>
+              <a:t>coeur</a:t>
+            </a:r>
+            <a:endParaRPr lang="en-US" dirty="0"/>
+          </a:p>
+        </p:txBody>
+      </p:sp>
+      <p:sp>
+        <p:nvSpPr>
+          <p:cNvPr id="4" name="Slide Number Placeholder 3"/>
+          <p:cNvSpPr>
+            <a:spLocks noGrp="1"/>
+          </p:cNvSpPr>
+          <p:nvPr>
+            <p:ph type="sldNum" sz="quarter" idx="10"/>
+          </p:nvPr>
+        </p:nvSpPr>
+        <p:spPr/>
+        <p:txBody>
+          <a:bodyPr/>
+          <a:lstStyle/>
+          <a:p>
+            <a:fld id="{6F9933D3-4D81-4BB4-AA18-612B08FC0C74}" type="slidenum">
+              <a:rPr lang="en-US" smtClean="0"/>
+              <a:t>32</a:t>
+            </a:fld>
+            <a:endParaRPr lang="en-US"/>
+          </a:p>
+        </p:txBody>
+      </p:sp>
+    </p:spTree>
+    <p:extLst>
+      <p:ext uri="{BB962C8B-B14F-4D97-AF65-F5344CB8AC3E}">
+        <p14:creationId xmlns:p14="http://schemas.microsoft.com/office/powerpoint/2010/main" val="4003636640"/>
+      </p:ext>
+    </p:extLst>
+  </p:cSld>
+  <p:clrMapOvr>
+    <a:masterClrMapping/>
+  </p:clrMapOvr>
+</p:notes>
+</file>
+
+<file path=ppt/notesSlides/notesSlide33.xml><?xml version="1.0" encoding="utf-8"?>
+<p:notes xmlns:a="http://schemas.openxmlformats.org/drawingml/2006/main" xmlns:r="http://schemas.openxmlformats.org/officeDocument/2006/relationships" xmlns:p="http://schemas.openxmlformats.org/presentationml/2006/main">
+  <p:cSld>
+    <p:spTree>
+      <p:nvGrpSpPr>
+        <p:cNvPr id="1" name=""/>
+        <p:cNvGrpSpPr/>
+        <p:nvPr/>
+      </p:nvGrpSpPr>
+      <p:grpSpPr>
+        <a:xfrm>
+          <a:off x="0" y="0"/>
+          <a:ext cx="0" cy="0"/>
+          <a:chOff x="0" y="0"/>
+          <a:chExt cx="0" cy="0"/>
+        </a:xfrm>
+      </p:grpSpPr>
+      <p:sp>
+        <p:nvSpPr>
+          <p:cNvPr id="2" name="Slide Image Placeholder 1"/>
+          <p:cNvSpPr>
+            <a:spLocks noGrp="1" noRot="1" noChangeAspect="1"/>
+          </p:cNvSpPr>
+          <p:nvPr>
+            <p:ph type="sldImg"/>
+          </p:nvPr>
+        </p:nvSpPr>
+        <p:spPr/>
+      </p:sp>
+      <p:sp>
+        <p:nvSpPr>
+          <p:cNvPr id="3" name="Notes Placeholder 2"/>
+          <p:cNvSpPr>
+            <a:spLocks noGrp="1"/>
+          </p:cNvSpPr>
+          <p:nvPr>
+            <p:ph type="body" idx="1"/>
+          </p:nvPr>
+        </p:nvSpPr>
+        <p:spPr/>
+        <p:txBody>
+          <a:bodyPr/>
+          <a:lstStyle/>
+          <a:p>
+            <a:r>
+              <a:rPr lang="en-US" dirty="0" smtClean="0"/>
+              <a:t>Next: </a:t>
+            </a:r>
+            <a:r>
+              <a:rPr lang="en-US" dirty="0" err="1" smtClean="0"/>
+              <a:t>Caractérisation</a:t>
+            </a:r>
+            <a:r>
+              <a:rPr lang="en-US" dirty="0" smtClean="0"/>
+              <a:t> </a:t>
+            </a:r>
+            <a:r>
+              <a:rPr lang="en-US" dirty="0" err="1" smtClean="0"/>
+              <a:t>d’une</a:t>
+            </a:r>
+            <a:r>
+              <a:rPr lang="en-US" dirty="0" smtClean="0"/>
+              <a:t> </a:t>
+            </a:r>
+            <a:r>
+              <a:rPr lang="en-US" dirty="0" err="1" smtClean="0"/>
+              <a:t>cible</a:t>
+            </a:r>
+            <a:r>
+              <a:rPr lang="en-US" dirty="0" smtClean="0"/>
+              <a:t> </a:t>
+            </a:r>
+            <a:r>
+              <a:rPr lang="en-US" dirty="0" err="1" smtClean="0"/>
+              <a:t>dans</a:t>
+            </a:r>
+            <a:r>
+              <a:rPr lang="en-US" dirty="0" smtClean="0"/>
+              <a:t> le </a:t>
+            </a:r>
+            <a:r>
+              <a:rPr lang="en-US" dirty="0" err="1" smtClean="0"/>
+              <a:t>coeur</a:t>
+            </a:r>
+            <a:r>
+              <a:rPr lang="en-US" dirty="0" smtClean="0"/>
+              <a:t> (2) </a:t>
+            </a:r>
+            <a:r>
+              <a:rPr lang="en-US" dirty="0" err="1" smtClean="0"/>
+              <a:t>Schéma</a:t>
+            </a:r>
+            <a:r>
+              <a:rPr lang="en-US" dirty="0" smtClean="0"/>
+              <a:t> </a:t>
+            </a:r>
+            <a:r>
+              <a:rPr lang="en-US" dirty="0" err="1" smtClean="0"/>
+              <a:t>dans</a:t>
+            </a:r>
+            <a:r>
+              <a:rPr lang="en-US" dirty="0" smtClean="0"/>
+              <a:t> le </a:t>
+            </a:r>
+            <a:r>
+              <a:rPr lang="en-US" dirty="0" err="1" smtClean="0"/>
+              <a:t>bord</a:t>
+            </a:r>
+            <a:endParaRPr lang="en-US" dirty="0"/>
+          </a:p>
+        </p:txBody>
+      </p:sp>
+      <p:sp>
+        <p:nvSpPr>
+          <p:cNvPr id="4" name="Slide Number Placeholder 3"/>
+          <p:cNvSpPr>
+            <a:spLocks noGrp="1"/>
+          </p:cNvSpPr>
+          <p:nvPr>
+            <p:ph type="sldNum" sz="quarter" idx="10"/>
+          </p:nvPr>
+        </p:nvSpPr>
+        <p:spPr/>
+        <p:txBody>
+          <a:bodyPr/>
+          <a:lstStyle/>
+          <a:p>
+            <a:fld id="{6F9933D3-4D81-4BB4-AA18-612B08FC0C74}" type="slidenum">
+              <a:rPr lang="en-US" smtClean="0"/>
+              <a:t>33</a:t>
+            </a:fld>
+            <a:endParaRPr lang="en-US"/>
+          </a:p>
+        </p:txBody>
+      </p:sp>
+    </p:spTree>
+    <p:extLst>
+      <p:ext uri="{BB962C8B-B14F-4D97-AF65-F5344CB8AC3E}">
+        <p14:creationId xmlns:p14="http://schemas.microsoft.com/office/powerpoint/2010/main" val="1193129267"/>
+      </p:ext>
+    </p:extLst>
+  </p:cSld>
+  <p:clrMapOvr>
+    <a:masterClrMapping/>
+  </p:clrMapOvr>
+</p:notes>
+</file>
+
+<file path=ppt/notesSlides/notesSlide34.xml><?xml version="1.0" encoding="utf-8"?>
+<p:notes xmlns:a="http://schemas.openxmlformats.org/drawingml/2006/main" xmlns:r="http://schemas.openxmlformats.org/officeDocument/2006/relationships" xmlns:p="http://schemas.openxmlformats.org/presentationml/2006/main">
+  <p:cSld>
+    <p:spTree>
+      <p:nvGrpSpPr>
+        <p:cNvPr id="1" name=""/>
+        <p:cNvGrpSpPr/>
+        <p:nvPr/>
+      </p:nvGrpSpPr>
+      <p:grpSpPr>
+        <a:xfrm>
+          <a:off x="0" y="0"/>
+          <a:ext cx="0" cy="0"/>
+          <a:chOff x="0" y="0"/>
+          <a:chExt cx="0" cy="0"/>
+        </a:xfrm>
+      </p:grpSpPr>
+      <p:sp>
+        <p:nvSpPr>
+          <p:cNvPr id="2" name="Slide Image Placeholder 1"/>
+          <p:cNvSpPr>
+            <a:spLocks noGrp="1" noRot="1" noChangeAspect="1"/>
+          </p:cNvSpPr>
+          <p:nvPr>
+            <p:ph type="sldImg"/>
+          </p:nvPr>
+        </p:nvSpPr>
+        <p:spPr/>
+      </p:sp>
+      <p:sp>
+        <p:nvSpPr>
+          <p:cNvPr id="3" name="Notes Placeholder 2"/>
+          <p:cNvSpPr>
+            <a:spLocks noGrp="1"/>
+          </p:cNvSpPr>
+          <p:nvPr>
+            <p:ph type="body" idx="1"/>
+          </p:nvPr>
+        </p:nvSpPr>
+        <p:spPr/>
+        <p:txBody>
+          <a:bodyPr/>
+          <a:lstStyle/>
+          <a:p>
+            <a:r>
+              <a:rPr lang="en-US" dirty="0" smtClean="0"/>
+              <a:t>Next: </a:t>
+            </a:r>
+            <a:r>
+              <a:rPr lang="en-US" dirty="0" err="1" smtClean="0"/>
+              <a:t>Caractérisation</a:t>
+            </a:r>
+            <a:r>
+              <a:rPr lang="en-US" baseline="0" dirty="0" smtClean="0"/>
+              <a:t> des </a:t>
+            </a:r>
+            <a:r>
+              <a:rPr lang="en-US" baseline="0" dirty="0" err="1" smtClean="0"/>
+              <a:t>cibles</a:t>
+            </a:r>
+            <a:r>
+              <a:rPr lang="en-US" baseline="0" dirty="0" smtClean="0"/>
+              <a:t> </a:t>
+            </a:r>
+            <a:r>
+              <a:rPr lang="en-US" baseline="0" dirty="0" err="1" smtClean="0"/>
+              <a:t>dans</a:t>
+            </a:r>
+            <a:r>
+              <a:rPr lang="en-US" baseline="0" dirty="0" smtClean="0"/>
+              <a:t> le </a:t>
+            </a:r>
+            <a:r>
+              <a:rPr lang="en-US" baseline="0" dirty="0" err="1" smtClean="0"/>
+              <a:t>coeur</a:t>
+            </a:r>
+            <a:r>
+              <a:rPr lang="en-US" baseline="0" dirty="0" smtClean="0"/>
+              <a:t> (3) : </a:t>
+            </a:r>
+            <a:r>
+              <a:rPr lang="en-US" baseline="0" dirty="0" err="1" smtClean="0"/>
+              <a:t>Moniteur</a:t>
+            </a:r>
+            <a:r>
+              <a:rPr lang="en-US" baseline="0" dirty="0" smtClean="0"/>
+              <a:t> derrière </a:t>
+            </a:r>
+            <a:r>
+              <a:rPr lang="en-US" baseline="0" dirty="0" err="1" smtClean="0"/>
+              <a:t>une</a:t>
+            </a:r>
+            <a:r>
+              <a:rPr lang="en-US" baseline="0" dirty="0" smtClean="0"/>
+              <a:t> </a:t>
+            </a:r>
+            <a:r>
+              <a:rPr lang="en-US" baseline="0" dirty="0" err="1" smtClean="0"/>
+              <a:t>cible</a:t>
+            </a:r>
+            <a:endParaRPr lang="en-US" dirty="0"/>
+          </a:p>
+        </p:txBody>
+      </p:sp>
+      <p:sp>
+        <p:nvSpPr>
+          <p:cNvPr id="4" name="Slide Number Placeholder 3"/>
+          <p:cNvSpPr>
+            <a:spLocks noGrp="1"/>
+          </p:cNvSpPr>
+          <p:nvPr>
+            <p:ph type="sldNum" sz="quarter" idx="10"/>
+          </p:nvPr>
+        </p:nvSpPr>
+        <p:spPr/>
+        <p:txBody>
+          <a:bodyPr/>
+          <a:lstStyle/>
+          <a:p>
+            <a:fld id="{6F9933D3-4D81-4BB4-AA18-612B08FC0C74}" type="slidenum">
+              <a:rPr lang="en-US" smtClean="0"/>
+              <a:t>34</a:t>
+            </a:fld>
+            <a:endParaRPr lang="en-US"/>
+          </a:p>
+        </p:txBody>
+      </p:sp>
+    </p:spTree>
+    <p:extLst>
+      <p:ext uri="{BB962C8B-B14F-4D97-AF65-F5344CB8AC3E}">
+        <p14:creationId xmlns:p14="http://schemas.microsoft.com/office/powerpoint/2010/main" val="2712971075"/>
+      </p:ext>
+    </p:extLst>
+  </p:cSld>
+  <p:clrMapOvr>
+    <a:masterClrMapping/>
+  </p:clrMapOvr>
+</p:notes>
+</file>
+
+<file path=ppt/notesSlides/notesSlide35.xml><?xml version="1.0" encoding="utf-8"?>
+<p:notes xmlns:a="http://schemas.openxmlformats.org/drawingml/2006/main" xmlns:r="http://schemas.openxmlformats.org/officeDocument/2006/relationships" xmlns:p="http://schemas.openxmlformats.org/presentationml/2006/main">
+  <p:cSld>
+    <p:spTree>
+      <p:nvGrpSpPr>
+        <p:cNvPr id="1" name=""/>
+        <p:cNvGrpSpPr/>
+        <p:nvPr/>
+      </p:nvGrpSpPr>
+      <p:grpSpPr>
+        <a:xfrm>
+          <a:off x="0" y="0"/>
+          <a:ext cx="0" cy="0"/>
+          <a:chOff x="0" y="0"/>
+          <a:chExt cx="0" cy="0"/>
+        </a:xfrm>
+      </p:grpSpPr>
+      <p:sp>
+        <p:nvSpPr>
+          <p:cNvPr id="2" name="Slide Image Placeholder 1"/>
+          <p:cNvSpPr>
+            <a:spLocks noGrp="1" noRot="1" noChangeAspect="1"/>
+          </p:cNvSpPr>
+          <p:nvPr>
+            <p:ph type="sldImg"/>
+          </p:nvPr>
+        </p:nvSpPr>
+        <p:spPr/>
+      </p:sp>
+      <p:sp>
+        <p:nvSpPr>
+          <p:cNvPr id="3" name="Notes Placeholder 2"/>
+          <p:cNvSpPr>
+            <a:spLocks noGrp="1"/>
+          </p:cNvSpPr>
+          <p:nvPr>
+            <p:ph type="body" idx="1"/>
+          </p:nvPr>
+        </p:nvSpPr>
+        <p:spPr/>
+        <p:txBody>
+          <a:bodyPr/>
+          <a:lstStyle/>
+          <a:p>
+            <a:r>
+              <a:rPr lang="en-US" dirty="0" smtClean="0"/>
+              <a:t>Next: </a:t>
+            </a:r>
+            <a:r>
+              <a:rPr lang="en-US" dirty="0" err="1" smtClean="0"/>
+              <a:t>Caractérisation</a:t>
+            </a:r>
+            <a:r>
+              <a:rPr lang="en-US" dirty="0" smtClean="0"/>
+              <a:t> des </a:t>
+            </a:r>
+            <a:r>
+              <a:rPr lang="en-US" dirty="0" err="1" smtClean="0"/>
+              <a:t>cibles</a:t>
+            </a:r>
+            <a:r>
+              <a:rPr lang="en-US" dirty="0" smtClean="0"/>
+              <a:t> </a:t>
+            </a:r>
+            <a:r>
+              <a:rPr lang="en-US" dirty="0" err="1" smtClean="0"/>
+              <a:t>problématiques</a:t>
+            </a:r>
+            <a:endParaRPr lang="en-US" dirty="0"/>
+          </a:p>
+        </p:txBody>
+      </p:sp>
+      <p:sp>
+        <p:nvSpPr>
+          <p:cNvPr id="4" name="Slide Number Placeholder 3"/>
+          <p:cNvSpPr>
+            <a:spLocks noGrp="1"/>
+          </p:cNvSpPr>
+          <p:nvPr>
+            <p:ph type="sldNum" sz="quarter" idx="10"/>
+          </p:nvPr>
+        </p:nvSpPr>
+        <p:spPr/>
+        <p:txBody>
+          <a:bodyPr/>
+          <a:lstStyle/>
+          <a:p>
+            <a:fld id="{6F9933D3-4D81-4BB4-AA18-612B08FC0C74}" type="slidenum">
+              <a:rPr lang="en-US" smtClean="0"/>
+              <a:t>35</a:t>
+            </a:fld>
+            <a:endParaRPr lang="en-US"/>
+          </a:p>
+        </p:txBody>
+      </p:sp>
+    </p:spTree>
+    <p:extLst>
+      <p:ext uri="{BB962C8B-B14F-4D97-AF65-F5344CB8AC3E}">
+        <p14:creationId xmlns:p14="http://schemas.microsoft.com/office/powerpoint/2010/main" val="3409663129"/>
+      </p:ext>
+    </p:extLst>
+  </p:cSld>
+  <p:clrMapOvr>
+    <a:masterClrMapping/>
+  </p:clrMapOvr>
+</p:notes>
+</file>
+
+<file path=ppt/notesSlides/notesSlide36.xml><?xml version="1.0" encoding="utf-8"?>
+<p:notes xmlns:a="http://schemas.openxmlformats.org/drawingml/2006/main" xmlns:r="http://schemas.openxmlformats.org/officeDocument/2006/relationships" xmlns:p="http://schemas.openxmlformats.org/presentationml/2006/main">
+  <p:cSld>
+    <p:spTree>
+      <p:nvGrpSpPr>
+        <p:cNvPr id="1" name=""/>
+        <p:cNvGrpSpPr/>
+        <p:nvPr/>
+      </p:nvGrpSpPr>
+      <p:grpSpPr>
+        <a:xfrm>
+          <a:off x="0" y="0"/>
+          <a:ext cx="0" cy="0"/>
+          <a:chOff x="0" y="0"/>
+          <a:chExt cx="0" cy="0"/>
+        </a:xfrm>
+      </p:grpSpPr>
+      <p:sp>
+        <p:nvSpPr>
+          <p:cNvPr id="2" name="Slide Image Placeholder 1"/>
+          <p:cNvSpPr>
+            <a:spLocks noGrp="1" noRot="1" noChangeAspect="1"/>
+          </p:cNvSpPr>
+          <p:nvPr>
+            <p:ph type="sldImg"/>
+          </p:nvPr>
+        </p:nvSpPr>
+        <p:spPr/>
+      </p:sp>
+      <p:sp>
+        <p:nvSpPr>
+          <p:cNvPr id="3" name="Notes Placeholder 2"/>
+          <p:cNvSpPr>
+            <a:spLocks noGrp="1"/>
+          </p:cNvSpPr>
+          <p:nvPr>
+            <p:ph type="body" idx="1"/>
+          </p:nvPr>
+        </p:nvSpPr>
+        <p:spPr/>
+        <p:txBody>
+          <a:bodyPr/>
+          <a:lstStyle/>
+          <a:p>
+            <a:r>
+              <a:rPr lang="en-US" dirty="0" smtClean="0"/>
+              <a:t>Next: </a:t>
+            </a:r>
+            <a:r>
+              <a:rPr lang="en-US" dirty="0" err="1" smtClean="0"/>
+              <a:t>Echantillonage</a:t>
+            </a:r>
+            <a:r>
+              <a:rPr lang="en-US" dirty="0" smtClean="0"/>
+              <a:t> </a:t>
+            </a:r>
+            <a:r>
+              <a:rPr lang="en-US" dirty="0" err="1" smtClean="0"/>
+              <a:t>d’adresses</a:t>
+            </a:r>
+            <a:r>
+              <a:rPr lang="en-US" dirty="0" smtClean="0"/>
+              <a:t> de </a:t>
+            </a:r>
+            <a:r>
+              <a:rPr lang="en-US" dirty="0" err="1" smtClean="0"/>
+              <a:t>routeurs</a:t>
+            </a:r>
+            <a:r>
+              <a:rPr lang="en-US" dirty="0" smtClean="0"/>
+              <a:t> du </a:t>
+            </a:r>
+            <a:r>
+              <a:rPr lang="en-US" dirty="0" err="1" smtClean="0"/>
+              <a:t>coeur</a:t>
+            </a:r>
+            <a:endParaRPr lang="en-US" dirty="0"/>
+          </a:p>
+        </p:txBody>
+      </p:sp>
+      <p:sp>
+        <p:nvSpPr>
+          <p:cNvPr id="4" name="Slide Number Placeholder 3"/>
+          <p:cNvSpPr>
+            <a:spLocks noGrp="1"/>
+          </p:cNvSpPr>
+          <p:nvPr>
+            <p:ph type="sldNum" sz="quarter" idx="10"/>
+          </p:nvPr>
+        </p:nvSpPr>
+        <p:spPr/>
+        <p:txBody>
+          <a:bodyPr/>
+          <a:lstStyle/>
+          <a:p>
+            <a:fld id="{6F9933D3-4D81-4BB4-AA18-612B08FC0C74}" type="slidenum">
+              <a:rPr lang="en-US" smtClean="0"/>
+              <a:t>36</a:t>
+            </a:fld>
+            <a:endParaRPr lang="en-US"/>
+          </a:p>
+        </p:txBody>
+      </p:sp>
+    </p:spTree>
+    <p:extLst>
+      <p:ext uri="{BB962C8B-B14F-4D97-AF65-F5344CB8AC3E}">
+        <p14:creationId xmlns:p14="http://schemas.microsoft.com/office/powerpoint/2010/main" val="2980599380"/>
+      </p:ext>
+    </p:extLst>
+  </p:cSld>
+  <p:clrMapOvr>
+    <a:masterClrMapping/>
+  </p:clrMapOvr>
+</p:notes>
+</file>
+
+<file path=ppt/notesSlides/notesSlide37.xml><?xml version="1.0" encoding="utf-8"?>
+<p:notes xmlns:a="http://schemas.openxmlformats.org/drawingml/2006/main" xmlns:r="http://schemas.openxmlformats.org/officeDocument/2006/relationships" xmlns:p="http://schemas.openxmlformats.org/presentationml/2006/main">
+  <p:cSld>
+    <p:spTree>
+      <p:nvGrpSpPr>
+        <p:cNvPr id="1" name=""/>
+        <p:cNvGrpSpPr/>
+        <p:nvPr/>
+      </p:nvGrpSpPr>
+      <p:grpSpPr>
+        <a:xfrm>
+          <a:off x="0" y="0"/>
+          <a:ext cx="0" cy="0"/>
+          <a:chOff x="0" y="0"/>
+          <a:chExt cx="0" cy="0"/>
+        </a:xfrm>
+      </p:grpSpPr>
+      <p:sp>
+        <p:nvSpPr>
+          <p:cNvPr id="2" name="Slide Image Placeholder 1"/>
+          <p:cNvSpPr>
+            <a:spLocks noGrp="1" noRot="1" noChangeAspect="1"/>
+          </p:cNvSpPr>
+          <p:nvPr>
+            <p:ph type="sldImg"/>
+          </p:nvPr>
+        </p:nvSpPr>
+        <p:spPr/>
+      </p:sp>
+      <p:sp>
+        <p:nvSpPr>
+          <p:cNvPr id="3" name="Notes Placeholder 2"/>
+          <p:cNvSpPr>
+            <a:spLocks noGrp="1"/>
+          </p:cNvSpPr>
+          <p:nvPr>
+            <p:ph type="body" idx="1"/>
+          </p:nvPr>
+        </p:nvSpPr>
+        <p:spPr/>
+        <p:txBody>
+          <a:bodyPr/>
+          <a:lstStyle/>
+          <a:p>
+            <a:r>
+              <a:rPr lang="en-US" dirty="0" smtClean="0"/>
+              <a:t>Next: Correction du </a:t>
+            </a:r>
+            <a:r>
+              <a:rPr lang="en-US" dirty="0" err="1" smtClean="0"/>
+              <a:t>biais</a:t>
+            </a:r>
+            <a:r>
+              <a:rPr lang="en-US" dirty="0" smtClean="0"/>
+              <a:t> de </a:t>
+            </a:r>
+            <a:r>
+              <a:rPr lang="en-US" dirty="0" err="1" smtClean="0"/>
+              <a:t>sélection</a:t>
+            </a:r>
+            <a:endParaRPr lang="en-US" dirty="0"/>
+          </a:p>
+        </p:txBody>
+      </p:sp>
+      <p:sp>
+        <p:nvSpPr>
+          <p:cNvPr id="4" name="Slide Number Placeholder 3"/>
+          <p:cNvSpPr>
+            <a:spLocks noGrp="1"/>
+          </p:cNvSpPr>
+          <p:nvPr>
+            <p:ph type="sldNum" sz="quarter" idx="10"/>
+          </p:nvPr>
+        </p:nvSpPr>
+        <p:spPr/>
+        <p:txBody>
+          <a:bodyPr/>
+          <a:lstStyle/>
+          <a:p>
+            <a:fld id="{6F9933D3-4D81-4BB4-AA18-612B08FC0C74}" type="slidenum">
+              <a:rPr lang="en-US" smtClean="0"/>
+              <a:t>37</a:t>
+            </a:fld>
+            <a:endParaRPr lang="en-US"/>
+          </a:p>
+        </p:txBody>
+      </p:sp>
+    </p:spTree>
+    <p:extLst>
+      <p:ext uri="{BB962C8B-B14F-4D97-AF65-F5344CB8AC3E}">
+        <p14:creationId xmlns:p14="http://schemas.microsoft.com/office/powerpoint/2010/main" val="2404124943"/>
+      </p:ext>
+    </p:extLst>
+  </p:cSld>
+  <p:clrMapOvr>
+    <a:masterClrMapping/>
+  </p:clrMapOvr>
+</p:notes>
+</file>
+
+<file path=ppt/notesSlides/notesSlide38.xml><?xml version="1.0" encoding="utf-8"?>
+<p:notes xmlns:a="http://schemas.openxmlformats.org/drawingml/2006/main" xmlns:r="http://schemas.openxmlformats.org/officeDocument/2006/relationships" xmlns:p="http://schemas.openxmlformats.org/presentationml/2006/main">
+  <p:cSld>
+    <p:spTree>
+      <p:nvGrpSpPr>
+        <p:cNvPr id="1" name=""/>
+        <p:cNvGrpSpPr/>
+        <p:nvPr/>
+      </p:nvGrpSpPr>
+      <p:grpSpPr>
+        <a:xfrm>
+          <a:off x="0" y="0"/>
+          <a:ext cx="0" cy="0"/>
+          <a:chOff x="0" y="0"/>
+          <a:chExt cx="0" cy="0"/>
+        </a:xfrm>
+      </p:grpSpPr>
+      <p:sp>
+        <p:nvSpPr>
+          <p:cNvPr id="2" name="Slide Image Placeholder 1"/>
+          <p:cNvSpPr>
+            <a:spLocks noGrp="1" noRot="1" noChangeAspect="1"/>
+          </p:cNvSpPr>
+          <p:nvPr>
+            <p:ph type="sldImg"/>
+          </p:nvPr>
+        </p:nvSpPr>
+        <p:spPr/>
+      </p:sp>
+      <p:sp>
+        <p:nvSpPr>
+          <p:cNvPr id="3" name="Notes Placeholder 2"/>
+          <p:cNvSpPr>
+            <a:spLocks noGrp="1"/>
+          </p:cNvSpPr>
+          <p:nvPr>
+            <p:ph type="body" idx="1"/>
+          </p:nvPr>
+        </p:nvSpPr>
+        <p:spPr/>
+        <p:txBody>
+          <a:bodyPr/>
+          <a:lstStyle/>
+          <a:p>
+            <a:r>
+              <a:rPr lang="en-US" dirty="0" smtClean="0"/>
+              <a:t>Next: Validation de la </a:t>
+            </a:r>
+            <a:r>
+              <a:rPr lang="en-US" dirty="0" err="1" smtClean="0"/>
+              <a:t>méthode</a:t>
+            </a:r>
+            <a:endParaRPr lang="en-US" dirty="0"/>
+          </a:p>
+        </p:txBody>
+      </p:sp>
+      <p:sp>
+        <p:nvSpPr>
+          <p:cNvPr id="4" name="Slide Number Placeholder 3"/>
+          <p:cNvSpPr>
+            <a:spLocks noGrp="1"/>
+          </p:cNvSpPr>
+          <p:nvPr>
+            <p:ph type="sldNum" sz="quarter" idx="10"/>
+          </p:nvPr>
+        </p:nvSpPr>
+        <p:spPr/>
+        <p:txBody>
+          <a:bodyPr/>
+          <a:lstStyle/>
+          <a:p>
+            <a:fld id="{6F9933D3-4D81-4BB4-AA18-612B08FC0C74}" type="slidenum">
+              <a:rPr lang="en-US" smtClean="0"/>
+              <a:t>38</a:t>
+            </a:fld>
+            <a:endParaRPr lang="en-US"/>
+          </a:p>
+        </p:txBody>
+      </p:sp>
+    </p:spTree>
+    <p:extLst>
+      <p:ext uri="{BB962C8B-B14F-4D97-AF65-F5344CB8AC3E}">
+        <p14:creationId xmlns:p14="http://schemas.microsoft.com/office/powerpoint/2010/main" val="3544244006"/>
+      </p:ext>
+    </p:extLst>
+  </p:cSld>
+  <p:clrMapOvr>
+    <a:masterClrMapping/>
+  </p:clrMapOvr>
+</p:notes>
+</file>
+
+<file path=ppt/notesSlides/notesSlide39.xml><?xml version="1.0" encoding="utf-8"?>
+<p:notes xmlns:a="http://schemas.openxmlformats.org/drawingml/2006/main" xmlns:r="http://schemas.openxmlformats.org/officeDocument/2006/relationships" xmlns:p="http://schemas.openxmlformats.org/presentationml/2006/main">
+  <p:cSld>
+    <p:spTree>
+      <p:nvGrpSpPr>
+        <p:cNvPr id="1" name=""/>
+        <p:cNvGrpSpPr/>
+        <p:nvPr/>
+      </p:nvGrpSpPr>
+      <p:grpSpPr>
+        <a:xfrm>
+          <a:off x="0" y="0"/>
+          <a:ext cx="0" cy="0"/>
+          <a:chOff x="0" y="0"/>
+          <a:chExt cx="0" cy="0"/>
+        </a:xfrm>
+      </p:grpSpPr>
+      <p:sp>
+        <p:nvSpPr>
+          <p:cNvPr id="2" name="Slide Image Placeholder 1"/>
+          <p:cNvSpPr>
+            <a:spLocks noGrp="1" noRot="1" noChangeAspect="1"/>
+          </p:cNvSpPr>
+          <p:nvPr>
+            <p:ph type="sldImg"/>
+          </p:nvPr>
+        </p:nvSpPr>
+        <p:spPr/>
+      </p:sp>
+      <p:sp>
+        <p:nvSpPr>
+          <p:cNvPr id="3" name="Notes Placeholder 2"/>
+          <p:cNvSpPr>
+            <a:spLocks noGrp="1"/>
+          </p:cNvSpPr>
+          <p:nvPr>
+            <p:ph type="body" idx="1"/>
+          </p:nvPr>
+        </p:nvSpPr>
+        <p:spPr/>
+        <p:txBody>
+          <a:bodyPr/>
+          <a:lstStyle/>
+          <a:p>
+            <a:r>
+              <a:rPr lang="en-US" dirty="0" smtClean="0"/>
+              <a:t>Next: </a:t>
+            </a:r>
+            <a:r>
+              <a:rPr lang="en-US" dirty="0" err="1" smtClean="0"/>
+              <a:t>Mesure</a:t>
+            </a:r>
+            <a:r>
+              <a:rPr lang="en-US" baseline="0" dirty="0" smtClean="0"/>
+              <a:t> </a:t>
+            </a:r>
+            <a:r>
+              <a:rPr lang="en-US" baseline="0" dirty="0" err="1" smtClean="0"/>
+              <a:t>réelle</a:t>
+            </a:r>
+            <a:r>
+              <a:rPr lang="en-US" baseline="0" dirty="0" smtClean="0"/>
+              <a:t> </a:t>
+            </a:r>
+            <a:r>
+              <a:rPr lang="en-US" baseline="0" dirty="0" err="1" smtClean="0"/>
+              <a:t>sur</a:t>
+            </a:r>
+            <a:r>
+              <a:rPr lang="en-US" baseline="0" dirty="0" smtClean="0"/>
+              <a:t> </a:t>
+            </a:r>
+            <a:r>
+              <a:rPr lang="en-US" baseline="0" dirty="0" err="1" smtClean="0"/>
+              <a:t>Planetlab</a:t>
+            </a:r>
+            <a:r>
+              <a:rPr lang="en-US" baseline="0" dirty="0" smtClean="0"/>
+              <a:t> (1) Setup</a:t>
+            </a:r>
+            <a:endParaRPr lang="en-US" dirty="0"/>
+          </a:p>
+        </p:txBody>
+      </p:sp>
+      <p:sp>
+        <p:nvSpPr>
+          <p:cNvPr id="4" name="Slide Number Placeholder 3"/>
+          <p:cNvSpPr>
+            <a:spLocks noGrp="1"/>
+          </p:cNvSpPr>
+          <p:nvPr>
+            <p:ph type="sldNum" sz="quarter" idx="10"/>
+          </p:nvPr>
+        </p:nvSpPr>
+        <p:spPr/>
+        <p:txBody>
+          <a:bodyPr/>
+          <a:lstStyle/>
+          <a:p>
+            <a:fld id="{6F9933D3-4D81-4BB4-AA18-612B08FC0C74}" type="slidenum">
+              <a:rPr lang="en-US" smtClean="0"/>
+              <a:t>39</a:t>
+            </a:fld>
+            <a:endParaRPr lang="en-US"/>
+          </a:p>
+        </p:txBody>
+      </p:sp>
+    </p:spTree>
+    <p:extLst>
+      <p:ext uri="{BB962C8B-B14F-4D97-AF65-F5344CB8AC3E}">
+        <p14:creationId xmlns:p14="http://schemas.microsoft.com/office/powerpoint/2010/main" val="3387089921"/>
+      </p:ext>
+    </p:extLst>
+  </p:cSld>
+  <p:clrMapOvr>
+    <a:masterClrMapping/>
+  </p:clrMapOvr>
+</p:notes>
+</file>
+
+<file path=ppt/notesSlides/notesSlide4.xml><?xml version="1.0" encoding="utf-8"?>
+<p:notes xmlns:a="http://schemas.openxmlformats.org/drawingml/2006/main" xmlns:r="http://schemas.openxmlformats.org/officeDocument/2006/relationships" xmlns:p="http://schemas.openxmlformats.org/presentationml/2006/main">
+  <p:cSld>
+    <p:spTree>
+      <p:nvGrpSpPr>
+        <p:cNvPr id="1" name=""/>
+        <p:cNvGrpSpPr/>
+        <p:nvPr/>
+      </p:nvGrpSpPr>
+      <p:grpSpPr>
+        <a:xfrm>
+          <a:off x="0" y="0"/>
+          <a:ext cx="0" cy="0"/>
+          <a:chOff x="0" y="0"/>
+          <a:chExt cx="0" cy="0"/>
+        </a:xfrm>
+      </p:grpSpPr>
+      <p:sp>
+        <p:nvSpPr>
+          <p:cNvPr id="2" name="Slide Image Placeholder 1"/>
+          <p:cNvSpPr>
+            <a:spLocks noGrp="1" noRot="1" noChangeAspect="1"/>
+          </p:cNvSpPr>
+          <p:nvPr>
+            <p:ph type="sldImg"/>
+          </p:nvPr>
+        </p:nvSpPr>
+        <p:spPr/>
+      </p:sp>
+      <p:sp>
+        <p:nvSpPr>
+          <p:cNvPr id="3" name="Notes Placeholder 2"/>
+          <p:cNvSpPr>
+            <a:spLocks noGrp="1"/>
+          </p:cNvSpPr>
+          <p:nvPr>
+            <p:ph type="body" idx="1"/>
+          </p:nvPr>
+        </p:nvSpPr>
+        <p:spPr/>
+        <p:txBody>
+          <a:bodyPr/>
+          <a:lstStyle/>
+          <a:p>
+            <a:r>
+              <a:rPr lang="en-US" dirty="0" smtClean="0"/>
+              <a:t>Next: Internet, </a:t>
+            </a:r>
+            <a:r>
+              <a:rPr lang="en-US" dirty="0" err="1" smtClean="0"/>
+              <a:t>une</a:t>
+            </a:r>
+            <a:r>
+              <a:rPr lang="en-US" dirty="0" smtClean="0"/>
+              <a:t> </a:t>
+            </a:r>
+            <a:r>
+              <a:rPr lang="en-US" dirty="0" err="1" smtClean="0"/>
+              <a:t>boîte</a:t>
+            </a:r>
+            <a:r>
+              <a:rPr lang="en-US" dirty="0" smtClean="0"/>
+              <a:t> noire ?</a:t>
+            </a:r>
+            <a:endParaRPr lang="en-US" dirty="0"/>
+          </a:p>
+        </p:txBody>
+      </p:sp>
+      <p:sp>
+        <p:nvSpPr>
+          <p:cNvPr id="4" name="Slide Number Placeholder 3"/>
+          <p:cNvSpPr>
+            <a:spLocks noGrp="1"/>
+          </p:cNvSpPr>
+          <p:nvPr>
+            <p:ph type="sldNum" sz="quarter" idx="10"/>
+          </p:nvPr>
+        </p:nvSpPr>
+        <p:spPr/>
+        <p:txBody>
+          <a:bodyPr/>
+          <a:lstStyle/>
+          <a:p>
+            <a:fld id="{6F9933D3-4D81-4BB4-AA18-612B08FC0C74}" type="slidenum">
+              <a:rPr lang="en-US" smtClean="0"/>
+              <a:t>4</a:t>
+            </a:fld>
+            <a:endParaRPr lang="en-US"/>
+          </a:p>
+        </p:txBody>
+      </p:sp>
+    </p:spTree>
+    <p:extLst>
+      <p:ext uri="{BB962C8B-B14F-4D97-AF65-F5344CB8AC3E}">
+        <p14:creationId xmlns:p14="http://schemas.microsoft.com/office/powerpoint/2010/main" val="2752078759"/>
+      </p:ext>
+    </p:extLst>
+  </p:cSld>
+  <p:clrMapOvr>
+    <a:masterClrMapping/>
+  </p:clrMapOvr>
+</p:notes>
+</file>
+
+<file path=ppt/notesSlides/notesSlide40.xml><?xml version="1.0" encoding="utf-8"?>
+<p:notes xmlns:a="http://schemas.openxmlformats.org/drawingml/2006/main" xmlns:r="http://schemas.openxmlformats.org/officeDocument/2006/relationships" xmlns:p="http://schemas.openxmlformats.org/presentationml/2006/main">
+  <p:cSld>
+    <p:spTree>
+      <p:nvGrpSpPr>
+        <p:cNvPr id="1" name=""/>
+        <p:cNvGrpSpPr/>
+        <p:nvPr/>
+      </p:nvGrpSpPr>
+      <p:grpSpPr>
+        <a:xfrm>
+          <a:off x="0" y="0"/>
+          <a:ext cx="0" cy="0"/>
+          <a:chOff x="0" y="0"/>
+          <a:chExt cx="0" cy="0"/>
+        </a:xfrm>
+      </p:grpSpPr>
+      <p:sp>
+        <p:nvSpPr>
+          <p:cNvPr id="2" name="Slide Image Placeholder 1"/>
+          <p:cNvSpPr>
+            <a:spLocks noGrp="1" noRot="1" noChangeAspect="1"/>
+          </p:cNvSpPr>
+          <p:nvPr>
+            <p:ph type="sldImg"/>
+          </p:nvPr>
+        </p:nvSpPr>
+        <p:spPr/>
+      </p:sp>
+      <p:sp>
+        <p:nvSpPr>
+          <p:cNvPr id="3" name="Notes Placeholder 2"/>
+          <p:cNvSpPr>
+            <a:spLocks noGrp="1"/>
+          </p:cNvSpPr>
+          <p:nvPr>
+            <p:ph type="body" idx="1"/>
+          </p:nvPr>
+        </p:nvSpPr>
+        <p:spPr/>
+        <p:txBody>
+          <a:bodyPr/>
+          <a:lstStyle/>
+          <a:p>
+            <a:r>
+              <a:rPr lang="en-US" dirty="0" smtClean="0"/>
+              <a:t>Next: </a:t>
+            </a:r>
+            <a:r>
+              <a:rPr lang="en-US" dirty="0" err="1" smtClean="0"/>
+              <a:t>Mesure</a:t>
+            </a:r>
+            <a:r>
+              <a:rPr lang="en-US" dirty="0" smtClean="0"/>
+              <a:t> </a:t>
+            </a:r>
+            <a:r>
+              <a:rPr lang="en-US" dirty="0" err="1" smtClean="0"/>
+              <a:t>réelle</a:t>
+            </a:r>
+            <a:r>
+              <a:rPr lang="en-US" dirty="0" smtClean="0"/>
+              <a:t> </a:t>
+            </a:r>
+            <a:r>
+              <a:rPr lang="en-US" dirty="0" err="1" smtClean="0"/>
+              <a:t>sur</a:t>
+            </a:r>
+            <a:r>
+              <a:rPr lang="en-US" dirty="0" smtClean="0"/>
+              <a:t> </a:t>
+            </a:r>
+            <a:r>
+              <a:rPr lang="en-US" dirty="0" err="1" smtClean="0"/>
+              <a:t>Planetlab</a:t>
+            </a:r>
+            <a:r>
+              <a:rPr lang="en-US" dirty="0" smtClean="0"/>
+              <a:t> (2) </a:t>
+            </a:r>
+            <a:r>
+              <a:rPr lang="en-US" dirty="0" err="1" smtClean="0"/>
+              <a:t>Résultats</a:t>
+            </a:r>
+            <a:endParaRPr lang="en-US" dirty="0"/>
+          </a:p>
+        </p:txBody>
+      </p:sp>
+      <p:sp>
+        <p:nvSpPr>
+          <p:cNvPr id="4" name="Slide Number Placeholder 3"/>
+          <p:cNvSpPr>
+            <a:spLocks noGrp="1"/>
+          </p:cNvSpPr>
+          <p:nvPr>
+            <p:ph type="sldNum" sz="quarter" idx="10"/>
+          </p:nvPr>
+        </p:nvSpPr>
+        <p:spPr/>
+        <p:txBody>
+          <a:bodyPr/>
+          <a:lstStyle/>
+          <a:p>
+            <a:fld id="{6F9933D3-4D81-4BB4-AA18-612B08FC0C74}" type="slidenum">
+              <a:rPr lang="en-US" smtClean="0"/>
+              <a:t>40</a:t>
+            </a:fld>
+            <a:endParaRPr lang="en-US"/>
+          </a:p>
+        </p:txBody>
+      </p:sp>
+    </p:spTree>
+    <p:extLst>
+      <p:ext uri="{BB962C8B-B14F-4D97-AF65-F5344CB8AC3E}">
+        <p14:creationId xmlns:p14="http://schemas.microsoft.com/office/powerpoint/2010/main" val="3184573655"/>
+      </p:ext>
+    </p:extLst>
+  </p:cSld>
+  <p:clrMapOvr>
+    <a:masterClrMapping/>
+  </p:clrMapOvr>
+</p:notes>
+</file>
+
+<file path=ppt/notesSlides/notesSlide41.xml><?xml version="1.0" encoding="utf-8"?>
+<p:notes xmlns:a="http://schemas.openxmlformats.org/drawingml/2006/main" xmlns:r="http://schemas.openxmlformats.org/officeDocument/2006/relationships" xmlns:p="http://schemas.openxmlformats.org/presentationml/2006/main">
+  <p:cSld>
+    <p:spTree>
+      <p:nvGrpSpPr>
+        <p:cNvPr id="1" name=""/>
+        <p:cNvGrpSpPr/>
+        <p:nvPr/>
+      </p:nvGrpSpPr>
+      <p:grpSpPr>
+        <a:xfrm>
+          <a:off x="0" y="0"/>
+          <a:ext cx="0" cy="0"/>
+          <a:chOff x="0" y="0"/>
+          <a:chExt cx="0" cy="0"/>
+        </a:xfrm>
+      </p:grpSpPr>
+      <p:sp>
+        <p:nvSpPr>
+          <p:cNvPr id="2" name="Slide Image Placeholder 1"/>
+          <p:cNvSpPr>
+            <a:spLocks noGrp="1" noRot="1" noChangeAspect="1"/>
+          </p:cNvSpPr>
+          <p:nvPr>
+            <p:ph type="sldImg"/>
+          </p:nvPr>
+        </p:nvSpPr>
+        <p:spPr/>
+      </p:sp>
+      <p:sp>
+        <p:nvSpPr>
+          <p:cNvPr id="3" name="Notes Placeholder 2"/>
+          <p:cNvSpPr>
+            <a:spLocks noGrp="1"/>
+          </p:cNvSpPr>
+          <p:nvPr>
+            <p:ph type="body" idx="1"/>
+          </p:nvPr>
+        </p:nvSpPr>
+        <p:spPr/>
+        <p:txBody>
+          <a:bodyPr/>
+          <a:lstStyle/>
+          <a:p>
+            <a:r>
+              <a:rPr lang="en-US" dirty="0" smtClean="0"/>
+              <a:t>Next: Validation des </a:t>
+            </a:r>
+            <a:r>
+              <a:rPr lang="en-US" dirty="0" err="1" smtClean="0"/>
+              <a:t>résultats</a:t>
+            </a:r>
+            <a:endParaRPr lang="en-US" dirty="0"/>
+          </a:p>
+        </p:txBody>
+      </p:sp>
+      <p:sp>
+        <p:nvSpPr>
+          <p:cNvPr id="4" name="Slide Number Placeholder 3"/>
+          <p:cNvSpPr>
+            <a:spLocks noGrp="1"/>
+          </p:cNvSpPr>
+          <p:nvPr>
+            <p:ph type="sldNum" sz="quarter" idx="10"/>
+          </p:nvPr>
+        </p:nvSpPr>
+        <p:spPr/>
+        <p:txBody>
+          <a:bodyPr/>
+          <a:lstStyle/>
+          <a:p>
+            <a:fld id="{6F9933D3-4D81-4BB4-AA18-612B08FC0C74}" type="slidenum">
+              <a:rPr lang="en-US" smtClean="0"/>
+              <a:t>41</a:t>
+            </a:fld>
+            <a:endParaRPr lang="en-US"/>
+          </a:p>
+        </p:txBody>
+      </p:sp>
+    </p:spTree>
+    <p:extLst>
+      <p:ext uri="{BB962C8B-B14F-4D97-AF65-F5344CB8AC3E}">
+        <p14:creationId xmlns:p14="http://schemas.microsoft.com/office/powerpoint/2010/main" val="3556325885"/>
+      </p:ext>
+    </p:extLst>
+  </p:cSld>
+  <p:clrMapOvr>
+    <a:masterClrMapping/>
+  </p:clrMapOvr>
+</p:notes>
+</file>
+
+<file path=ppt/notesSlides/notesSlide42.xml><?xml version="1.0" encoding="utf-8"?>
+<p:notes xmlns:a="http://schemas.openxmlformats.org/drawingml/2006/main" xmlns:r="http://schemas.openxmlformats.org/officeDocument/2006/relationships" xmlns:p="http://schemas.openxmlformats.org/presentationml/2006/main">
+  <p:cSld>
+    <p:spTree>
+      <p:nvGrpSpPr>
+        <p:cNvPr id="1" name=""/>
+        <p:cNvGrpSpPr/>
+        <p:nvPr/>
+      </p:nvGrpSpPr>
+      <p:grpSpPr>
+        <a:xfrm>
+          <a:off x="0" y="0"/>
+          <a:ext cx="0" cy="0"/>
+          <a:chOff x="0" y="0"/>
+          <a:chExt cx="0" cy="0"/>
+        </a:xfrm>
+      </p:grpSpPr>
+      <p:sp>
+        <p:nvSpPr>
+          <p:cNvPr id="2" name="Slide Image Placeholder 1"/>
+          <p:cNvSpPr>
+            <a:spLocks noGrp="1" noRot="1" noChangeAspect="1"/>
+          </p:cNvSpPr>
+          <p:nvPr>
+            <p:ph type="sldImg"/>
+          </p:nvPr>
+        </p:nvSpPr>
+        <p:spPr/>
+      </p:sp>
+      <p:sp>
+        <p:nvSpPr>
+          <p:cNvPr id="3" name="Notes Placeholder 2"/>
+          <p:cNvSpPr>
+            <a:spLocks noGrp="1"/>
+          </p:cNvSpPr>
+          <p:nvPr>
+            <p:ph type="body" idx="1"/>
+          </p:nvPr>
+        </p:nvSpPr>
+        <p:spPr/>
+        <p:txBody>
+          <a:bodyPr/>
+          <a:lstStyle/>
+          <a:p>
+            <a:r>
+              <a:rPr lang="en-US" dirty="0" smtClean="0"/>
+              <a:t>Next: </a:t>
+            </a:r>
+            <a:r>
+              <a:rPr lang="en-US" dirty="0" err="1" smtClean="0"/>
+              <a:t>Limites</a:t>
+            </a:r>
+            <a:r>
+              <a:rPr lang="en-US" dirty="0" smtClean="0"/>
+              <a:t> de </a:t>
+            </a:r>
+            <a:r>
+              <a:rPr lang="en-US" dirty="0" err="1" smtClean="0"/>
+              <a:t>l’approche</a:t>
+            </a:r>
+            <a:endParaRPr lang="en-US" dirty="0"/>
+          </a:p>
+        </p:txBody>
+      </p:sp>
+      <p:sp>
+        <p:nvSpPr>
+          <p:cNvPr id="4" name="Slide Number Placeholder 3"/>
+          <p:cNvSpPr>
+            <a:spLocks noGrp="1"/>
+          </p:cNvSpPr>
+          <p:nvPr>
+            <p:ph type="sldNum" sz="quarter" idx="10"/>
+          </p:nvPr>
+        </p:nvSpPr>
+        <p:spPr/>
+        <p:txBody>
+          <a:bodyPr/>
+          <a:lstStyle/>
+          <a:p>
+            <a:fld id="{6F9933D3-4D81-4BB4-AA18-612B08FC0C74}" type="slidenum">
+              <a:rPr lang="en-US" smtClean="0"/>
+              <a:t>42</a:t>
+            </a:fld>
+            <a:endParaRPr lang="en-US"/>
+          </a:p>
+        </p:txBody>
+      </p:sp>
+    </p:spTree>
+    <p:extLst>
+      <p:ext uri="{BB962C8B-B14F-4D97-AF65-F5344CB8AC3E}">
+        <p14:creationId xmlns:p14="http://schemas.microsoft.com/office/powerpoint/2010/main" val="2278164067"/>
+      </p:ext>
+    </p:extLst>
+  </p:cSld>
+  <p:clrMapOvr>
+    <a:masterClrMapping/>
+  </p:clrMapOvr>
+</p:notes>
+</file>
+
+<file path=ppt/notesSlides/notesSlide43.xml><?xml version="1.0" encoding="utf-8"?>
+<p:notes xmlns:a="http://schemas.openxmlformats.org/drawingml/2006/main" xmlns:r="http://schemas.openxmlformats.org/officeDocument/2006/relationships" xmlns:p="http://schemas.openxmlformats.org/presentationml/2006/main">
+  <p:cSld>
+    <p:spTree>
+      <p:nvGrpSpPr>
+        <p:cNvPr id="1" name=""/>
+        <p:cNvGrpSpPr/>
+        <p:nvPr/>
+      </p:nvGrpSpPr>
+      <p:grpSpPr>
+        <a:xfrm>
+          <a:off x="0" y="0"/>
+          <a:ext cx="0" cy="0"/>
+          <a:chOff x="0" y="0"/>
+          <a:chExt cx="0" cy="0"/>
+        </a:xfrm>
+      </p:grpSpPr>
+      <p:sp>
+        <p:nvSpPr>
+          <p:cNvPr id="2" name="Slide Image Placeholder 1"/>
+          <p:cNvSpPr>
+            <a:spLocks noGrp="1" noRot="1" noChangeAspect="1"/>
+          </p:cNvSpPr>
+          <p:nvPr>
+            <p:ph type="sldImg"/>
+          </p:nvPr>
+        </p:nvSpPr>
+        <p:spPr/>
+      </p:sp>
+      <p:sp>
+        <p:nvSpPr>
+          <p:cNvPr id="3" name="Notes Placeholder 2"/>
+          <p:cNvSpPr>
+            <a:spLocks noGrp="1"/>
+          </p:cNvSpPr>
+          <p:nvPr>
+            <p:ph type="body" idx="1"/>
+          </p:nvPr>
+        </p:nvSpPr>
+        <p:spPr/>
+        <p:txBody>
+          <a:bodyPr/>
+          <a:lstStyle/>
+          <a:p>
+            <a:r>
+              <a:rPr lang="en-US" dirty="0" smtClean="0"/>
+              <a:t>Next: Tables de transmission</a:t>
+            </a:r>
+            <a:endParaRPr lang="en-US" dirty="0"/>
+          </a:p>
+        </p:txBody>
+      </p:sp>
+      <p:sp>
+        <p:nvSpPr>
+          <p:cNvPr id="4" name="Slide Number Placeholder 3"/>
+          <p:cNvSpPr>
+            <a:spLocks noGrp="1"/>
+          </p:cNvSpPr>
+          <p:nvPr>
+            <p:ph type="sldNum" sz="quarter" idx="10"/>
+          </p:nvPr>
+        </p:nvSpPr>
+        <p:spPr/>
+        <p:txBody>
+          <a:bodyPr/>
+          <a:lstStyle/>
+          <a:p>
+            <a:fld id="{6F9933D3-4D81-4BB4-AA18-612B08FC0C74}" type="slidenum">
+              <a:rPr lang="en-US" smtClean="0"/>
+              <a:t>43</a:t>
+            </a:fld>
+            <a:endParaRPr lang="en-US"/>
+          </a:p>
+        </p:txBody>
+      </p:sp>
+    </p:spTree>
+    <p:extLst>
+      <p:ext uri="{BB962C8B-B14F-4D97-AF65-F5344CB8AC3E}">
+        <p14:creationId xmlns:p14="http://schemas.microsoft.com/office/powerpoint/2010/main" val="1064791070"/>
+      </p:ext>
+    </p:extLst>
+  </p:cSld>
+  <p:clrMapOvr>
+    <a:masterClrMapping/>
+  </p:clrMapOvr>
+</p:notes>
+</file>
+
+<file path=ppt/notesSlides/notesSlide44.xml><?xml version="1.0" encoding="utf-8"?>
+<p:notes xmlns:a="http://schemas.openxmlformats.org/drawingml/2006/main" xmlns:r="http://schemas.openxmlformats.org/officeDocument/2006/relationships" xmlns:p="http://schemas.openxmlformats.org/presentationml/2006/main">
+  <p:cSld>
+    <p:spTree>
+      <p:nvGrpSpPr>
+        <p:cNvPr id="1" name=""/>
+        <p:cNvGrpSpPr/>
+        <p:nvPr/>
+      </p:nvGrpSpPr>
+      <p:grpSpPr>
+        <a:xfrm>
+          <a:off x="0" y="0"/>
+          <a:ext cx="0" cy="0"/>
+          <a:chOff x="0" y="0"/>
+          <a:chExt cx="0" cy="0"/>
+        </a:xfrm>
+      </p:grpSpPr>
+      <p:sp>
+        <p:nvSpPr>
+          <p:cNvPr id="2" name="Slide Image Placeholder 1"/>
+          <p:cNvSpPr>
+            <a:spLocks noGrp="1" noRot="1" noChangeAspect="1"/>
+          </p:cNvSpPr>
+          <p:nvPr>
+            <p:ph type="sldImg"/>
+          </p:nvPr>
+        </p:nvSpPr>
+        <p:spPr/>
+      </p:sp>
+      <p:sp>
+        <p:nvSpPr>
+          <p:cNvPr id="3" name="Notes Placeholder 2"/>
+          <p:cNvSpPr>
+            <a:spLocks noGrp="1"/>
+          </p:cNvSpPr>
+          <p:nvPr>
+            <p:ph type="body" idx="1"/>
+          </p:nvPr>
+        </p:nvSpPr>
+        <p:spPr/>
+        <p:txBody>
+          <a:bodyPr/>
+          <a:lstStyle/>
+          <a:p>
+            <a:r>
+              <a:rPr lang="en-US" dirty="0" smtClean="0"/>
+              <a:t>Next: </a:t>
+            </a:r>
+            <a:r>
+              <a:rPr lang="en-US" dirty="0" err="1" smtClean="0"/>
+              <a:t>Synthèse</a:t>
+            </a:r>
+            <a:endParaRPr lang="en-US" dirty="0"/>
+          </a:p>
+        </p:txBody>
+      </p:sp>
+      <p:sp>
+        <p:nvSpPr>
+          <p:cNvPr id="4" name="Slide Number Placeholder 3"/>
+          <p:cNvSpPr>
+            <a:spLocks noGrp="1"/>
+          </p:cNvSpPr>
+          <p:nvPr>
+            <p:ph type="sldNum" sz="quarter" idx="10"/>
+          </p:nvPr>
+        </p:nvSpPr>
+        <p:spPr/>
+        <p:txBody>
+          <a:bodyPr/>
+          <a:lstStyle/>
+          <a:p>
+            <a:fld id="{6F9933D3-4D81-4BB4-AA18-612B08FC0C74}" type="slidenum">
+              <a:rPr lang="en-US" smtClean="0"/>
+              <a:t>44</a:t>
+            </a:fld>
+            <a:endParaRPr lang="en-US"/>
+          </a:p>
+        </p:txBody>
+      </p:sp>
+    </p:spTree>
+    <p:extLst>
+      <p:ext uri="{BB962C8B-B14F-4D97-AF65-F5344CB8AC3E}">
+        <p14:creationId xmlns:p14="http://schemas.microsoft.com/office/powerpoint/2010/main" val="989838926"/>
+      </p:ext>
+    </p:extLst>
+  </p:cSld>
+  <p:clrMapOvr>
+    <a:masterClrMapping/>
+  </p:clrMapOvr>
+</p:notes>
+</file>
+
+<file path=ppt/notesSlides/notesSlide45.xml><?xml version="1.0" encoding="utf-8"?>
+<p:notes xmlns:a="http://schemas.openxmlformats.org/drawingml/2006/main" xmlns:r="http://schemas.openxmlformats.org/officeDocument/2006/relationships" xmlns:p="http://schemas.openxmlformats.org/presentationml/2006/main">
+  <p:cSld>
+    <p:spTree>
+      <p:nvGrpSpPr>
+        <p:cNvPr id="1" name=""/>
+        <p:cNvGrpSpPr/>
+        <p:nvPr/>
+      </p:nvGrpSpPr>
+      <p:grpSpPr>
+        <a:xfrm>
+          <a:off x="0" y="0"/>
+          <a:ext cx="0" cy="0"/>
+          <a:chOff x="0" y="0"/>
+          <a:chExt cx="0" cy="0"/>
+        </a:xfrm>
+      </p:grpSpPr>
+      <p:sp>
+        <p:nvSpPr>
+          <p:cNvPr id="2" name="Slide Image Placeholder 1"/>
+          <p:cNvSpPr>
+            <a:spLocks noGrp="1" noRot="1" noChangeAspect="1"/>
+          </p:cNvSpPr>
+          <p:nvPr>
+            <p:ph type="sldImg"/>
+          </p:nvPr>
+        </p:nvSpPr>
+        <p:spPr/>
+      </p:sp>
+      <p:sp>
+        <p:nvSpPr>
+          <p:cNvPr id="3" name="Notes Placeholder 2"/>
+          <p:cNvSpPr>
+            <a:spLocks noGrp="1"/>
+          </p:cNvSpPr>
+          <p:nvPr>
+            <p:ph type="body" idx="1"/>
+          </p:nvPr>
+        </p:nvSpPr>
+        <p:spPr/>
+        <p:txBody>
+          <a:bodyPr/>
+          <a:lstStyle/>
+          <a:p>
+            <a:r>
+              <a:rPr lang="en-US" dirty="0" smtClean="0"/>
+              <a:t>Next: Conclusions et perspectives</a:t>
+            </a:r>
+            <a:endParaRPr lang="en-US" dirty="0"/>
+          </a:p>
+        </p:txBody>
+      </p:sp>
+      <p:sp>
+        <p:nvSpPr>
+          <p:cNvPr id="4" name="Slide Number Placeholder 3"/>
+          <p:cNvSpPr>
+            <a:spLocks noGrp="1"/>
+          </p:cNvSpPr>
+          <p:nvPr>
+            <p:ph type="sldNum" sz="quarter" idx="10"/>
+          </p:nvPr>
+        </p:nvSpPr>
+        <p:spPr/>
+        <p:txBody>
+          <a:bodyPr/>
+          <a:lstStyle/>
+          <a:p>
+            <a:fld id="{6F9933D3-4D81-4BB4-AA18-612B08FC0C74}" type="slidenum">
+              <a:rPr lang="en-US" smtClean="0"/>
+              <a:t>45</a:t>
+            </a:fld>
+            <a:endParaRPr lang="en-US"/>
+          </a:p>
+        </p:txBody>
+      </p:sp>
+    </p:spTree>
+    <p:extLst>
+      <p:ext uri="{BB962C8B-B14F-4D97-AF65-F5344CB8AC3E}">
+        <p14:creationId xmlns:p14="http://schemas.microsoft.com/office/powerpoint/2010/main" val="2364807691"/>
+      </p:ext>
+    </p:extLst>
+  </p:cSld>
+  <p:clrMapOvr>
+    <a:masterClrMapping/>
+  </p:clrMapOvr>
+</p:notes>
+</file>
+
+<file path=ppt/notesSlides/notesSlide46.xml><?xml version="1.0" encoding="utf-8"?>
+<p:notes xmlns:a="http://schemas.openxmlformats.org/drawingml/2006/main" xmlns:r="http://schemas.openxmlformats.org/officeDocument/2006/relationships" xmlns:p="http://schemas.openxmlformats.org/presentationml/2006/main">
+  <p:cSld>
+    <p:spTree>
+      <p:nvGrpSpPr>
+        <p:cNvPr id="1" name=""/>
+        <p:cNvGrpSpPr/>
+        <p:nvPr/>
+      </p:nvGrpSpPr>
+      <p:grpSpPr>
+        <a:xfrm>
+          <a:off x="0" y="0"/>
+          <a:ext cx="0" cy="0"/>
+          <a:chOff x="0" y="0"/>
+          <a:chExt cx="0" cy="0"/>
+        </a:xfrm>
+      </p:grpSpPr>
+      <p:sp>
+        <p:nvSpPr>
+          <p:cNvPr id="2" name="Slide Image Placeholder 1"/>
+          <p:cNvSpPr>
+            <a:spLocks noGrp="1" noRot="1" noChangeAspect="1"/>
+          </p:cNvSpPr>
+          <p:nvPr>
+            <p:ph type="sldImg"/>
+          </p:nvPr>
+        </p:nvSpPr>
+        <p:spPr/>
+      </p:sp>
+      <p:sp>
+        <p:nvSpPr>
+          <p:cNvPr id="3" name="Notes Placeholder 2"/>
+          <p:cNvSpPr>
+            <a:spLocks noGrp="1"/>
+          </p:cNvSpPr>
+          <p:nvPr>
+            <p:ph type="body" idx="1"/>
+          </p:nvPr>
+        </p:nvSpPr>
+        <p:spPr/>
+        <p:txBody>
+          <a:bodyPr/>
+          <a:lstStyle/>
+          <a:p>
+            <a:r>
+              <a:rPr lang="en-US" dirty="0" smtClean="0"/>
+              <a:t>Next: Conclusions</a:t>
+            </a:r>
+            <a:endParaRPr lang="en-US" dirty="0"/>
+          </a:p>
+        </p:txBody>
+      </p:sp>
+      <p:sp>
+        <p:nvSpPr>
+          <p:cNvPr id="4" name="Slide Number Placeholder 3"/>
+          <p:cNvSpPr>
+            <a:spLocks noGrp="1"/>
+          </p:cNvSpPr>
+          <p:nvPr>
+            <p:ph type="sldNum" sz="quarter" idx="10"/>
+          </p:nvPr>
+        </p:nvSpPr>
+        <p:spPr/>
+        <p:txBody>
+          <a:bodyPr/>
+          <a:lstStyle/>
+          <a:p>
+            <a:fld id="{6F9933D3-4D81-4BB4-AA18-612B08FC0C74}" type="slidenum">
+              <a:rPr lang="en-US" smtClean="0"/>
+              <a:t>46</a:t>
+            </a:fld>
+            <a:endParaRPr lang="en-US"/>
+          </a:p>
+        </p:txBody>
+      </p:sp>
+    </p:spTree>
+    <p:extLst>
+      <p:ext uri="{BB962C8B-B14F-4D97-AF65-F5344CB8AC3E}">
+        <p14:creationId xmlns:p14="http://schemas.microsoft.com/office/powerpoint/2010/main" val="1793408055"/>
+      </p:ext>
+    </p:extLst>
+  </p:cSld>
+  <p:clrMapOvr>
+    <a:masterClrMapping/>
+  </p:clrMapOvr>
+</p:notes>
+</file>
+
+<file path=ppt/notesSlides/notesSlide47.xml><?xml version="1.0" encoding="utf-8"?>
+<p:notes xmlns:a="http://schemas.openxmlformats.org/drawingml/2006/main" xmlns:r="http://schemas.openxmlformats.org/officeDocument/2006/relationships" xmlns:p="http://schemas.openxmlformats.org/presentationml/2006/main">
+  <p:cSld>
+    <p:spTree>
+      <p:nvGrpSpPr>
+        <p:cNvPr id="1" name=""/>
+        <p:cNvGrpSpPr/>
+        <p:nvPr/>
+      </p:nvGrpSpPr>
+      <p:grpSpPr>
+        <a:xfrm>
+          <a:off x="0" y="0"/>
+          <a:ext cx="0" cy="0"/>
+          <a:chOff x="0" y="0"/>
+          <a:chExt cx="0" cy="0"/>
+        </a:xfrm>
+      </p:grpSpPr>
+      <p:sp>
+        <p:nvSpPr>
+          <p:cNvPr id="2" name="Slide Image Placeholder 1"/>
+          <p:cNvSpPr>
+            <a:spLocks noGrp="1" noRot="1" noChangeAspect="1"/>
+          </p:cNvSpPr>
+          <p:nvPr>
+            <p:ph type="sldImg"/>
+          </p:nvPr>
+        </p:nvSpPr>
+        <p:spPr/>
+      </p:sp>
+      <p:sp>
+        <p:nvSpPr>
+          <p:cNvPr id="3" name="Notes Placeholder 2"/>
+          <p:cNvSpPr>
+            <a:spLocks noGrp="1"/>
+          </p:cNvSpPr>
+          <p:nvPr>
+            <p:ph type="body" idx="1"/>
+          </p:nvPr>
+        </p:nvSpPr>
+        <p:spPr/>
+        <p:txBody>
+          <a:bodyPr/>
+          <a:lstStyle/>
+          <a:p>
+            <a:r>
+              <a:rPr lang="en-US" dirty="0" smtClean="0"/>
+              <a:t>Next: Perspectives</a:t>
+            </a:r>
+            <a:endParaRPr lang="en-US" dirty="0"/>
+          </a:p>
+        </p:txBody>
+      </p:sp>
+      <p:sp>
+        <p:nvSpPr>
+          <p:cNvPr id="4" name="Slide Number Placeholder 3"/>
+          <p:cNvSpPr>
+            <a:spLocks noGrp="1"/>
+          </p:cNvSpPr>
+          <p:nvPr>
+            <p:ph type="sldNum" sz="quarter" idx="10"/>
+          </p:nvPr>
+        </p:nvSpPr>
+        <p:spPr/>
+        <p:txBody>
+          <a:bodyPr/>
+          <a:lstStyle/>
+          <a:p>
+            <a:fld id="{6F9933D3-4D81-4BB4-AA18-612B08FC0C74}" type="slidenum">
+              <a:rPr lang="en-US" smtClean="0"/>
+              <a:t>47</a:t>
+            </a:fld>
+            <a:endParaRPr lang="en-US"/>
+          </a:p>
+        </p:txBody>
+      </p:sp>
+    </p:spTree>
+    <p:extLst>
+      <p:ext uri="{BB962C8B-B14F-4D97-AF65-F5344CB8AC3E}">
+        <p14:creationId xmlns:p14="http://schemas.microsoft.com/office/powerpoint/2010/main" val="2873443222"/>
+      </p:ext>
+    </p:extLst>
+  </p:cSld>
+  <p:clrMapOvr>
+    <a:masterClrMapping/>
+  </p:clrMapOvr>
+</p:notes>
+</file>
+
+<file path=ppt/notesSlides/notesSlide48.xml><?xml version="1.0" encoding="utf-8"?>
+<p:notes xmlns:a="http://schemas.openxmlformats.org/drawingml/2006/main" xmlns:r="http://schemas.openxmlformats.org/officeDocument/2006/relationships" xmlns:p="http://schemas.openxmlformats.org/presentationml/2006/main">
+  <p:cSld>
+    <p:spTree>
+      <p:nvGrpSpPr>
+        <p:cNvPr id="1" name=""/>
+        <p:cNvGrpSpPr/>
+        <p:nvPr/>
+      </p:nvGrpSpPr>
+      <p:grpSpPr>
+        <a:xfrm>
+          <a:off x="0" y="0"/>
+          <a:ext cx="0" cy="0"/>
+          <a:chOff x="0" y="0"/>
+          <a:chExt cx="0" cy="0"/>
+        </a:xfrm>
+      </p:grpSpPr>
+      <p:sp>
+        <p:nvSpPr>
+          <p:cNvPr id="2" name="Slide Image Placeholder 1"/>
+          <p:cNvSpPr>
+            <a:spLocks noGrp="1" noRot="1" noChangeAspect="1"/>
+          </p:cNvSpPr>
+          <p:nvPr>
+            <p:ph type="sldImg"/>
+          </p:nvPr>
+        </p:nvSpPr>
+        <p:spPr/>
+      </p:sp>
+      <p:sp>
+        <p:nvSpPr>
+          <p:cNvPr id="3" name="Notes Placeholder 2"/>
+          <p:cNvSpPr>
+            <a:spLocks noGrp="1"/>
+          </p:cNvSpPr>
+          <p:nvPr>
+            <p:ph type="body" idx="1"/>
+          </p:nvPr>
+        </p:nvSpPr>
+        <p:spPr/>
+        <p:txBody>
+          <a:bodyPr/>
+          <a:lstStyle/>
+          <a:p>
+            <a:r>
+              <a:rPr lang="en-US" dirty="0" smtClean="0"/>
+              <a:t>Next: </a:t>
+            </a:r>
+            <a:r>
+              <a:rPr lang="en-US" dirty="0" err="1" smtClean="0"/>
+              <a:t>Terminé</a:t>
+            </a:r>
+            <a:r>
+              <a:rPr lang="en-US" smtClean="0"/>
+              <a:t>.</a:t>
+            </a:r>
+            <a:endParaRPr lang="en-US"/>
+          </a:p>
+        </p:txBody>
+      </p:sp>
+      <p:sp>
+        <p:nvSpPr>
+          <p:cNvPr id="4" name="Slide Number Placeholder 3"/>
+          <p:cNvSpPr>
+            <a:spLocks noGrp="1"/>
+          </p:cNvSpPr>
+          <p:nvPr>
+            <p:ph type="sldNum" sz="quarter" idx="10"/>
+          </p:nvPr>
+        </p:nvSpPr>
+        <p:spPr/>
+        <p:txBody>
+          <a:bodyPr/>
+          <a:lstStyle/>
+          <a:p>
+            <a:fld id="{6F9933D3-4D81-4BB4-AA18-612B08FC0C74}" type="slidenum">
+              <a:rPr lang="en-US" smtClean="0"/>
+              <a:t>48</a:t>
+            </a:fld>
+            <a:endParaRPr lang="en-US"/>
+          </a:p>
+        </p:txBody>
+      </p:sp>
+    </p:spTree>
+    <p:extLst>
+      <p:ext uri="{BB962C8B-B14F-4D97-AF65-F5344CB8AC3E}">
+        <p14:creationId xmlns:p14="http://schemas.microsoft.com/office/powerpoint/2010/main" val="1699278449"/>
+      </p:ext>
+    </p:extLst>
+  </p:cSld>
+  <p:clrMapOvr>
+    <a:masterClrMapping/>
+  </p:clrMapOvr>
+</p:notes>
+</file>
+
+<file path=ppt/notesSlides/notesSlide49.xml><?xml version="1.0" encoding="utf-8"?>
+<p:notes xmlns:a="http://schemas.openxmlformats.org/drawingml/2006/main" xmlns:r="http://schemas.openxmlformats.org/officeDocument/2006/relationships" xmlns:p="http://schemas.openxmlformats.org/presentationml/2006/main">
+  <p:cSld>
+    <p:spTree>
+      <p:nvGrpSpPr>
+        <p:cNvPr id="1" name=""/>
+        <p:cNvGrpSpPr/>
+        <p:nvPr/>
+      </p:nvGrpSpPr>
+      <p:grpSpPr>
+        <a:xfrm>
+          <a:off x="0" y="0"/>
+          <a:ext cx="0" cy="0"/>
+          <a:chOff x="0" y="0"/>
+          <a:chExt cx="0" cy="0"/>
+        </a:xfrm>
+      </p:grpSpPr>
+      <p:sp>
+        <p:nvSpPr>
+          <p:cNvPr id="2" name="Slide Image Placeholder 1"/>
+          <p:cNvSpPr>
+            <a:spLocks noGrp="1" noRot="1" noChangeAspect="1"/>
+          </p:cNvSpPr>
+          <p:nvPr>
+            <p:ph type="sldImg"/>
+          </p:nvPr>
+        </p:nvSpPr>
+        <p:spPr/>
+      </p:sp>
+      <p:sp>
+        <p:nvSpPr>
+          <p:cNvPr id="3" name="Notes Placeholder 2"/>
+          <p:cNvSpPr>
+            <a:spLocks noGrp="1"/>
+          </p:cNvSpPr>
+          <p:nvPr>
+            <p:ph type="body" idx="1"/>
+          </p:nvPr>
+        </p:nvSpPr>
+        <p:spPr/>
+        <p:txBody>
+          <a:bodyPr/>
+          <a:lstStyle/>
+          <a:p>
             <a:endParaRPr lang="en-US"/>
           </a:p>
         </p:txBody>
@@ -671,6 +5245,522 @@
     <p:extLst>
       <p:ext uri="{BB962C8B-B14F-4D97-AF65-F5344CB8AC3E}">
         <p14:creationId xmlns:p14="http://schemas.microsoft.com/office/powerpoint/2010/main" val="4140034987"/>
+      </p:ext>
+    </p:extLst>
+  </p:cSld>
+  <p:clrMapOvr>
+    <a:masterClrMapping/>
+  </p:clrMapOvr>
+</p:notes>
+</file>
+
+<file path=ppt/notesSlides/notesSlide5.xml><?xml version="1.0" encoding="utf-8"?>
+<p:notes xmlns:a="http://schemas.openxmlformats.org/drawingml/2006/main" xmlns:r="http://schemas.openxmlformats.org/officeDocument/2006/relationships" xmlns:p="http://schemas.openxmlformats.org/presentationml/2006/main">
+  <p:cSld>
+    <p:spTree>
+      <p:nvGrpSpPr>
+        <p:cNvPr id="1" name=""/>
+        <p:cNvGrpSpPr/>
+        <p:nvPr/>
+      </p:nvGrpSpPr>
+      <p:grpSpPr>
+        <a:xfrm>
+          <a:off x="0" y="0"/>
+          <a:ext cx="0" cy="0"/>
+          <a:chOff x="0" y="0"/>
+          <a:chExt cx="0" cy="0"/>
+        </a:xfrm>
+      </p:grpSpPr>
+      <p:sp>
+        <p:nvSpPr>
+          <p:cNvPr id="2" name="Slide Image Placeholder 1"/>
+          <p:cNvSpPr>
+            <a:spLocks noGrp="1" noRot="1" noChangeAspect="1"/>
+          </p:cNvSpPr>
+          <p:nvPr>
+            <p:ph type="sldImg"/>
+          </p:nvPr>
+        </p:nvSpPr>
+        <p:spPr/>
+      </p:sp>
+      <p:sp>
+        <p:nvSpPr>
+          <p:cNvPr id="3" name="Notes Placeholder 2"/>
+          <p:cNvSpPr>
+            <a:spLocks noGrp="1"/>
+          </p:cNvSpPr>
+          <p:nvPr>
+            <p:ph type="body" idx="1"/>
+          </p:nvPr>
+        </p:nvSpPr>
+        <p:spPr/>
+        <p:txBody>
+          <a:bodyPr/>
+          <a:lstStyle/>
+          <a:p>
+            <a:r>
+              <a:rPr lang="en-US" dirty="0" smtClean="0"/>
+              <a:t>Next: Des </a:t>
+            </a:r>
+            <a:r>
+              <a:rPr lang="en-US" dirty="0" err="1" smtClean="0"/>
+              <a:t>enjeux</a:t>
+            </a:r>
+            <a:r>
+              <a:rPr lang="en-US" dirty="0" smtClean="0"/>
+              <a:t> </a:t>
+            </a:r>
+            <a:r>
+              <a:rPr lang="en-US" dirty="0" err="1" smtClean="0"/>
+              <a:t>majeurs</a:t>
+            </a:r>
+            <a:endParaRPr lang="en-US" dirty="0"/>
+          </a:p>
+        </p:txBody>
+      </p:sp>
+      <p:sp>
+        <p:nvSpPr>
+          <p:cNvPr id="4" name="Slide Number Placeholder 3"/>
+          <p:cNvSpPr>
+            <a:spLocks noGrp="1"/>
+          </p:cNvSpPr>
+          <p:nvPr>
+            <p:ph type="sldNum" sz="quarter" idx="10"/>
+          </p:nvPr>
+        </p:nvSpPr>
+        <p:spPr/>
+        <p:txBody>
+          <a:bodyPr/>
+          <a:lstStyle/>
+          <a:p>
+            <a:fld id="{6F9933D3-4D81-4BB4-AA18-612B08FC0C74}" type="slidenum">
+              <a:rPr lang="en-US" smtClean="0"/>
+              <a:t>5</a:t>
+            </a:fld>
+            <a:endParaRPr lang="en-US"/>
+          </a:p>
+        </p:txBody>
+      </p:sp>
+    </p:spTree>
+    <p:extLst>
+      <p:ext uri="{BB962C8B-B14F-4D97-AF65-F5344CB8AC3E}">
+        <p14:creationId xmlns:p14="http://schemas.microsoft.com/office/powerpoint/2010/main" val="145497811"/>
+      </p:ext>
+    </p:extLst>
+  </p:cSld>
+  <p:clrMapOvr>
+    <a:masterClrMapping/>
+  </p:clrMapOvr>
+</p:notes>
+</file>
+
+<file path=ppt/notesSlides/notesSlide6.xml><?xml version="1.0" encoding="utf-8"?>
+<p:notes xmlns:a="http://schemas.openxmlformats.org/drawingml/2006/main" xmlns:r="http://schemas.openxmlformats.org/officeDocument/2006/relationships" xmlns:p="http://schemas.openxmlformats.org/presentationml/2006/main">
+  <p:cSld>
+    <p:spTree>
+      <p:nvGrpSpPr>
+        <p:cNvPr id="1" name=""/>
+        <p:cNvGrpSpPr/>
+        <p:nvPr/>
+      </p:nvGrpSpPr>
+      <p:grpSpPr>
+        <a:xfrm>
+          <a:off x="0" y="0"/>
+          <a:ext cx="0" cy="0"/>
+          <a:chOff x="0" y="0"/>
+          <a:chExt cx="0" cy="0"/>
+        </a:xfrm>
+      </p:grpSpPr>
+      <p:sp>
+        <p:nvSpPr>
+          <p:cNvPr id="2" name="Slide Image Placeholder 1"/>
+          <p:cNvSpPr>
+            <a:spLocks noGrp="1" noRot="1" noChangeAspect="1"/>
+          </p:cNvSpPr>
+          <p:nvPr>
+            <p:ph type="sldImg"/>
+          </p:nvPr>
+        </p:nvSpPr>
+        <p:spPr/>
+      </p:sp>
+      <p:sp>
+        <p:nvSpPr>
+          <p:cNvPr id="3" name="Notes Placeholder 2"/>
+          <p:cNvSpPr>
+            <a:spLocks noGrp="1"/>
+          </p:cNvSpPr>
+          <p:nvPr>
+            <p:ph type="body" idx="1"/>
+          </p:nvPr>
+        </p:nvSpPr>
+        <p:spPr/>
+        <p:txBody>
+          <a:bodyPr/>
+          <a:lstStyle/>
+          <a:p>
+            <a:r>
+              <a:rPr lang="en-US" dirty="0" smtClean="0"/>
+              <a:t>Next: </a:t>
+            </a:r>
+            <a:r>
+              <a:rPr lang="en-US" dirty="0" err="1" smtClean="0"/>
+              <a:t>Approches</a:t>
+            </a:r>
+            <a:r>
+              <a:rPr lang="en-US" baseline="0" dirty="0" smtClean="0"/>
+              <a:t> </a:t>
+            </a:r>
+            <a:r>
+              <a:rPr lang="en-US" baseline="0" dirty="0" err="1" smtClean="0"/>
+              <a:t>historiques</a:t>
+            </a:r>
+            <a:endParaRPr lang="en-US" baseline="0" dirty="0" smtClean="0"/>
+          </a:p>
+        </p:txBody>
+      </p:sp>
+      <p:sp>
+        <p:nvSpPr>
+          <p:cNvPr id="4" name="Slide Number Placeholder 3"/>
+          <p:cNvSpPr>
+            <a:spLocks noGrp="1"/>
+          </p:cNvSpPr>
+          <p:nvPr>
+            <p:ph type="sldNum" sz="quarter" idx="10"/>
+          </p:nvPr>
+        </p:nvSpPr>
+        <p:spPr/>
+        <p:txBody>
+          <a:bodyPr/>
+          <a:lstStyle/>
+          <a:p>
+            <a:fld id="{6F9933D3-4D81-4BB4-AA18-612B08FC0C74}" type="slidenum">
+              <a:rPr lang="en-US" smtClean="0"/>
+              <a:t>6</a:t>
+            </a:fld>
+            <a:endParaRPr lang="en-US"/>
+          </a:p>
+        </p:txBody>
+      </p:sp>
+    </p:spTree>
+    <p:extLst>
+      <p:ext uri="{BB962C8B-B14F-4D97-AF65-F5344CB8AC3E}">
+        <p14:creationId xmlns:p14="http://schemas.microsoft.com/office/powerpoint/2010/main" val="1970466697"/>
+      </p:ext>
+    </p:extLst>
+  </p:cSld>
+  <p:clrMapOvr>
+    <a:masterClrMapping/>
+  </p:clrMapOvr>
+</p:notes>
+</file>
+
+<file path=ppt/notesSlides/notesSlide7.xml><?xml version="1.0" encoding="utf-8"?>
+<p:notes xmlns:a="http://schemas.openxmlformats.org/drawingml/2006/main" xmlns:r="http://schemas.openxmlformats.org/officeDocument/2006/relationships" xmlns:p="http://schemas.openxmlformats.org/presentationml/2006/main">
+  <p:cSld>
+    <p:spTree>
+      <p:nvGrpSpPr>
+        <p:cNvPr id="1" name=""/>
+        <p:cNvGrpSpPr/>
+        <p:nvPr/>
+      </p:nvGrpSpPr>
+      <p:grpSpPr>
+        <a:xfrm>
+          <a:off x="0" y="0"/>
+          <a:ext cx="0" cy="0"/>
+          <a:chOff x="0" y="0"/>
+          <a:chExt cx="0" cy="0"/>
+        </a:xfrm>
+      </p:grpSpPr>
+      <p:sp>
+        <p:nvSpPr>
+          <p:cNvPr id="2" name="Slide Image Placeholder 1"/>
+          <p:cNvSpPr>
+            <a:spLocks noGrp="1" noRot="1" noChangeAspect="1"/>
+          </p:cNvSpPr>
+          <p:nvPr>
+            <p:ph type="sldImg"/>
+          </p:nvPr>
+        </p:nvSpPr>
+        <p:spPr/>
+      </p:sp>
+      <p:sp>
+        <p:nvSpPr>
+          <p:cNvPr id="3" name="Notes Placeholder 2"/>
+          <p:cNvSpPr>
+            <a:spLocks noGrp="1"/>
+          </p:cNvSpPr>
+          <p:nvPr>
+            <p:ph type="body" idx="1"/>
+          </p:nvPr>
+        </p:nvSpPr>
+        <p:spPr/>
+        <p:txBody>
+          <a:bodyPr/>
+          <a:lstStyle/>
+          <a:p>
+            <a:r>
+              <a:rPr lang="en-US" dirty="0" smtClean="0"/>
+              <a:t>Next: </a:t>
+            </a:r>
+            <a:r>
+              <a:rPr lang="en-US" dirty="0" err="1" smtClean="0"/>
+              <a:t>limites</a:t>
+            </a:r>
+            <a:r>
+              <a:rPr lang="en-US" dirty="0" smtClean="0"/>
+              <a:t> des</a:t>
+            </a:r>
+            <a:r>
+              <a:rPr lang="en-US" baseline="0" dirty="0" smtClean="0"/>
+              <a:t> </a:t>
+            </a:r>
+            <a:r>
+              <a:rPr lang="en-US" baseline="0" dirty="0" err="1" smtClean="0"/>
+              <a:t>approches</a:t>
+            </a:r>
+            <a:r>
+              <a:rPr lang="en-US" baseline="0" dirty="0" smtClean="0"/>
+              <a:t> </a:t>
+            </a:r>
+            <a:r>
+              <a:rPr lang="en-US" baseline="0" dirty="0" err="1" smtClean="0"/>
+              <a:t>historiques</a:t>
+            </a:r>
+            <a:endParaRPr lang="en-US" dirty="0"/>
+          </a:p>
+        </p:txBody>
+      </p:sp>
+      <p:sp>
+        <p:nvSpPr>
+          <p:cNvPr id="4" name="Slide Number Placeholder 3"/>
+          <p:cNvSpPr>
+            <a:spLocks noGrp="1"/>
+          </p:cNvSpPr>
+          <p:nvPr>
+            <p:ph type="sldNum" sz="quarter" idx="10"/>
+          </p:nvPr>
+        </p:nvSpPr>
+        <p:spPr/>
+        <p:txBody>
+          <a:bodyPr/>
+          <a:lstStyle/>
+          <a:p>
+            <a:fld id="{6F9933D3-4D81-4BB4-AA18-612B08FC0C74}" type="slidenum">
+              <a:rPr lang="en-US" smtClean="0"/>
+              <a:t>7</a:t>
+            </a:fld>
+            <a:endParaRPr lang="en-US"/>
+          </a:p>
+        </p:txBody>
+      </p:sp>
+    </p:spTree>
+    <p:extLst>
+      <p:ext uri="{BB962C8B-B14F-4D97-AF65-F5344CB8AC3E}">
+        <p14:creationId xmlns:p14="http://schemas.microsoft.com/office/powerpoint/2010/main" val="946454699"/>
+      </p:ext>
+    </p:extLst>
+  </p:cSld>
+  <p:clrMapOvr>
+    <a:masterClrMapping/>
+  </p:clrMapOvr>
+</p:notes>
+</file>
+
+<file path=ppt/notesSlides/notesSlide8.xml><?xml version="1.0" encoding="utf-8"?>
+<p:notes xmlns:a="http://schemas.openxmlformats.org/drawingml/2006/main" xmlns:r="http://schemas.openxmlformats.org/officeDocument/2006/relationships" xmlns:p="http://schemas.openxmlformats.org/presentationml/2006/main">
+  <p:cSld>
+    <p:spTree>
+      <p:nvGrpSpPr>
+        <p:cNvPr id="1" name=""/>
+        <p:cNvGrpSpPr/>
+        <p:nvPr/>
+      </p:nvGrpSpPr>
+      <p:grpSpPr>
+        <a:xfrm>
+          <a:off x="0" y="0"/>
+          <a:ext cx="0" cy="0"/>
+          <a:chOff x="0" y="0"/>
+          <a:chExt cx="0" cy="0"/>
+        </a:xfrm>
+      </p:grpSpPr>
+      <p:sp>
+        <p:nvSpPr>
+          <p:cNvPr id="2" name="Slide Image Placeholder 1"/>
+          <p:cNvSpPr>
+            <a:spLocks noGrp="1" noRot="1" noChangeAspect="1"/>
+          </p:cNvSpPr>
+          <p:nvPr>
+            <p:ph type="sldImg"/>
+          </p:nvPr>
+        </p:nvSpPr>
+        <p:spPr/>
+      </p:sp>
+      <p:sp>
+        <p:nvSpPr>
+          <p:cNvPr id="3" name="Notes Placeholder 2"/>
+          <p:cNvSpPr>
+            <a:spLocks noGrp="1"/>
+          </p:cNvSpPr>
+          <p:nvPr>
+            <p:ph type="body" idx="1"/>
+          </p:nvPr>
+        </p:nvSpPr>
+        <p:spPr/>
+        <p:txBody>
+          <a:bodyPr/>
+          <a:lstStyle/>
+          <a:p>
+            <a:r>
+              <a:rPr lang="en-US" dirty="0" smtClean="0"/>
+              <a:t>Next: Notre </a:t>
+            </a:r>
+            <a:r>
+              <a:rPr lang="en-US" dirty="0" err="1" smtClean="0"/>
+              <a:t>approche</a:t>
+            </a:r>
+            <a:endParaRPr lang="en-US" dirty="0"/>
+          </a:p>
+        </p:txBody>
+      </p:sp>
+      <p:sp>
+        <p:nvSpPr>
+          <p:cNvPr id="4" name="Slide Number Placeholder 3"/>
+          <p:cNvSpPr>
+            <a:spLocks noGrp="1"/>
+          </p:cNvSpPr>
+          <p:nvPr>
+            <p:ph type="sldNum" sz="quarter" idx="10"/>
+          </p:nvPr>
+        </p:nvSpPr>
+        <p:spPr/>
+        <p:txBody>
+          <a:bodyPr/>
+          <a:lstStyle/>
+          <a:p>
+            <a:fld id="{6F9933D3-4D81-4BB4-AA18-612B08FC0C74}" type="slidenum">
+              <a:rPr lang="en-US" smtClean="0"/>
+              <a:t>8</a:t>
+            </a:fld>
+            <a:endParaRPr lang="en-US"/>
+          </a:p>
+        </p:txBody>
+      </p:sp>
+    </p:spTree>
+    <p:extLst>
+      <p:ext uri="{BB962C8B-B14F-4D97-AF65-F5344CB8AC3E}">
+        <p14:creationId xmlns:p14="http://schemas.microsoft.com/office/powerpoint/2010/main" val="1619590550"/>
+      </p:ext>
+    </p:extLst>
+  </p:cSld>
+  <p:clrMapOvr>
+    <a:masterClrMapping/>
+  </p:clrMapOvr>
+</p:notes>
+</file>
+
+<file path=ppt/notesSlides/notesSlide9.xml><?xml version="1.0" encoding="utf-8"?>
+<p:notes xmlns:a="http://schemas.openxmlformats.org/drawingml/2006/main" xmlns:r="http://schemas.openxmlformats.org/officeDocument/2006/relationships" xmlns:p="http://schemas.openxmlformats.org/presentationml/2006/main">
+  <p:cSld>
+    <p:spTree>
+      <p:nvGrpSpPr>
+        <p:cNvPr id="1" name=""/>
+        <p:cNvGrpSpPr/>
+        <p:nvPr/>
+      </p:nvGrpSpPr>
+      <p:grpSpPr>
+        <a:xfrm>
+          <a:off x="0" y="0"/>
+          <a:ext cx="0" cy="0"/>
+          <a:chOff x="0" y="0"/>
+          <a:chExt cx="0" cy="0"/>
+        </a:xfrm>
+      </p:grpSpPr>
+      <p:sp>
+        <p:nvSpPr>
+          <p:cNvPr id="2" name="Slide Image Placeholder 1"/>
+          <p:cNvSpPr>
+            <a:spLocks noGrp="1" noRot="1" noChangeAspect="1"/>
+          </p:cNvSpPr>
+          <p:nvPr>
+            <p:ph type="sldImg"/>
+          </p:nvPr>
+        </p:nvSpPr>
+        <p:spPr/>
+      </p:sp>
+      <p:sp>
+        <p:nvSpPr>
+          <p:cNvPr id="3" name="Notes Placeholder 2"/>
+          <p:cNvSpPr>
+            <a:spLocks noGrp="1"/>
+          </p:cNvSpPr>
+          <p:nvPr>
+            <p:ph type="body" idx="1"/>
+          </p:nvPr>
+        </p:nvSpPr>
+        <p:spPr/>
+        <p:txBody>
+          <a:bodyPr/>
+          <a:lstStyle/>
+          <a:p>
+            <a:r>
+              <a:rPr lang="en-US" dirty="0" smtClean="0"/>
+              <a:t>Next: Distribution</a:t>
+            </a:r>
+            <a:r>
+              <a:rPr lang="en-US" baseline="0" dirty="0" smtClean="0"/>
+              <a:t> de </a:t>
+            </a:r>
+            <a:r>
+              <a:rPr lang="en-US" baseline="0" dirty="0" err="1" smtClean="0"/>
+              <a:t>degrés</a:t>
+            </a:r>
+            <a:r>
+              <a:rPr lang="en-US" baseline="0" dirty="0" smtClean="0"/>
+              <a:t> au </a:t>
+            </a:r>
+            <a:r>
+              <a:rPr lang="en-US" baseline="0" dirty="0" err="1" smtClean="0"/>
+              <a:t>niveau</a:t>
+            </a:r>
+            <a:r>
+              <a:rPr lang="en-US" baseline="0" dirty="0" smtClean="0"/>
+              <a:t> </a:t>
+            </a:r>
+            <a:r>
+              <a:rPr lang="en-US" baseline="0" dirty="0" err="1" smtClean="0"/>
+              <a:t>logique</a:t>
+            </a:r>
+            <a:endParaRPr lang="en-US" dirty="0"/>
+          </a:p>
+        </p:txBody>
+      </p:sp>
+      <p:sp>
+        <p:nvSpPr>
+          <p:cNvPr id="4" name="Slide Number Placeholder 3"/>
+          <p:cNvSpPr>
+            <a:spLocks noGrp="1"/>
+          </p:cNvSpPr>
+          <p:nvPr>
+            <p:ph type="sldNum" sz="quarter" idx="10"/>
+          </p:nvPr>
+        </p:nvSpPr>
+        <p:spPr/>
+        <p:txBody>
+          <a:bodyPr/>
+          <a:lstStyle/>
+          <a:p>
+            <a:fld id="{6F9933D3-4D81-4BB4-AA18-612B08FC0C74}" type="slidenum">
+              <a:rPr lang="en-US" smtClean="0"/>
+              <a:t>9</a:t>
+            </a:fld>
+            <a:endParaRPr lang="en-US"/>
+          </a:p>
+        </p:txBody>
+      </p:sp>
+    </p:spTree>
+    <p:extLst>
+      <p:ext uri="{BB962C8B-B14F-4D97-AF65-F5344CB8AC3E}">
+        <p14:creationId xmlns:p14="http://schemas.microsoft.com/office/powerpoint/2010/main" val="3911532521"/>
       </p:ext>
     </p:extLst>
   </p:cSld>
@@ -861,7 +5951,7 @@
           <a:p>
             <a:fld id="{7575B4E8-ED17-4416-B292-41A4C82C09E9}" type="datetime1">
               <a:rPr lang="en-US" smtClean="0"/>
-              <a:t>1/5/2015</a:t>
+              <a:t>1/6/2015</a:t>
             </a:fld>
             <a:endParaRPr lang="en-US"/>
           </a:p>
@@ -1038,7 +6128,7 @@
           <a:p>
             <a:fld id="{CC95785B-74A1-4797-9B73-E1721EBE945E}" type="datetime1">
               <a:rPr lang="en-US" smtClean="0"/>
-              <a:t>1/5/2015</a:t>
+              <a:t>1/6/2015</a:t>
             </a:fld>
             <a:endParaRPr lang="en-US"/>
           </a:p>
@@ -1218,7 +6308,7 @@
           <a:p>
             <a:fld id="{A33F485E-0290-41A0-BB0A-F2D21FE05E9A}" type="datetime1">
               <a:rPr lang="en-US" smtClean="0"/>
-              <a:t>1/5/2015</a:t>
+              <a:t>1/6/2015</a:t>
             </a:fld>
             <a:endParaRPr lang="en-US"/>
           </a:p>
@@ -1388,7 +6478,7 @@
           <a:p>
             <a:fld id="{7B1DB83A-2B6D-412C-B2D3-96D5F904C34C}" type="datetime1">
               <a:rPr lang="en-US" smtClean="0"/>
-              <a:t>1/5/2015</a:t>
+              <a:t>1/6/2015</a:t>
             </a:fld>
             <a:endParaRPr lang="en-US"/>
           </a:p>
@@ -1634,7 +6724,7 @@
           <a:p>
             <a:fld id="{B5376C76-C9E5-4AA1-AD3D-9B70080AD5B6}" type="datetime1">
               <a:rPr lang="en-US" smtClean="0"/>
-              <a:t>1/5/2015</a:t>
+              <a:t>1/6/2015</a:t>
             </a:fld>
             <a:endParaRPr lang="en-US"/>
           </a:p>
@@ -1922,7 +7012,7 @@
           <a:p>
             <a:fld id="{87B768D1-7DD2-4C80-A155-12A0CF568E58}" type="datetime1">
               <a:rPr lang="en-US" smtClean="0"/>
-              <a:t>1/5/2015</a:t>
+              <a:t>1/6/2015</a:t>
             </a:fld>
             <a:endParaRPr lang="en-US"/>
           </a:p>
@@ -2344,7 +7434,7 @@
           <a:p>
             <a:fld id="{75D3179A-9403-4AD8-8AB7-7123F315843F}" type="datetime1">
               <a:rPr lang="en-US" smtClean="0"/>
-              <a:t>1/5/2015</a:t>
+              <a:t>1/6/2015</a:t>
             </a:fld>
             <a:endParaRPr lang="en-US"/>
           </a:p>
@@ -2462,7 +7552,7 @@
           <a:p>
             <a:fld id="{DF26AFF2-1D5A-4A64-8648-611884A43B00}" type="datetime1">
               <a:rPr lang="en-US" smtClean="0"/>
-              <a:t>1/5/2015</a:t>
+              <a:t>1/6/2015</a:t>
             </a:fld>
             <a:endParaRPr lang="en-US"/>
           </a:p>
@@ -2557,7 +7647,7 @@
           <a:p>
             <a:fld id="{9DA58449-15E7-42E3-9238-F6D545D80107}" type="datetime1">
               <a:rPr lang="en-US" smtClean="0"/>
-              <a:t>1/5/2015</a:t>
+              <a:t>1/6/2015</a:t>
             </a:fld>
             <a:endParaRPr lang="en-US"/>
           </a:p>
@@ -2834,7 +7924,7 @@
           <a:p>
             <a:fld id="{85B009D0-252C-4036-B9E3-A4CE5920C496}" type="datetime1">
               <a:rPr lang="en-US" smtClean="0"/>
-              <a:t>1/5/2015</a:t>
+              <a:t>1/6/2015</a:t>
             </a:fld>
             <a:endParaRPr lang="en-US"/>
           </a:p>
@@ -3087,7 +8177,7 @@
           <a:p>
             <a:fld id="{02BAA99F-8A87-44A6-86F4-E58B85248DAF}" type="datetime1">
               <a:rPr lang="en-US" smtClean="0"/>
-              <a:t>1/5/2015</a:t>
+              <a:t>1/6/2015</a:t>
             </a:fld>
             <a:endParaRPr lang="en-US"/>
           </a:p>
@@ -3300,7 +8390,7 @@
           <a:p>
             <a:fld id="{EEEE6771-EE60-48B7-A6B8-6EDC396FD4F0}" type="datetime1">
               <a:rPr lang="en-US" smtClean="0"/>
-              <a:t>1/5/2015</a:t>
+              <a:t>1/6/2015</a:t>
             </a:fld>
             <a:endParaRPr lang="en-US"/>
           </a:p>
@@ -4208,17 +9298,6 @@
                 </a:rPr>
                 <a:t>Directeur de recherches, CNRS</a:t>
               </a:r>
-              <a:endParaRPr lang="fr-FR" dirty="0" smtClean="0">
-                <a:solidFill>
-                  <a:schemeClr val="tx1">
-                    <a:lumMod val="75000"/>
-                    <a:lumOff val="25000"/>
-                  </a:schemeClr>
-                </a:solidFill>
-                <a:latin typeface="Open Sans Condensed Light" panose="020B0306030504020204" pitchFamily="34" charset="0"/>
-                <a:ea typeface="Open Sans Condensed Light" panose="020B0306030504020204" pitchFamily="34" charset="0"/>
-                <a:cs typeface="Open Sans Condensed Light" panose="020B0306030504020204" pitchFamily="34" charset="0"/>
-              </a:endParaRPr>
             </a:p>
             <a:p>
               <a:pPr algn="r"/>
@@ -4262,35 +9341,7 @@
                   <a:ea typeface="Open Sans Condensed Light" panose="020B0306030504020204" pitchFamily="34" charset="0"/>
                   <a:cs typeface="Open Sans Condensed Light" panose="020B0306030504020204" pitchFamily="34" charset="0"/>
                 </a:rPr>
-                <a:t>Chargée de </a:t>
-              </a:r>
-              <a:r>
-                <a:rPr lang="fr-FR" dirty="0" smtClean="0">
-                  <a:solidFill>
-                    <a:schemeClr val="tx1">
-                      <a:lumMod val="75000"/>
-                      <a:lumOff val="25000"/>
-                    </a:schemeClr>
-                  </a:solidFill>
-                  <a:latin typeface="Open Sans Condensed Light" panose="020B0306030504020204" pitchFamily="34" charset="0"/>
-                  <a:ea typeface="Open Sans Condensed Light" panose="020B0306030504020204" pitchFamily="34" charset="0"/>
-                  <a:cs typeface="Open Sans Condensed Light" panose="020B0306030504020204" pitchFamily="34" charset="0"/>
-                </a:rPr>
-                <a:t>recherches, </a:t>
-              </a:r>
-              <a:r>
-                <a:rPr lang="fr-FR" dirty="0" smtClean="0">
-                  <a:solidFill>
-                    <a:schemeClr val="tx1">
-                      <a:lumMod val="75000"/>
-                      <a:lumOff val="25000"/>
-                    </a:schemeClr>
-                  </a:solidFill>
-                  <a:latin typeface="Open Sans Condensed Light" panose="020B0306030504020204" pitchFamily="34" charset="0"/>
-                  <a:ea typeface="Open Sans Condensed Light" panose="020B0306030504020204" pitchFamily="34" charset="0"/>
-                  <a:cs typeface="Open Sans Condensed Light" panose="020B0306030504020204" pitchFamily="34" charset="0"/>
-                </a:rPr>
-                <a:t>CNRS</a:t>
+                <a:t>Chargée de recherches, CNRS</a:t>
               </a:r>
             </a:p>
             <a:p>
@@ -4862,7 +9913,7 @@
           <p:nvPr/>
         </p:nvPicPr>
         <p:blipFill>
-          <a:blip r:embed="rId2">
+          <a:blip r:embed="rId3">
             <a:extLst>
               <a:ext uri="{28A0092B-C50C-407E-A947-70E740481C1C}">
                 <a14:useLocalDpi xmlns:a14="http://schemas.microsoft.com/office/drawing/2010/main" val="0"/>
@@ -5109,7 +10160,7 @@
           <p:nvPr/>
         </p:nvPicPr>
         <p:blipFill>
-          <a:blip r:embed="rId2">
+          <a:blip r:embed="rId3">
             <a:extLst>
               <a:ext uri="{28A0092B-C50C-407E-A947-70E740481C1C}">
                 <a14:useLocalDpi xmlns:a14="http://schemas.microsoft.com/office/drawing/2010/main" val="0"/>
@@ -5382,7 +10433,7 @@
           <p:nvPr/>
         </p:nvPicPr>
         <p:blipFill>
-          <a:blip r:embed="rId2">
+          <a:blip r:embed="rId3">
             <a:extLst>
               <a:ext uri="{28A0092B-C50C-407E-A947-70E740481C1C}">
                 <a14:useLocalDpi xmlns:a14="http://schemas.microsoft.com/office/drawing/2010/main" val="0"/>
@@ -5714,7 +10765,7 @@
           <p:nvPr/>
         </p:nvPicPr>
         <p:blipFill>
-          <a:blip r:embed="rId2">
+          <a:blip r:embed="rId3">
             <a:extLst>
               <a:ext uri="{28A0092B-C50C-407E-A947-70E740481C1C}">
                 <a14:useLocalDpi xmlns:a14="http://schemas.microsoft.com/office/drawing/2010/main" val="0"/>
@@ -7126,7 +12177,7 @@
           <p:nvPr/>
         </p:nvPicPr>
         <p:blipFill>
-          <a:blip r:embed="rId2">
+          <a:blip r:embed="rId3">
             <a:extLst>
               <a:ext uri="{28A0092B-C50C-407E-A947-70E740481C1C}">
                 <a14:useLocalDpi xmlns:a14="http://schemas.microsoft.com/office/drawing/2010/main" val="0"/>
@@ -7893,7 +12944,7 @@
           <p:nvPr/>
         </p:nvPicPr>
         <p:blipFill>
-          <a:blip r:embed="rId2">
+          <a:blip r:embed="rId3">
             <a:extLst>
               <a:ext uri="{28A0092B-C50C-407E-A947-70E740481C1C}">
                 <a14:useLocalDpi xmlns:a14="http://schemas.microsoft.com/office/drawing/2010/main" val="0"/>
@@ -8198,7 +13249,7 @@
           <p:nvPr/>
         </p:nvPicPr>
         <p:blipFill>
-          <a:blip r:embed="rId2">
+          <a:blip r:embed="rId3">
             <a:extLst>
               <a:ext uri="{28A0092B-C50C-407E-A947-70E740481C1C}">
                 <a14:useLocalDpi xmlns:a14="http://schemas.microsoft.com/office/drawing/2010/main" val="0"/>
@@ -8754,7 +13805,7 @@
           <p:nvPr/>
         </p:nvPicPr>
         <p:blipFill>
-          <a:blip r:embed="rId2">
+          <a:blip r:embed="rId3">
             <a:extLst>
               <a:ext uri="{28A0092B-C50C-407E-A947-70E740481C1C}">
                 <a14:useLocalDpi xmlns:a14="http://schemas.microsoft.com/office/drawing/2010/main" val="0"/>
@@ -9066,7 +14117,7 @@
           <p:nvPr/>
         </p:nvPicPr>
         <p:blipFill>
-          <a:blip r:embed="rId2">
+          <a:blip r:embed="rId3">
             <a:extLst>
               <a:ext uri="{28A0092B-C50C-407E-A947-70E740481C1C}">
                 <a14:useLocalDpi xmlns:a14="http://schemas.microsoft.com/office/drawing/2010/main" val="0"/>
@@ -9319,7 +14370,7 @@
           <p:nvPr/>
         </p:nvPicPr>
         <p:blipFill>
-          <a:blip r:embed="rId2">
+          <a:blip r:embed="rId3">
             <a:extLst>
               <a:ext uri="{28A0092B-C50C-407E-A947-70E740481C1C}">
                 <a14:useLocalDpi xmlns:a14="http://schemas.microsoft.com/office/drawing/2010/main" val="0"/>
@@ -9554,7 +14605,7 @@
           <p:nvPr/>
         </p:nvPicPr>
         <p:blipFill>
-          <a:blip r:embed="rId2">
+          <a:blip r:embed="rId3">
             <a:extLst>
               <a:ext uri="{28A0092B-C50C-407E-A947-70E740481C1C}">
                 <a14:useLocalDpi xmlns:a14="http://schemas.microsoft.com/office/drawing/2010/main" val="0"/>
@@ -9744,7 +14795,7 @@
           <p:nvPr/>
         </p:nvPicPr>
         <p:blipFill>
-          <a:blip r:embed="rId2">
+          <a:blip r:embed="rId3">
             <a:extLst>
               <a:ext uri="{28A0092B-C50C-407E-A947-70E740481C1C}">
                 <a14:useLocalDpi xmlns:a14="http://schemas.microsoft.com/office/drawing/2010/main" val="0"/>
@@ -9997,7 +15048,7 @@
           <p:nvPr/>
         </p:nvPicPr>
         <p:blipFill>
-          <a:blip r:embed="rId2">
+          <a:blip r:embed="rId3">
             <a:extLst>
               <a:ext uri="{28A0092B-C50C-407E-A947-70E740481C1C}">
                 <a14:useLocalDpi xmlns:a14="http://schemas.microsoft.com/office/drawing/2010/main" val="0"/>
@@ -10219,7 +15270,7 @@
           <p:nvPr/>
         </p:nvPicPr>
         <p:blipFill>
-          <a:blip r:embed="rId2">
+          <a:blip r:embed="rId3">
             <a:extLst>
               <a:ext uri="{28A0092B-C50C-407E-A947-70E740481C1C}">
                 <a14:useLocalDpi xmlns:a14="http://schemas.microsoft.com/office/drawing/2010/main" val="0"/>
@@ -10387,7 +15438,7 @@
           <p:nvPr/>
         </p:nvPicPr>
         <p:blipFill>
-          <a:blip r:embed="rId2">
+          <a:blip r:embed="rId3">
             <a:extLst>
               <a:ext uri="{28A0092B-C50C-407E-A947-70E740481C1C}">
                 <a14:useLocalDpi xmlns:a14="http://schemas.microsoft.com/office/drawing/2010/main" val="0"/>
@@ -10555,7 +15606,7 @@
           <p:nvPr/>
         </p:nvPicPr>
         <p:blipFill>
-          <a:blip r:embed="rId2">
+          <a:blip r:embed="rId3">
             <a:extLst>
               <a:ext uri="{28A0092B-C50C-407E-A947-70E740481C1C}">
                 <a14:useLocalDpi xmlns:a14="http://schemas.microsoft.com/office/drawing/2010/main" val="0"/>
@@ -10715,7 +15766,7 @@
           <p:nvPr/>
         </p:nvPicPr>
         <p:blipFill>
-          <a:blip r:embed="rId2">
+          <a:blip r:embed="rId3">
             <a:extLst>
               <a:ext uri="{28A0092B-C50C-407E-A947-70E740481C1C}">
                 <a14:useLocalDpi xmlns:a14="http://schemas.microsoft.com/office/drawing/2010/main" val="0"/>
@@ -11222,7 +16273,7 @@
           <p:nvPr/>
         </p:nvPicPr>
         <p:blipFill>
-          <a:blip r:embed="rId2">
+          <a:blip r:embed="rId3">
             <a:extLst>
               <a:ext uri="{28A0092B-C50C-407E-A947-70E740481C1C}">
                 <a14:useLocalDpi xmlns:a14="http://schemas.microsoft.com/office/drawing/2010/main" val="0"/>
@@ -11596,7 +16647,7 @@
             <p:nvPr/>
           </p:nvPicPr>
           <p:blipFill>
-            <a:blip r:embed="rId2">
+            <a:blip r:embed="rId3">
               <a:extLst>
                 <a:ext uri="{28A0092B-C50C-407E-A947-70E740481C1C}">
                   <a14:useLocalDpi xmlns:a14="http://schemas.microsoft.com/office/drawing/2010/main" val="0"/>
@@ -12111,15 +17162,7 @@
             </a:r>
             <a:r>
               <a:rPr lang="fr-FR" sz="3200" dirty="0" smtClean="0"/>
-              <a:t> cibles initiales </a:t>
-            </a:r>
-            <a:r>
-              <a:rPr lang="fr-FR" sz="3200" dirty="0" smtClean="0"/>
-              <a:t>échantillonnées </a:t>
-            </a:r>
-            <a:r>
-              <a:rPr lang="fr-FR" sz="3200" dirty="0" smtClean="0"/>
-              <a:t>en 10 heures</a:t>
+              <a:t> cibles initiales échantillonnées en 10 heures</a:t>
             </a:r>
           </a:p>
           <a:p>
@@ -12302,7 +17345,7 @@
           <p:nvPr/>
         </p:nvPicPr>
         <p:blipFill>
-          <a:blip r:embed="rId2">
+          <a:blip r:embed="rId3">
             <a:extLst>
               <a:ext uri="{28A0092B-C50C-407E-A947-70E740481C1C}">
                 <a14:useLocalDpi xmlns:a14="http://schemas.microsoft.com/office/drawing/2010/main" val="0"/>
@@ -14000,17 +19043,6 @@
                 </a:rPr>
                 <a:t>Directeur de recherches, CNRS</a:t>
               </a:r>
-              <a:endParaRPr lang="fr-FR" dirty="0" smtClean="0">
-                <a:solidFill>
-                  <a:schemeClr val="tx1">
-                    <a:lumMod val="75000"/>
-                    <a:lumOff val="25000"/>
-                  </a:schemeClr>
-                </a:solidFill>
-                <a:latin typeface="Open Sans Condensed Light" panose="020B0306030504020204" pitchFamily="34" charset="0"/>
-                <a:ea typeface="Open Sans Condensed Light" panose="020B0306030504020204" pitchFamily="34" charset="0"/>
-                <a:cs typeface="Open Sans Condensed Light" panose="020B0306030504020204" pitchFamily="34" charset="0"/>
-              </a:endParaRPr>
             </a:p>
             <a:p>
               <a:pPr algn="r"/>
@@ -14054,35 +19086,7 @@
                   <a:ea typeface="Open Sans Condensed Light" panose="020B0306030504020204" pitchFamily="34" charset="0"/>
                   <a:cs typeface="Open Sans Condensed Light" panose="020B0306030504020204" pitchFamily="34" charset="0"/>
                 </a:rPr>
-                <a:t>Chargée de </a:t>
-              </a:r>
-              <a:r>
-                <a:rPr lang="fr-FR" dirty="0" smtClean="0">
-                  <a:solidFill>
-                    <a:schemeClr val="tx1">
-                      <a:lumMod val="75000"/>
-                      <a:lumOff val="25000"/>
-                    </a:schemeClr>
-                  </a:solidFill>
-                  <a:latin typeface="Open Sans Condensed Light" panose="020B0306030504020204" pitchFamily="34" charset="0"/>
-                  <a:ea typeface="Open Sans Condensed Light" panose="020B0306030504020204" pitchFamily="34" charset="0"/>
-                  <a:cs typeface="Open Sans Condensed Light" panose="020B0306030504020204" pitchFamily="34" charset="0"/>
-                </a:rPr>
-                <a:t>recherches, </a:t>
-              </a:r>
-              <a:r>
-                <a:rPr lang="fr-FR" dirty="0" smtClean="0">
-                  <a:solidFill>
-                    <a:schemeClr val="tx1">
-                      <a:lumMod val="75000"/>
-                      <a:lumOff val="25000"/>
-                    </a:schemeClr>
-                  </a:solidFill>
-                  <a:latin typeface="Open Sans Condensed Light" panose="020B0306030504020204" pitchFamily="34" charset="0"/>
-                  <a:ea typeface="Open Sans Condensed Light" panose="020B0306030504020204" pitchFamily="34" charset="0"/>
-                  <a:cs typeface="Open Sans Condensed Light" panose="020B0306030504020204" pitchFamily="34" charset="0"/>
-                </a:rPr>
-                <a:t>CNRS</a:t>
+                <a:t>Chargée de recherches, CNRS</a:t>
               </a:r>
             </a:p>
             <a:p>
@@ -15560,11 +20564,7 @@
           <a:p>
             <a:r>
               <a:rPr lang="fr-FR" sz="2400" u="sng" dirty="0" smtClean="0"/>
-              <a:t>Enjeux </a:t>
-            </a:r>
-            <a:r>
-              <a:rPr lang="fr-FR" sz="2400" u="sng" dirty="0" smtClean="0"/>
-              <a:t>industriels</a:t>
+              <a:t>Enjeux industriels</a:t>
             </a:r>
           </a:p>
           <a:p>
@@ -15607,11 +20607,7 @@
           <a:p>
             <a:r>
               <a:rPr lang="fr-FR" sz="2400" u="sng" dirty="0" smtClean="0"/>
-              <a:t>Enjeux </a:t>
-            </a:r>
-            <a:r>
-              <a:rPr lang="fr-FR" sz="2400" u="sng" dirty="0" smtClean="0"/>
-              <a:t>théoriques</a:t>
+              <a:t>Enjeux théoriques</a:t>
             </a:r>
           </a:p>
           <a:p>
@@ -16248,11 +21244,7 @@
             </a:pPr>
             <a:r>
               <a:rPr lang="fr-FR" sz="2400" dirty="0" smtClean="0"/>
-              <a:t>Mesures </a:t>
-            </a:r>
-            <a:r>
-              <a:rPr lang="fr-FR" sz="2400" dirty="0" smtClean="0"/>
-              <a:t>directe d’observables topologiques (pas de carte intermédiaire)</a:t>
+              <a:t>Mesures directe d’observables topologiques (pas de carte intermédiaire)</a:t>
             </a:r>
           </a:p>
           <a:p>
